--- a/proyecto/Presentacion.pptx
+++ b/proyecto/Presentacion.pptx
@@ -13,6 +13,8 @@
     <p:sldId id="262" r:id="rId7"/>
     <p:sldId id="263" r:id="rId8"/>
     <p:sldId id="264" r:id="rId9"/>
+    <p:sldId id="265" r:id="rId10"/>
+    <p:sldId id="266" r:id="rId11"/>
   </p:sldIdLst>
   <p:sldSz cx="12192000" cy="6858000"/>
   <p:notesSz cx="6858000" cy="9144000"/>
@@ -111,6 +113,11 @@
       </a:defRPr>
     </a:lvl9pPr>
   </p:defaultTextStyle>
+  <p:extLst>
+    <p:ext uri="{EFAFB233-063F-42B5-8137-9DF3F51BA10A}">
+      <p15:sldGuideLst xmlns:p15="http://schemas.microsoft.com/office/powerpoint/2012/main"/>
+    </p:ext>
+  </p:extLst>
 </p:presentation>
 </file>
 
@@ -156,10 +163,9 @@
           </a:lstStyle>
           <a:p>
             <a:r>
-              <a:rPr lang="es-ES" smtClean="0"/>
+              <a:rPr lang="es-ES"/>
               <a:t>Haga clic para modificar el estilo de título del patrón</a:t>
             </a:r>
-            <a:endParaRPr lang="es-ES"/>
           </a:p>
         </p:txBody>
       </p:sp>
@@ -221,10 +227,9 @@
           </a:lstStyle>
           <a:p>
             <a:r>
-              <a:rPr lang="es-ES" smtClean="0"/>
+              <a:rPr lang="es-ES"/>
               <a:t>Haga clic para modificar el estilo de subtítulo del patrón</a:t>
             </a:r>
-            <a:endParaRPr lang="es-ES"/>
           </a:p>
         </p:txBody>
       </p:sp>
@@ -245,7 +250,7 @@
           <a:p>
             <a:fld id="{988E1DA1-28EA-4AFF-A97B-7ACD3871F303}" type="datetimeFigureOut">
               <a:rPr lang="es-ES" smtClean="0"/>
-              <a:t>17/05/2018</a:t>
+              <a:t>20/05/2018</a:t>
             </a:fld>
             <a:endParaRPr lang="es-ES"/>
           </a:p>
@@ -339,10 +344,9 @@
           <a:lstStyle/>
           <a:p>
             <a:r>
-              <a:rPr lang="es-ES" smtClean="0"/>
+              <a:rPr lang="es-ES"/>
               <a:t>Haga clic para modificar el estilo de título del patrón</a:t>
             </a:r>
-            <a:endParaRPr lang="es-ES"/>
           </a:p>
         </p:txBody>
       </p:sp>
@@ -363,38 +367,37 @@
           <a:p>
             <a:pPr lvl="0"/>
             <a:r>
-              <a:rPr lang="es-ES" smtClean="0"/>
+              <a:rPr lang="es-ES"/>
               <a:t>Haga clic para modificar el estilo de texto del patrón</a:t>
             </a:r>
           </a:p>
           <a:p>
             <a:pPr lvl="1"/>
             <a:r>
-              <a:rPr lang="es-ES" smtClean="0"/>
+              <a:rPr lang="es-ES"/>
               <a:t>Segundo nivel</a:t>
             </a:r>
           </a:p>
           <a:p>
             <a:pPr lvl="2"/>
             <a:r>
-              <a:rPr lang="es-ES" smtClean="0"/>
+              <a:rPr lang="es-ES"/>
               <a:t>Tercer nivel</a:t>
             </a:r>
           </a:p>
           <a:p>
             <a:pPr lvl="3"/>
             <a:r>
-              <a:rPr lang="es-ES" smtClean="0"/>
+              <a:rPr lang="es-ES"/>
               <a:t>Cuarto nivel</a:t>
             </a:r>
           </a:p>
           <a:p>
             <a:pPr lvl="4"/>
             <a:r>
-              <a:rPr lang="es-ES" smtClean="0"/>
+              <a:rPr lang="es-ES"/>
               <a:t>Quinto nivel</a:t>
             </a:r>
-            <a:endParaRPr lang="es-ES"/>
           </a:p>
         </p:txBody>
       </p:sp>
@@ -415,7 +418,7 @@
           <a:p>
             <a:fld id="{988E1DA1-28EA-4AFF-A97B-7ACD3871F303}" type="datetimeFigureOut">
               <a:rPr lang="es-ES" smtClean="0"/>
-              <a:t>17/05/2018</a:t>
+              <a:t>20/05/2018</a:t>
             </a:fld>
             <a:endParaRPr lang="es-ES"/>
           </a:p>
@@ -514,10 +517,9 @@
           <a:lstStyle/>
           <a:p>
             <a:r>
-              <a:rPr lang="es-ES" smtClean="0"/>
+              <a:rPr lang="es-ES"/>
               <a:t>Haga clic para modificar el estilo de título del patrón</a:t>
             </a:r>
-            <a:endParaRPr lang="es-ES"/>
           </a:p>
         </p:txBody>
       </p:sp>
@@ -543,38 +545,37 @@
           <a:p>
             <a:pPr lvl="0"/>
             <a:r>
-              <a:rPr lang="es-ES" smtClean="0"/>
+              <a:rPr lang="es-ES"/>
               <a:t>Haga clic para modificar el estilo de texto del patrón</a:t>
             </a:r>
           </a:p>
           <a:p>
             <a:pPr lvl="1"/>
             <a:r>
-              <a:rPr lang="es-ES" smtClean="0"/>
+              <a:rPr lang="es-ES"/>
               <a:t>Segundo nivel</a:t>
             </a:r>
           </a:p>
           <a:p>
             <a:pPr lvl="2"/>
             <a:r>
-              <a:rPr lang="es-ES" smtClean="0"/>
+              <a:rPr lang="es-ES"/>
               <a:t>Tercer nivel</a:t>
             </a:r>
           </a:p>
           <a:p>
             <a:pPr lvl="3"/>
             <a:r>
-              <a:rPr lang="es-ES" smtClean="0"/>
+              <a:rPr lang="es-ES"/>
               <a:t>Cuarto nivel</a:t>
             </a:r>
           </a:p>
           <a:p>
             <a:pPr lvl="4"/>
             <a:r>
-              <a:rPr lang="es-ES" smtClean="0"/>
+              <a:rPr lang="es-ES"/>
               <a:t>Quinto nivel</a:t>
             </a:r>
-            <a:endParaRPr lang="es-ES"/>
           </a:p>
         </p:txBody>
       </p:sp>
@@ -595,7 +596,7 @@
           <a:p>
             <a:fld id="{988E1DA1-28EA-4AFF-A97B-7ACD3871F303}" type="datetimeFigureOut">
               <a:rPr lang="es-ES" smtClean="0"/>
-              <a:t>17/05/2018</a:t>
+              <a:t>20/05/2018</a:t>
             </a:fld>
             <a:endParaRPr lang="es-ES"/>
           </a:p>
@@ -689,10 +690,9 @@
           <a:lstStyle/>
           <a:p>
             <a:r>
-              <a:rPr lang="es-ES" smtClean="0"/>
+              <a:rPr lang="es-ES"/>
               <a:t>Haga clic para modificar el estilo de título del patrón</a:t>
             </a:r>
-            <a:endParaRPr lang="es-ES"/>
           </a:p>
         </p:txBody>
       </p:sp>
@@ -713,38 +713,37 @@
           <a:p>
             <a:pPr lvl="0"/>
             <a:r>
-              <a:rPr lang="es-ES" smtClean="0"/>
+              <a:rPr lang="es-ES"/>
               <a:t>Haga clic para modificar el estilo de texto del patrón</a:t>
             </a:r>
           </a:p>
           <a:p>
             <a:pPr lvl="1"/>
             <a:r>
-              <a:rPr lang="es-ES" smtClean="0"/>
+              <a:rPr lang="es-ES"/>
               <a:t>Segundo nivel</a:t>
             </a:r>
           </a:p>
           <a:p>
             <a:pPr lvl="2"/>
             <a:r>
-              <a:rPr lang="es-ES" smtClean="0"/>
+              <a:rPr lang="es-ES"/>
               <a:t>Tercer nivel</a:t>
             </a:r>
           </a:p>
           <a:p>
             <a:pPr lvl="3"/>
             <a:r>
-              <a:rPr lang="es-ES" smtClean="0"/>
+              <a:rPr lang="es-ES"/>
               <a:t>Cuarto nivel</a:t>
             </a:r>
           </a:p>
           <a:p>
             <a:pPr lvl="4"/>
             <a:r>
-              <a:rPr lang="es-ES" smtClean="0"/>
+              <a:rPr lang="es-ES"/>
               <a:t>Quinto nivel</a:t>
             </a:r>
-            <a:endParaRPr lang="es-ES"/>
           </a:p>
         </p:txBody>
       </p:sp>
@@ -765,7 +764,7 @@
           <a:p>
             <a:fld id="{988E1DA1-28EA-4AFF-A97B-7ACD3871F303}" type="datetimeFigureOut">
               <a:rPr lang="es-ES" smtClean="0"/>
-              <a:t>17/05/2018</a:t>
+              <a:t>20/05/2018</a:t>
             </a:fld>
             <a:endParaRPr lang="es-ES"/>
           </a:p>
@@ -868,10 +867,9 @@
           </a:lstStyle>
           <a:p>
             <a:r>
-              <a:rPr lang="es-ES" smtClean="0"/>
+              <a:rPr lang="es-ES"/>
               <a:t>Haga clic para modificar el estilo de título del patrón</a:t>
             </a:r>
-            <a:endParaRPr lang="es-ES"/>
           </a:p>
         </p:txBody>
       </p:sp>
@@ -988,7 +986,7 @@
           <a:p>
             <a:pPr lvl="0"/>
             <a:r>
-              <a:rPr lang="es-ES" smtClean="0"/>
+              <a:rPr lang="es-ES"/>
               <a:t>Haga clic para modificar el estilo de texto del patrón</a:t>
             </a:r>
           </a:p>
@@ -1011,7 +1009,7 @@
           <a:p>
             <a:fld id="{988E1DA1-28EA-4AFF-A97B-7ACD3871F303}" type="datetimeFigureOut">
               <a:rPr lang="es-ES" smtClean="0"/>
-              <a:t>17/05/2018</a:t>
+              <a:t>20/05/2018</a:t>
             </a:fld>
             <a:endParaRPr lang="es-ES"/>
           </a:p>
@@ -1105,10 +1103,9 @@
           <a:lstStyle/>
           <a:p>
             <a:r>
-              <a:rPr lang="es-ES" smtClean="0"/>
+              <a:rPr lang="es-ES"/>
               <a:t>Haga clic para modificar el estilo de título del patrón</a:t>
             </a:r>
-            <a:endParaRPr lang="es-ES"/>
           </a:p>
         </p:txBody>
       </p:sp>
@@ -1134,38 +1131,37 @@
           <a:p>
             <a:pPr lvl="0"/>
             <a:r>
-              <a:rPr lang="es-ES" smtClean="0"/>
+              <a:rPr lang="es-ES"/>
               <a:t>Haga clic para modificar el estilo de texto del patrón</a:t>
             </a:r>
           </a:p>
           <a:p>
             <a:pPr lvl="1"/>
             <a:r>
-              <a:rPr lang="es-ES" smtClean="0"/>
+              <a:rPr lang="es-ES"/>
               <a:t>Segundo nivel</a:t>
             </a:r>
           </a:p>
           <a:p>
             <a:pPr lvl="2"/>
             <a:r>
-              <a:rPr lang="es-ES" smtClean="0"/>
+              <a:rPr lang="es-ES"/>
               <a:t>Tercer nivel</a:t>
             </a:r>
           </a:p>
           <a:p>
             <a:pPr lvl="3"/>
             <a:r>
-              <a:rPr lang="es-ES" smtClean="0"/>
+              <a:rPr lang="es-ES"/>
               <a:t>Cuarto nivel</a:t>
             </a:r>
           </a:p>
           <a:p>
             <a:pPr lvl="4"/>
             <a:r>
-              <a:rPr lang="es-ES" smtClean="0"/>
+              <a:rPr lang="es-ES"/>
               <a:t>Quinto nivel</a:t>
             </a:r>
-            <a:endParaRPr lang="es-ES"/>
           </a:p>
         </p:txBody>
       </p:sp>
@@ -1191,38 +1187,37 @@
           <a:p>
             <a:pPr lvl="0"/>
             <a:r>
-              <a:rPr lang="es-ES" smtClean="0"/>
+              <a:rPr lang="es-ES"/>
               <a:t>Haga clic para modificar el estilo de texto del patrón</a:t>
             </a:r>
           </a:p>
           <a:p>
             <a:pPr lvl="1"/>
             <a:r>
-              <a:rPr lang="es-ES" smtClean="0"/>
+              <a:rPr lang="es-ES"/>
               <a:t>Segundo nivel</a:t>
             </a:r>
           </a:p>
           <a:p>
             <a:pPr lvl="2"/>
             <a:r>
-              <a:rPr lang="es-ES" smtClean="0"/>
+              <a:rPr lang="es-ES"/>
               <a:t>Tercer nivel</a:t>
             </a:r>
           </a:p>
           <a:p>
             <a:pPr lvl="3"/>
             <a:r>
-              <a:rPr lang="es-ES" smtClean="0"/>
+              <a:rPr lang="es-ES"/>
               <a:t>Cuarto nivel</a:t>
             </a:r>
           </a:p>
           <a:p>
             <a:pPr lvl="4"/>
             <a:r>
-              <a:rPr lang="es-ES" smtClean="0"/>
+              <a:rPr lang="es-ES"/>
               <a:t>Quinto nivel</a:t>
             </a:r>
-            <a:endParaRPr lang="es-ES"/>
           </a:p>
         </p:txBody>
       </p:sp>
@@ -1243,7 +1238,7 @@
           <a:p>
             <a:fld id="{988E1DA1-28EA-4AFF-A97B-7ACD3871F303}" type="datetimeFigureOut">
               <a:rPr lang="es-ES" smtClean="0"/>
-              <a:t>17/05/2018</a:t>
+              <a:t>20/05/2018</a:t>
             </a:fld>
             <a:endParaRPr lang="es-ES"/>
           </a:p>
@@ -1342,10 +1337,9 @@
           <a:lstStyle/>
           <a:p>
             <a:r>
-              <a:rPr lang="es-ES" smtClean="0"/>
+              <a:rPr lang="es-ES"/>
               <a:t>Haga clic para modificar el estilo de título del patrón</a:t>
             </a:r>
-            <a:endParaRPr lang="es-ES"/>
           </a:p>
         </p:txBody>
       </p:sp>
@@ -1408,7 +1402,7 @@
           <a:p>
             <a:pPr lvl="0"/>
             <a:r>
-              <a:rPr lang="es-ES" smtClean="0"/>
+              <a:rPr lang="es-ES"/>
               <a:t>Haga clic para modificar el estilo de texto del patrón</a:t>
             </a:r>
           </a:p>
@@ -1436,38 +1430,37 @@
           <a:p>
             <a:pPr lvl="0"/>
             <a:r>
-              <a:rPr lang="es-ES" smtClean="0"/>
+              <a:rPr lang="es-ES"/>
               <a:t>Haga clic para modificar el estilo de texto del patrón</a:t>
             </a:r>
           </a:p>
           <a:p>
             <a:pPr lvl="1"/>
             <a:r>
-              <a:rPr lang="es-ES" smtClean="0"/>
+              <a:rPr lang="es-ES"/>
               <a:t>Segundo nivel</a:t>
             </a:r>
           </a:p>
           <a:p>
             <a:pPr lvl="2"/>
             <a:r>
-              <a:rPr lang="es-ES" smtClean="0"/>
+              <a:rPr lang="es-ES"/>
               <a:t>Tercer nivel</a:t>
             </a:r>
           </a:p>
           <a:p>
             <a:pPr lvl="3"/>
             <a:r>
-              <a:rPr lang="es-ES" smtClean="0"/>
+              <a:rPr lang="es-ES"/>
               <a:t>Cuarto nivel</a:t>
             </a:r>
           </a:p>
           <a:p>
             <a:pPr lvl="4"/>
             <a:r>
-              <a:rPr lang="es-ES" smtClean="0"/>
+              <a:rPr lang="es-ES"/>
               <a:t>Quinto nivel</a:t>
             </a:r>
-            <a:endParaRPr lang="es-ES"/>
           </a:p>
         </p:txBody>
       </p:sp>
@@ -1530,7 +1523,7 @@
           <a:p>
             <a:pPr lvl="0"/>
             <a:r>
-              <a:rPr lang="es-ES" smtClean="0"/>
+              <a:rPr lang="es-ES"/>
               <a:t>Haga clic para modificar el estilo de texto del patrón</a:t>
             </a:r>
           </a:p>
@@ -1558,38 +1551,37 @@
           <a:p>
             <a:pPr lvl="0"/>
             <a:r>
-              <a:rPr lang="es-ES" smtClean="0"/>
+              <a:rPr lang="es-ES"/>
               <a:t>Haga clic para modificar el estilo de texto del patrón</a:t>
             </a:r>
           </a:p>
           <a:p>
             <a:pPr lvl="1"/>
             <a:r>
-              <a:rPr lang="es-ES" smtClean="0"/>
+              <a:rPr lang="es-ES"/>
               <a:t>Segundo nivel</a:t>
             </a:r>
           </a:p>
           <a:p>
             <a:pPr lvl="2"/>
             <a:r>
-              <a:rPr lang="es-ES" smtClean="0"/>
+              <a:rPr lang="es-ES"/>
               <a:t>Tercer nivel</a:t>
             </a:r>
           </a:p>
           <a:p>
             <a:pPr lvl="3"/>
             <a:r>
-              <a:rPr lang="es-ES" smtClean="0"/>
+              <a:rPr lang="es-ES"/>
               <a:t>Cuarto nivel</a:t>
             </a:r>
           </a:p>
           <a:p>
             <a:pPr lvl="4"/>
             <a:r>
-              <a:rPr lang="es-ES" smtClean="0"/>
+              <a:rPr lang="es-ES"/>
               <a:t>Quinto nivel</a:t>
             </a:r>
-            <a:endParaRPr lang="es-ES"/>
           </a:p>
         </p:txBody>
       </p:sp>
@@ -1610,7 +1602,7 @@
           <a:p>
             <a:fld id="{988E1DA1-28EA-4AFF-A97B-7ACD3871F303}" type="datetimeFigureOut">
               <a:rPr lang="es-ES" smtClean="0"/>
-              <a:t>17/05/2018</a:t>
+              <a:t>20/05/2018</a:t>
             </a:fld>
             <a:endParaRPr lang="es-ES"/>
           </a:p>
@@ -1704,10 +1696,9 @@
           <a:lstStyle/>
           <a:p>
             <a:r>
-              <a:rPr lang="es-ES" smtClean="0"/>
+              <a:rPr lang="es-ES"/>
               <a:t>Haga clic para modificar el estilo de título del patrón</a:t>
             </a:r>
-            <a:endParaRPr lang="es-ES"/>
           </a:p>
         </p:txBody>
       </p:sp>
@@ -1728,7 +1719,7 @@
           <a:p>
             <a:fld id="{988E1DA1-28EA-4AFF-A97B-7ACD3871F303}" type="datetimeFigureOut">
               <a:rPr lang="es-ES" smtClean="0"/>
-              <a:t>17/05/2018</a:t>
+              <a:t>20/05/2018</a:t>
             </a:fld>
             <a:endParaRPr lang="es-ES"/>
           </a:p>
@@ -1823,7 +1814,7 @@
           <a:p>
             <a:fld id="{988E1DA1-28EA-4AFF-A97B-7ACD3871F303}" type="datetimeFigureOut">
               <a:rPr lang="es-ES" smtClean="0"/>
-              <a:t>17/05/2018</a:t>
+              <a:t>20/05/2018</a:t>
             </a:fld>
             <a:endParaRPr lang="es-ES"/>
           </a:p>
@@ -1926,10 +1917,9 @@
           </a:lstStyle>
           <a:p>
             <a:r>
-              <a:rPr lang="es-ES" smtClean="0"/>
+              <a:rPr lang="es-ES"/>
               <a:t>Haga clic para modificar el estilo de título del patrón</a:t>
             </a:r>
-            <a:endParaRPr lang="es-ES"/>
           </a:p>
         </p:txBody>
       </p:sp>
@@ -1983,38 +1973,37 @@
           <a:p>
             <a:pPr lvl="0"/>
             <a:r>
-              <a:rPr lang="es-ES" smtClean="0"/>
+              <a:rPr lang="es-ES"/>
               <a:t>Haga clic para modificar el estilo de texto del patrón</a:t>
             </a:r>
           </a:p>
           <a:p>
             <a:pPr lvl="1"/>
             <a:r>
-              <a:rPr lang="es-ES" smtClean="0"/>
+              <a:rPr lang="es-ES"/>
               <a:t>Segundo nivel</a:t>
             </a:r>
           </a:p>
           <a:p>
             <a:pPr lvl="2"/>
             <a:r>
-              <a:rPr lang="es-ES" smtClean="0"/>
+              <a:rPr lang="es-ES"/>
               <a:t>Tercer nivel</a:t>
             </a:r>
           </a:p>
           <a:p>
             <a:pPr lvl="3"/>
             <a:r>
-              <a:rPr lang="es-ES" smtClean="0"/>
+              <a:rPr lang="es-ES"/>
               <a:t>Cuarto nivel</a:t>
             </a:r>
           </a:p>
           <a:p>
             <a:pPr lvl="4"/>
             <a:r>
-              <a:rPr lang="es-ES" smtClean="0"/>
+              <a:rPr lang="es-ES"/>
               <a:t>Quinto nivel</a:t>
             </a:r>
-            <a:endParaRPr lang="es-ES"/>
           </a:p>
         </p:txBody>
       </p:sp>
@@ -2077,7 +2066,7 @@
           <a:p>
             <a:pPr lvl="0"/>
             <a:r>
-              <a:rPr lang="es-ES" smtClean="0"/>
+              <a:rPr lang="es-ES"/>
               <a:t>Haga clic para modificar el estilo de texto del patrón</a:t>
             </a:r>
           </a:p>
@@ -2100,7 +2089,7 @@
           <a:p>
             <a:fld id="{988E1DA1-28EA-4AFF-A97B-7ACD3871F303}" type="datetimeFigureOut">
               <a:rPr lang="es-ES" smtClean="0"/>
-              <a:t>17/05/2018</a:t>
+              <a:t>20/05/2018</a:t>
             </a:fld>
             <a:endParaRPr lang="es-ES"/>
           </a:p>
@@ -2203,10 +2192,9 @@
           </a:lstStyle>
           <a:p>
             <a:r>
-              <a:rPr lang="es-ES" smtClean="0"/>
+              <a:rPr lang="es-ES"/>
               <a:t>Haga clic para modificar el estilo de título del patrón</a:t>
             </a:r>
-            <a:endParaRPr lang="es-ES"/>
           </a:p>
         </p:txBody>
       </p:sp>
@@ -2330,7 +2318,7 @@
           <a:p>
             <a:pPr lvl="0"/>
             <a:r>
-              <a:rPr lang="es-ES" smtClean="0"/>
+              <a:rPr lang="es-ES"/>
               <a:t>Haga clic para modificar el estilo de texto del patrón</a:t>
             </a:r>
           </a:p>
@@ -2353,7 +2341,7 @@
           <a:p>
             <a:fld id="{988E1DA1-28EA-4AFF-A97B-7ACD3871F303}" type="datetimeFigureOut">
               <a:rPr lang="es-ES" smtClean="0"/>
-              <a:t>17/05/2018</a:t>
+              <a:t>20/05/2018</a:t>
             </a:fld>
             <a:endParaRPr lang="es-ES"/>
           </a:p>
@@ -2462,10 +2450,9 @@
           <a:lstStyle/>
           <a:p>
             <a:r>
-              <a:rPr lang="es-ES" smtClean="0"/>
+              <a:rPr lang="es-ES"/>
               <a:t>Haga clic para modificar el estilo de título del patrón</a:t>
             </a:r>
-            <a:endParaRPr lang="es-ES"/>
           </a:p>
         </p:txBody>
       </p:sp>
@@ -2496,38 +2483,37 @@
           <a:p>
             <a:pPr lvl="0"/>
             <a:r>
-              <a:rPr lang="es-ES" smtClean="0"/>
+              <a:rPr lang="es-ES"/>
               <a:t>Haga clic para modificar el estilo de texto del patrón</a:t>
             </a:r>
           </a:p>
           <a:p>
             <a:pPr lvl="1"/>
             <a:r>
-              <a:rPr lang="es-ES" smtClean="0"/>
+              <a:rPr lang="es-ES"/>
               <a:t>Segundo nivel</a:t>
             </a:r>
           </a:p>
           <a:p>
             <a:pPr lvl="2"/>
             <a:r>
-              <a:rPr lang="es-ES" smtClean="0"/>
+              <a:rPr lang="es-ES"/>
               <a:t>Tercer nivel</a:t>
             </a:r>
           </a:p>
           <a:p>
             <a:pPr lvl="3"/>
             <a:r>
-              <a:rPr lang="es-ES" smtClean="0"/>
+              <a:rPr lang="es-ES"/>
               <a:t>Cuarto nivel</a:t>
             </a:r>
           </a:p>
           <a:p>
             <a:pPr lvl="4"/>
             <a:r>
-              <a:rPr lang="es-ES" smtClean="0"/>
+              <a:rPr lang="es-ES"/>
               <a:t>Quinto nivel</a:t>
             </a:r>
-            <a:endParaRPr lang="es-ES"/>
           </a:p>
         </p:txBody>
       </p:sp>
@@ -2566,7 +2552,7 @@
           <a:p>
             <a:fld id="{988E1DA1-28EA-4AFF-A97B-7ACD3871F303}" type="datetimeFigureOut">
               <a:rPr lang="es-ES" smtClean="0"/>
-              <a:t>17/05/2018</a:t>
+              <a:t>20/05/2018</a:t>
             </a:fld>
             <a:endParaRPr lang="es-ES"/>
           </a:p>
@@ -3025,10 +3011,9 @@
           <a:lstStyle/>
           <a:p>
             <a:r>
-              <a:rPr lang="es-ES" dirty="0" smtClean="0"/>
+              <a:rPr lang="es-ES" dirty="0"/>
               <a:t>¿Venenosa o no?</a:t>
             </a:r>
-            <a:endParaRPr lang="es-ES" dirty="0"/>
           </a:p>
         </p:txBody>
       </p:sp>
@@ -3115,16 +3100,15 @@
           <a:lstStyle/>
           <a:p>
             <a:r>
-              <a:rPr lang="es-ES" sz="2800" dirty="0" smtClean="0"/>
+              <a:rPr lang="es-ES" sz="2800" dirty="0"/>
               <a:t>Pablo Arranz Ropero</a:t>
             </a:r>
           </a:p>
           <a:p>
             <a:r>
-              <a:rPr lang="es-ES" sz="2800" dirty="0" smtClean="0"/>
+              <a:rPr lang="es-ES" sz="2800" dirty="0"/>
               <a:t>Juan Alberto Camino Sáez</a:t>
             </a:r>
-            <a:endParaRPr lang="es-ES" sz="2800" dirty="0"/>
           </a:p>
         </p:txBody>
       </p:sp>
@@ -3138,12 +3122,559 @@
   <p:clrMapOvr>
     <a:masterClrMapping/>
   </p:clrMapOvr>
+  <mc:AlternateContent xmlns:mc="http://schemas.openxmlformats.org/markup-compatibility/2006">
+    <mc:Choice xmlns:p14="http://schemas.microsoft.com/office/powerpoint/2010/main" Requires="p14">
+      <p:transition spd="med" p14:dur="700">
+        <p:fade/>
+      </p:transition>
+    </mc:Choice>
+    <mc:Fallback>
+      <p:transition spd="med">
+        <p:fade/>
+      </p:transition>
+    </mc:Fallback>
+  </mc:AlternateContent>
+</p:sld>
+</file>
+
+<file path=ppt/slides/slide10.xml><?xml version="1.0" encoding="utf-8"?>
+<p:sld xmlns:a="http://schemas.openxmlformats.org/drawingml/2006/main" xmlns:r="http://schemas.openxmlformats.org/officeDocument/2006/relationships" xmlns:p="http://schemas.openxmlformats.org/presentationml/2006/main">
+  <p:cSld>
+    <p:bg>
+      <p:bgPr>
+        <a:gradFill>
+          <a:gsLst>
+            <a:gs pos="0">
+              <a:schemeClr val="accent1">
+                <a:lumMod val="5000"/>
+                <a:lumOff val="95000"/>
+              </a:schemeClr>
+            </a:gs>
+            <a:gs pos="75000">
+              <a:schemeClr val="accent1">
+                <a:lumMod val="75000"/>
+              </a:schemeClr>
+            </a:gs>
+            <a:gs pos="86000">
+              <a:schemeClr val="accent1">
+                <a:lumMod val="45000"/>
+                <a:lumOff val="55000"/>
+              </a:schemeClr>
+            </a:gs>
+            <a:gs pos="100000">
+              <a:schemeClr val="accent1">
+                <a:lumMod val="30000"/>
+                <a:lumOff val="70000"/>
+              </a:schemeClr>
+            </a:gs>
+          </a:gsLst>
+          <a:lin ang="5400000" scaled="1"/>
+        </a:gradFill>
+        <a:effectLst/>
+      </p:bgPr>
+    </p:bg>
+    <p:spTree>
+      <p:nvGrpSpPr>
+        <p:cNvPr id="1" name=""/>
+        <p:cNvGrpSpPr/>
+        <p:nvPr/>
+      </p:nvGrpSpPr>
+      <p:grpSpPr>
+        <a:xfrm>
+          <a:off x="0" y="0"/>
+          <a:ext cx="0" cy="0"/>
+          <a:chOff x="0" y="0"/>
+          <a:chExt cx="0" cy="0"/>
+        </a:xfrm>
+      </p:grpSpPr>
+      <p:sp>
+        <p:nvSpPr>
+          <p:cNvPr id="6" name="Título 1">
+            <a:extLst>
+              <a:ext uri="{FF2B5EF4-FFF2-40B4-BE49-F238E27FC236}">
+                <a16:creationId xmlns:a16="http://schemas.microsoft.com/office/drawing/2014/main" id="{399226CF-D361-4206-8E0E-AC170F2CF5FD}"/>
+              </a:ext>
+            </a:extLst>
+          </p:cNvPr>
+          <p:cNvSpPr>
+            <a:spLocks noGrp="1"/>
+          </p:cNvSpPr>
+          <p:nvPr>
+            <p:ph type="ctrTitle"/>
+          </p:nvPr>
+        </p:nvSpPr>
+        <p:spPr>
+          <a:xfrm>
+            <a:off x="1045391" y="-1193800"/>
+            <a:ext cx="9144000" cy="2387600"/>
+          </a:xfrm>
+        </p:spPr>
+        <p:txBody>
+          <a:bodyPr/>
+          <a:lstStyle/>
+          <a:p>
+            <a:r>
+              <a:rPr lang="es-ES" dirty="0"/>
+              <a:t>Conclusiones</a:t>
+            </a:r>
+          </a:p>
+        </p:txBody>
+      </p:sp>
+      <p:sp>
+        <p:nvSpPr>
+          <p:cNvPr id="2" name="CuadroTexto 1">
+            <a:extLst>
+              <a:ext uri="{FF2B5EF4-FFF2-40B4-BE49-F238E27FC236}">
+                <a16:creationId xmlns:a16="http://schemas.microsoft.com/office/drawing/2014/main" id="{2869FAB9-82A0-4321-866F-EA73BEF06CF8}"/>
+              </a:ext>
+            </a:extLst>
+          </p:cNvPr>
+          <p:cNvSpPr txBox="1"/>
+          <p:nvPr/>
+        </p:nvSpPr>
+        <p:spPr>
+          <a:xfrm>
+            <a:off x="731583" y="1716259"/>
+            <a:ext cx="10287816" cy="3785652"/>
+          </a:xfrm>
+          <a:prstGeom prst="rect">
+            <a:avLst/>
+          </a:prstGeom>
+          <a:noFill/>
+        </p:spPr>
+        <p:txBody>
+          <a:bodyPr wrap="none" rtlCol="0">
+            <a:spAutoFit/>
+          </a:bodyPr>
+          <a:lstStyle/>
+          <a:p>
+            <a:pPr marL="285750" indent="-285750">
+              <a:buFont typeface="Arial" panose="020B0604020202020204" pitchFamily="34" charset="0"/>
+              <a:buChar char="•"/>
+            </a:pPr>
+            <a:r>
+              <a:rPr lang="es-ES" sz="2400" dirty="0"/>
+              <a:t>Resultados más fiables al dividir los datos en training, </a:t>
+            </a:r>
+            <a:r>
+              <a:rPr lang="es-ES" sz="2400" dirty="0" err="1"/>
+              <a:t>cross-validation</a:t>
+            </a:r>
+            <a:r>
+              <a:rPr lang="es-ES" sz="2400" dirty="0"/>
+              <a:t> y test.</a:t>
+            </a:r>
+          </a:p>
+          <a:p>
+            <a:pPr marL="285750" indent="-285750">
+              <a:buFont typeface="Arial" panose="020B0604020202020204" pitchFamily="34" charset="0"/>
+              <a:buChar char="•"/>
+            </a:pPr>
+            <a:endParaRPr lang="es-ES" sz="2400" dirty="0"/>
+          </a:p>
+          <a:p>
+            <a:pPr marL="285750" indent="-285750">
+              <a:buFont typeface="Arial" panose="020B0604020202020204" pitchFamily="34" charset="0"/>
+              <a:buChar char="•"/>
+            </a:pPr>
+            <a:r>
+              <a:rPr lang="es-ES" sz="2400" dirty="0"/>
+              <a:t>Tiempo empleado por cada algoritmo de aprendizaje.</a:t>
+            </a:r>
+          </a:p>
+          <a:p>
+            <a:pPr marL="285750" indent="-285750">
+              <a:buFont typeface="Arial" panose="020B0604020202020204" pitchFamily="34" charset="0"/>
+              <a:buChar char="•"/>
+            </a:pPr>
+            <a:endParaRPr lang="es-ES" sz="2400" dirty="0"/>
+          </a:p>
+          <a:p>
+            <a:pPr marL="285750" indent="-285750">
+              <a:buFont typeface="Arial" panose="020B0604020202020204" pitchFamily="34" charset="0"/>
+              <a:buChar char="•"/>
+            </a:pPr>
+            <a:r>
+              <a:rPr lang="es-ES" sz="2400" dirty="0"/>
+              <a:t>Mejores resultados con SVM frente a redes neuronales para este conjunto</a:t>
+            </a:r>
+          </a:p>
+          <a:p>
+            <a:r>
+              <a:rPr lang="es-ES" sz="2400" dirty="0"/>
+              <a:t>    de datos, y mucho mejores frente a regresión logística.</a:t>
+            </a:r>
+          </a:p>
+          <a:p>
+            <a:endParaRPr lang="es-ES" sz="2400" dirty="0"/>
+          </a:p>
+          <a:p>
+            <a:pPr marL="285750" indent="-285750">
+              <a:buFont typeface="Arial" panose="020B0604020202020204" pitchFamily="34" charset="0"/>
+              <a:buChar char="•"/>
+            </a:pPr>
+            <a:r>
+              <a:rPr lang="es-ES" sz="2400" dirty="0"/>
+              <a:t>Mayor fiabilidad cuanto mayor cantidad de datos se usan en el entrenamiento.</a:t>
+            </a:r>
+          </a:p>
+          <a:p>
+            <a:pPr marL="285750" indent="-285750">
+              <a:buFont typeface="Arial" panose="020B0604020202020204" pitchFamily="34" charset="0"/>
+              <a:buChar char="•"/>
+            </a:pPr>
+            <a:endParaRPr lang="es-ES" sz="2400" dirty="0"/>
+          </a:p>
+          <a:p>
+            <a:pPr marL="285750" indent="-285750">
+              <a:buFont typeface="Arial" panose="020B0604020202020204" pitchFamily="34" charset="0"/>
+              <a:buChar char="•"/>
+            </a:pPr>
+            <a:r>
+              <a:rPr lang="es-ES" sz="2400" dirty="0"/>
+              <a:t>Threshold bajo en todas las implementaciones.</a:t>
+            </a:r>
+          </a:p>
+        </p:txBody>
+      </p:sp>
+      <p:pic>
+        <p:nvPicPr>
+          <p:cNvPr id="5" name="Picture 27">
+            <a:extLst>
+              <a:ext uri="{FF2B5EF4-FFF2-40B4-BE49-F238E27FC236}">
+                <a16:creationId xmlns:a16="http://schemas.microsoft.com/office/drawing/2014/main" id="{D9E4434C-C745-4DE3-9312-C21F670C5574}"/>
+              </a:ext>
+            </a:extLst>
+          </p:cNvPr>
+          <p:cNvPicPr/>
+          <p:nvPr/>
+        </p:nvPicPr>
+        <p:blipFill>
+          <a:blip r:embed="rId2"/>
+          <a:stretch>
+            <a:fillRect/>
+          </a:stretch>
+        </p:blipFill>
+        <p:spPr>
+          <a:xfrm>
+            <a:off x="-197255" y="0"/>
+            <a:ext cx="12295163" cy="6857999"/>
+          </a:xfrm>
+          <a:prstGeom prst="rect">
+            <a:avLst/>
+          </a:prstGeom>
+        </p:spPr>
+      </p:pic>
+    </p:spTree>
+    <p:extLst>
+      <p:ext uri="{BB962C8B-B14F-4D97-AF65-F5344CB8AC3E}">
+        <p14:creationId xmlns:p14="http://schemas.microsoft.com/office/powerpoint/2010/main" val="2873318494"/>
+      </p:ext>
+    </p:extLst>
+  </p:cSld>
+  <p:clrMapOvr>
+    <a:masterClrMapping/>
+  </p:clrMapOvr>
+  <mc:AlternateContent xmlns:mc="http://schemas.openxmlformats.org/markup-compatibility/2006">
+    <mc:Choice xmlns:p14="http://schemas.microsoft.com/office/powerpoint/2010/main" Requires="p14">
+      <p:transition spd="med" p14:dur="700">
+        <p:fade/>
+      </p:transition>
+    </mc:Choice>
+    <mc:Fallback>
+      <p:transition spd="med">
+        <p:fade/>
+      </p:transition>
+    </mc:Fallback>
+  </mc:AlternateContent>
   <p:timing>
     <p:tnLst>
       <p:par>
-        <p:cTn id="1" dur="indefinite" restart="never" nodeType="tmRoot"/>
+        <p:cTn id="1" dur="indefinite" restart="never" nodeType="tmRoot">
+          <p:childTnLst>
+            <p:seq concurrent="1" nextAc="seek">
+              <p:cTn id="2" dur="indefinite" nodeType="mainSeq">
+                <p:childTnLst>
+                  <p:par>
+                    <p:cTn id="3" fill="hold">
+                      <p:stCondLst>
+                        <p:cond delay="indefinite"/>
+                      </p:stCondLst>
+                      <p:childTnLst>
+                        <p:par>
+                          <p:cTn id="4" fill="hold">
+                            <p:stCondLst>
+                              <p:cond delay="0"/>
+                            </p:stCondLst>
+                            <p:childTnLst>
+                              <p:par>
+                                <p:cTn id="5" presetID="6" presetClass="entr" presetSubtype="16" fill="hold" nodeType="clickEffect">
+                                  <p:stCondLst>
+                                    <p:cond delay="0"/>
+                                  </p:stCondLst>
+                                  <p:childTnLst>
+                                    <p:set>
+                                      <p:cBhvr>
+                                        <p:cTn id="6" dur="1" fill="hold">
+                                          <p:stCondLst>
+                                            <p:cond delay="0"/>
+                                          </p:stCondLst>
+                                        </p:cTn>
+                                        <p:tgtEl>
+                                          <p:spTgt spid="5"/>
+                                        </p:tgtEl>
+                                        <p:attrNameLst>
+                                          <p:attrName>style.visibility</p:attrName>
+                                        </p:attrNameLst>
+                                      </p:cBhvr>
+                                      <p:to>
+                                        <p:strVal val="visible"/>
+                                      </p:to>
+                                    </p:set>
+                                    <p:animEffect transition="in" filter="circle(in)">
+                                      <p:cBhvr>
+                                        <p:cTn id="7" dur="2000"/>
+                                        <p:tgtEl>
+                                          <p:spTgt spid="5"/>
+                                        </p:tgtEl>
+                                      </p:cBhvr>
+                                    </p:animEffect>
+                                  </p:childTnLst>
+                                </p:cTn>
+                              </p:par>
+                            </p:childTnLst>
+                          </p:cTn>
+                        </p:par>
+                      </p:childTnLst>
+                    </p:cTn>
+                  </p:par>
+                  <p:par>
+                    <p:cTn id="8" fill="hold">
+                      <p:stCondLst>
+                        <p:cond delay="indefinite"/>
+                      </p:stCondLst>
+                      <p:childTnLst>
+                        <p:par>
+                          <p:cTn id="9" fill="hold">
+                            <p:stCondLst>
+                              <p:cond delay="0"/>
+                            </p:stCondLst>
+                            <p:childTnLst>
+                              <p:par>
+                                <p:cTn id="10" presetID="31" presetClass="exit" presetSubtype="0" fill="hold" nodeType="clickEffect">
+                                  <p:stCondLst>
+                                    <p:cond delay="0"/>
+                                  </p:stCondLst>
+                                  <p:childTnLst>
+                                    <p:anim calcmode="lin" valueType="num">
+                                      <p:cBhvr>
+                                        <p:cTn id="11" dur="1000"/>
+                                        <p:tgtEl>
+                                          <p:spTgt spid="5"/>
+                                        </p:tgtEl>
+                                        <p:attrNameLst>
+                                          <p:attrName>ppt_w</p:attrName>
+                                        </p:attrNameLst>
+                                      </p:cBhvr>
+                                      <p:tavLst>
+                                        <p:tav tm="0">
+                                          <p:val>
+                                            <p:strVal val="ppt_w"/>
+                                          </p:val>
+                                        </p:tav>
+                                        <p:tav tm="100000">
+                                          <p:val>
+                                            <p:fltVal val="0"/>
+                                          </p:val>
+                                        </p:tav>
+                                      </p:tavLst>
+                                    </p:anim>
+                                    <p:anim calcmode="lin" valueType="num">
+                                      <p:cBhvr>
+                                        <p:cTn id="12" dur="1000"/>
+                                        <p:tgtEl>
+                                          <p:spTgt spid="5"/>
+                                        </p:tgtEl>
+                                        <p:attrNameLst>
+                                          <p:attrName>ppt_h</p:attrName>
+                                        </p:attrNameLst>
+                                      </p:cBhvr>
+                                      <p:tavLst>
+                                        <p:tav tm="0">
+                                          <p:val>
+                                            <p:strVal val="ppt_h"/>
+                                          </p:val>
+                                        </p:tav>
+                                        <p:tav tm="100000">
+                                          <p:val>
+                                            <p:fltVal val="0"/>
+                                          </p:val>
+                                        </p:tav>
+                                      </p:tavLst>
+                                    </p:anim>
+                                    <p:anim calcmode="lin" valueType="num">
+                                      <p:cBhvr>
+                                        <p:cTn id="13" dur="1000"/>
+                                        <p:tgtEl>
+                                          <p:spTgt spid="5"/>
+                                        </p:tgtEl>
+                                        <p:attrNameLst>
+                                          <p:attrName>style.rotation</p:attrName>
+                                        </p:attrNameLst>
+                                      </p:cBhvr>
+                                      <p:tavLst>
+                                        <p:tav tm="0">
+                                          <p:val>
+                                            <p:fltVal val="0"/>
+                                          </p:val>
+                                        </p:tav>
+                                        <p:tav tm="100000">
+                                          <p:val>
+                                            <p:fltVal val="90"/>
+                                          </p:val>
+                                        </p:tav>
+                                      </p:tavLst>
+                                    </p:anim>
+                                    <p:animEffect transition="out" filter="fade">
+                                      <p:cBhvr>
+                                        <p:cTn id="14" dur="1000"/>
+                                        <p:tgtEl>
+                                          <p:spTgt spid="5"/>
+                                        </p:tgtEl>
+                                      </p:cBhvr>
+                                    </p:animEffect>
+                                    <p:set>
+                                      <p:cBhvr>
+                                        <p:cTn id="15" dur="1" fill="hold">
+                                          <p:stCondLst>
+                                            <p:cond delay="999"/>
+                                          </p:stCondLst>
+                                        </p:cTn>
+                                        <p:tgtEl>
+                                          <p:spTgt spid="5"/>
+                                        </p:tgtEl>
+                                        <p:attrNameLst>
+                                          <p:attrName>style.visibility</p:attrName>
+                                        </p:attrNameLst>
+                                      </p:cBhvr>
+                                      <p:to>
+                                        <p:strVal val="hidden"/>
+                                      </p:to>
+                                    </p:set>
+                                  </p:childTnLst>
+                                </p:cTn>
+                              </p:par>
+                              <p:par>
+                                <p:cTn id="16" presetID="45" presetClass="entr" presetSubtype="0" fill="hold" grpId="0" nodeType="withEffect">
+                                  <p:stCondLst>
+                                    <p:cond delay="0"/>
+                                  </p:stCondLst>
+                                  <p:childTnLst>
+                                    <p:set>
+                                      <p:cBhvr>
+                                        <p:cTn id="17" dur="1" fill="hold">
+                                          <p:stCondLst>
+                                            <p:cond delay="0"/>
+                                          </p:stCondLst>
+                                        </p:cTn>
+                                        <p:tgtEl>
+                                          <p:spTgt spid="2"/>
+                                        </p:tgtEl>
+                                        <p:attrNameLst>
+                                          <p:attrName>style.visibility</p:attrName>
+                                        </p:attrNameLst>
+                                      </p:cBhvr>
+                                      <p:to>
+                                        <p:strVal val="visible"/>
+                                      </p:to>
+                                    </p:set>
+                                    <p:animEffect transition="in" filter="fade">
+                                      <p:cBhvr>
+                                        <p:cTn id="18" dur="2000"/>
+                                        <p:tgtEl>
+                                          <p:spTgt spid="2"/>
+                                        </p:tgtEl>
+                                      </p:cBhvr>
+                                    </p:animEffect>
+                                    <p:anim calcmode="lin" valueType="num">
+                                      <p:cBhvr>
+                                        <p:cTn id="19" dur="2000" fill="hold"/>
+                                        <p:tgtEl>
+                                          <p:spTgt spid="2"/>
+                                        </p:tgtEl>
+                                        <p:attrNameLst>
+                                          <p:attrName>ppt_w</p:attrName>
+                                        </p:attrNameLst>
+                                      </p:cBhvr>
+                                      <p:tavLst>
+                                        <p:tav tm="0" fmla="#ppt_w*sin(2.5*pi*$)">
+                                          <p:val>
+                                            <p:fltVal val="0"/>
+                                          </p:val>
+                                        </p:tav>
+                                        <p:tav tm="100000">
+                                          <p:val>
+                                            <p:fltVal val="1"/>
+                                          </p:val>
+                                        </p:tav>
+                                      </p:tavLst>
+                                    </p:anim>
+                                    <p:anim calcmode="lin" valueType="num">
+                                      <p:cBhvr>
+                                        <p:cTn id="20" dur="2000" fill="hold"/>
+                                        <p:tgtEl>
+                                          <p:spTgt spid="2"/>
+                                        </p:tgtEl>
+                                        <p:attrNameLst>
+                                          <p:attrName>ppt_h</p:attrName>
+                                        </p:attrNameLst>
+                                      </p:cBhvr>
+                                      <p:tavLst>
+                                        <p:tav tm="0">
+                                          <p:val>
+                                            <p:strVal val="#ppt_h"/>
+                                          </p:val>
+                                        </p:tav>
+                                        <p:tav tm="100000">
+                                          <p:val>
+                                            <p:strVal val="#ppt_h"/>
+                                          </p:val>
+                                        </p:tav>
+                                      </p:tavLst>
+                                    </p:anim>
+                                  </p:childTnLst>
+                                </p:cTn>
+                              </p:par>
+                            </p:childTnLst>
+                          </p:cTn>
+                        </p:par>
+                      </p:childTnLst>
+                    </p:cTn>
+                  </p:par>
+                </p:childTnLst>
+              </p:cTn>
+              <p:prevCondLst>
+                <p:cond evt="onPrev" delay="0">
+                  <p:tgtEl>
+                    <p:sldTgt/>
+                  </p:tgtEl>
+                </p:cond>
+              </p:prevCondLst>
+              <p:nextCondLst>
+                <p:cond evt="onNext" delay="0">
+                  <p:tgtEl>
+                    <p:sldTgt/>
+                  </p:tgtEl>
+                </p:cond>
+              </p:nextCondLst>
+            </p:seq>
+          </p:childTnLst>
+        </p:cTn>
       </p:par>
     </p:tnLst>
+    <p:bldLst>
+      <p:bldP spid="2" grpId="0"/>
+    </p:bldLst>
   </p:timing>
 </p:sld>
 </file>
@@ -3219,10 +3750,9 @@
           <a:lstStyle/>
           <a:p>
             <a:r>
-              <a:rPr lang="es-ES" dirty="0" smtClean="0"/>
+              <a:rPr lang="es-ES" dirty="0"/>
               <a:t>Descripción del problema</a:t>
             </a:r>
-            <a:endParaRPr lang="es-ES" dirty="0"/>
           </a:p>
         </p:txBody>
       </p:sp>
@@ -3253,7 +3783,7 @@
               <a:buChar char="•"/>
             </a:pPr>
             <a:r>
-              <a:rPr lang="es-ES" sz="2400" dirty="0" smtClean="0"/>
+              <a:rPr lang="es-ES" sz="2400" dirty="0"/>
               <a:t>Se quiere saber, según una serie de características de una seta, si esta es apta para el consumo o no.</a:t>
             </a:r>
           </a:p>
@@ -3269,7 +3799,7 @@
               <a:buFont typeface="Arial" panose="020B0604020202020204" pitchFamily="34" charset="0"/>
               <a:buChar char="•"/>
             </a:pPr>
-            <a:endParaRPr lang="es-ES" sz="2400" dirty="0" smtClean="0"/>
+            <a:endParaRPr lang="es-ES" sz="2400" dirty="0"/>
           </a:p>
           <a:p>
             <a:pPr marL="285750" indent="-285750">
@@ -3277,7 +3807,7 @@
               <a:buChar char="•"/>
             </a:pPr>
             <a:r>
-              <a:rPr lang="es-ES" sz="2400" dirty="0" smtClean="0"/>
+              <a:rPr lang="es-ES" sz="2400" dirty="0"/>
               <a:t>Para ello, se tiene un conjunto de datos, con sus diferentes atributos, y ya clasificadas como venenosas o no.</a:t>
             </a:r>
           </a:p>
@@ -3293,7 +3823,7 @@
               <a:buFont typeface="Arial" panose="020B0604020202020204" pitchFamily="34" charset="0"/>
               <a:buChar char="•"/>
             </a:pPr>
-            <a:endParaRPr lang="es-ES" sz="2400" dirty="0" smtClean="0"/>
+            <a:endParaRPr lang="es-ES" sz="2400" dirty="0"/>
           </a:p>
           <a:p>
             <a:pPr marL="285750" indent="-285750">
@@ -3301,10 +3831,9 @@
               <a:buChar char="•"/>
             </a:pPr>
             <a:r>
-              <a:rPr lang="es-ES" sz="2400" dirty="0" smtClean="0"/>
+              <a:rPr lang="es-ES" sz="2400" dirty="0"/>
               <a:t>Se han implementado diversos algoritmos de aprendizaje de clasificación para solucionar este problema.</a:t>
             </a:r>
-            <a:endParaRPr lang="es-ES" sz="2400" dirty="0"/>
           </a:p>
         </p:txBody>
       </p:sp>
@@ -3318,13 +3847,18 @@
   <p:clrMapOvr>
     <a:masterClrMapping/>
   </p:clrMapOvr>
-  <p:timing>
-    <p:tnLst>
-      <p:par>
-        <p:cTn id="1" dur="indefinite" restart="never" nodeType="tmRoot"/>
-      </p:par>
-    </p:tnLst>
-  </p:timing>
+  <mc:AlternateContent xmlns:mc="http://schemas.openxmlformats.org/markup-compatibility/2006">
+    <mc:Choice xmlns:p14="http://schemas.microsoft.com/office/powerpoint/2010/main" Requires="p14">
+      <p:transition spd="med" p14:dur="700">
+        <p:fade/>
+      </p:transition>
+    </mc:Choice>
+    <mc:Fallback>
+      <p:transition spd="med">
+        <p:fade/>
+      </p:transition>
+    </mc:Fallback>
+  </mc:AlternateContent>
 </p:sld>
 </file>
 
@@ -3399,10 +3933,9 @@
           <a:lstStyle/>
           <a:p>
             <a:r>
-              <a:rPr lang="es-ES" dirty="0" smtClean="0"/>
+              <a:rPr lang="es-ES" dirty="0"/>
               <a:t>Datos</a:t>
             </a:r>
-            <a:endParaRPr lang="es-ES" dirty="0"/>
           </a:p>
         </p:txBody>
       </p:sp>
@@ -3433,8 +3966,8 @@
               <a:buChar char="•"/>
             </a:pPr>
             <a:r>
-              <a:rPr lang="es-ES" sz="2400" dirty="0" smtClean="0"/>
-              <a:t>El conjunto de datos contiene en total ---- setas con 22 atributos cada una, indicando si es venenosa o no</a:t>
+              <a:rPr lang="es-ES" sz="2400" dirty="0"/>
+              <a:t>El conjunto de datos contiene en total 5644 setas con 22 atributos cada una, indicando si es venenosa o no</a:t>
             </a:r>
           </a:p>
           <a:p>
@@ -3455,7 +3988,7 @@
         <p:spPr>
           <a:xfrm>
             <a:off x="1228271" y="1712684"/>
-            <a:ext cx="6710427" cy="830997"/>
+            <a:ext cx="7064883" cy="830997"/>
           </a:xfrm>
           <a:prstGeom prst="rect">
             <a:avLst/>
@@ -3479,12 +4012,8 @@
           </a:p>
           <a:p>
             <a:r>
-              <a:rPr lang="es-ES" sz="2400" dirty="0" smtClean="0"/>
-              <a:t>pasado </a:t>
-            </a:r>
-            <a:r>
               <a:rPr lang="es-ES" sz="2400" dirty="0"/>
-              <a:t>a números, para poder aplicar los algoritmos</a:t>
+              <a:t>     pasado a números, para poder aplicar los algoritmos</a:t>
             </a:r>
           </a:p>
         </p:txBody>
@@ -3511,7 +4040,7 @@
         </p:blipFill>
         <p:spPr>
           <a:xfrm>
-            <a:off x="946438" y="1528453"/>
+            <a:off x="946438" y="1712684"/>
             <a:ext cx="9707666" cy="2772752"/>
           </a:xfrm>
           <a:prstGeom prst="rect">
@@ -3535,7 +4064,7 @@
         </p:blipFill>
         <p:spPr>
           <a:xfrm>
-            <a:off x="443334" y="1270770"/>
+            <a:off x="604775" y="1214499"/>
             <a:ext cx="11277538" cy="5531146"/>
           </a:xfrm>
           <a:prstGeom prst="rect">
@@ -3559,7 +4088,7 @@
         </p:blipFill>
         <p:spPr>
           <a:xfrm>
-            <a:off x="710629" y="2848559"/>
+            <a:off x="872070" y="1724658"/>
             <a:ext cx="11010243" cy="3420658"/>
           </a:xfrm>
           <a:prstGeom prst="rect">
@@ -3577,13 +4106,13 @@
   <p:clrMapOvr>
     <a:masterClrMapping/>
   </p:clrMapOvr>
-  <mc:AlternateContent xmlns:mc="http://schemas.openxmlformats.org/markup-compatibility/2006">
-    <mc:Choice xmlns:p14="http://schemas.microsoft.com/office/powerpoint/2010/main" Requires="p14">
+  <mc:AlternateContent xmlns:mc="http://schemas.openxmlformats.org/markup-compatibility/2006" xmlns:p14="http://schemas.microsoft.com/office/powerpoint/2010/main">
+    <mc:Choice Requires="p14">
       <p:transition spd="med" p14:dur="700">
         <p:fade/>
       </p:transition>
     </mc:Choice>
-    <mc:Fallback>
+    <mc:Fallback xmlns="">
       <p:transition spd="med">
         <p:fade/>
       </p:transition>
@@ -4098,10 +4627,9 @@
           <a:lstStyle/>
           <a:p>
             <a:r>
-              <a:rPr lang="es-ES" dirty="0" smtClean="0"/>
+              <a:rPr lang="es-ES" dirty="0"/>
               <a:t>Regresión logística</a:t>
             </a:r>
-            <a:endParaRPr lang="es-ES" dirty="0"/>
           </a:p>
         </p:txBody>
       </p:sp>
@@ -4169,34 +4697,25 @@
               <a:rPr lang="es-ES" sz="2400" dirty="0"/>
               <a:t>También se ha aplicado dividiendo los datos en training, cross-validation y test, </a:t>
             </a:r>
-            <a:endParaRPr lang="es-ES" sz="2400" dirty="0" smtClean="0"/>
-          </a:p>
-          <a:p>
-            <a:r>
-              <a:rPr lang="es-ES" sz="2400" dirty="0" smtClean="0"/>
-              <a:t>     y </a:t>
-            </a:r>
+          </a:p>
+          <a:p>
             <a:r>
               <a:rPr lang="es-ES" sz="2400" dirty="0"/>
-              <a:t>sin dividir (100% de datos </a:t>
-            </a:r>
-            <a:r>
-              <a:rPr lang="es-ES" sz="2400" dirty="0" smtClean="0"/>
-              <a:t>de training</a:t>
-            </a:r>
-            <a:r>
-              <a:rPr lang="es-ES" sz="2400" dirty="0"/>
-              <a:t>) para comprobar resultados.</a:t>
+              <a:t>     y sin dividir (100% de datos de training) para comprobar resultados.</a:t>
             </a:r>
           </a:p>
         </p:txBody>
       </p:sp>
       <p:pic>
         <p:nvPicPr>
-          <p:cNvPr id="5" name="Imagen 4"/>
-          <p:cNvPicPr>
-            <a:picLocks noChangeAspect="1"/>
-          </p:cNvPicPr>
+          <p:cNvPr id="6" name="Picture 17">
+            <a:extLst>
+              <a:ext uri="{FF2B5EF4-FFF2-40B4-BE49-F238E27FC236}">
+                <a16:creationId xmlns:a16="http://schemas.microsoft.com/office/drawing/2014/main" id="{A7954C07-FDB1-4E66-9A36-4067C2742CB9}"/>
+              </a:ext>
+            </a:extLst>
+          </p:cNvPr>
+          <p:cNvPicPr/>
           <p:nvPr/>
         </p:nvPicPr>
         <p:blipFill>
@@ -4207,8 +4726,127 @@
         </p:blipFill>
         <p:spPr>
           <a:xfrm>
-            <a:off x="862511" y="1767840"/>
-            <a:ext cx="10281952" cy="3724585"/>
+            <a:off x="2335387" y="1399949"/>
+            <a:ext cx="6929768" cy="4060674"/>
+          </a:xfrm>
+          <a:prstGeom prst="rect">
+            <a:avLst/>
+          </a:prstGeom>
+        </p:spPr>
+      </p:pic>
+      <p:pic>
+        <p:nvPicPr>
+          <p:cNvPr id="7" name="Picture 18">
+            <a:extLst>
+              <a:ext uri="{FF2B5EF4-FFF2-40B4-BE49-F238E27FC236}">
+                <a16:creationId xmlns:a16="http://schemas.microsoft.com/office/drawing/2014/main" id="{76ABE76C-5181-4817-9D2F-56069D3F2B7C}"/>
+              </a:ext>
+            </a:extLst>
+          </p:cNvPr>
+          <p:cNvPicPr/>
+          <p:nvPr/>
+        </p:nvPicPr>
+        <p:blipFill>
+          <a:blip r:embed="rId3"/>
+          <a:stretch>
+            <a:fillRect/>
+          </a:stretch>
+        </p:blipFill>
+        <p:spPr>
+          <a:xfrm>
+            <a:off x="380644" y="1530575"/>
+            <a:ext cx="5828305" cy="4391922"/>
+          </a:xfrm>
+          <a:prstGeom prst="rect">
+            <a:avLst/>
+          </a:prstGeom>
+        </p:spPr>
+      </p:pic>
+      <p:pic>
+        <p:nvPicPr>
+          <p:cNvPr id="8" name="Picture 19">
+            <a:extLst>
+              <a:ext uri="{FF2B5EF4-FFF2-40B4-BE49-F238E27FC236}">
+                <a16:creationId xmlns:a16="http://schemas.microsoft.com/office/drawing/2014/main" id="{9DC56379-CC18-47F2-BCAE-6573E56D6016}"/>
+              </a:ext>
+            </a:extLst>
+          </p:cNvPr>
+          <p:cNvPicPr/>
+          <p:nvPr/>
+        </p:nvPicPr>
+        <p:blipFill>
+          <a:blip r:embed="rId4"/>
+          <a:stretch>
+            <a:fillRect/>
+          </a:stretch>
+        </p:blipFill>
+        <p:spPr>
+          <a:xfrm>
+            <a:off x="6391731" y="1530575"/>
+            <a:ext cx="5565807" cy="4391921"/>
+          </a:xfrm>
+          <a:prstGeom prst="rect">
+            <a:avLst/>
+          </a:prstGeom>
+        </p:spPr>
+      </p:pic>
+      <p:sp>
+        <p:nvSpPr>
+          <p:cNvPr id="3" name="CuadroTexto 2">
+            <a:extLst>
+              <a:ext uri="{FF2B5EF4-FFF2-40B4-BE49-F238E27FC236}">
+                <a16:creationId xmlns:a16="http://schemas.microsoft.com/office/drawing/2014/main" id="{DD0EA1C9-DD5F-430A-9D29-32C5D3E9DB7E}"/>
+              </a:ext>
+            </a:extLst>
+          </p:cNvPr>
+          <p:cNvSpPr txBox="1"/>
+          <p:nvPr/>
+        </p:nvSpPr>
+        <p:spPr>
+          <a:xfrm>
+            <a:off x="4404575" y="6060832"/>
+            <a:ext cx="3382849" cy="523220"/>
+          </a:xfrm>
+          <a:prstGeom prst="rect">
+            <a:avLst/>
+          </a:prstGeom>
+          <a:noFill/>
+        </p:spPr>
+        <p:txBody>
+          <a:bodyPr wrap="none" rtlCol="0">
+            <a:spAutoFit/>
+          </a:bodyPr>
+          <a:lstStyle/>
+          <a:p>
+            <a:r>
+              <a:rPr lang="es-ES" sz="2800" dirty="0"/>
+              <a:t>Curvas de aprendizaje</a:t>
+            </a:r>
+          </a:p>
+        </p:txBody>
+      </p:sp>
+      <p:pic>
+        <p:nvPicPr>
+          <p:cNvPr id="9" name="Picture 15">
+            <a:extLst>
+              <a:ext uri="{FF2B5EF4-FFF2-40B4-BE49-F238E27FC236}">
+                <a16:creationId xmlns:a16="http://schemas.microsoft.com/office/drawing/2014/main" id="{094B125E-1600-4598-BE7F-917093F10EF3}"/>
+              </a:ext>
+            </a:extLst>
+          </p:cNvPr>
+          <p:cNvPicPr/>
+          <p:nvPr/>
+        </p:nvPicPr>
+        <p:blipFill>
+          <a:blip r:embed="rId5"/>
+          <a:stretch>
+            <a:fillRect/>
+          </a:stretch>
+        </p:blipFill>
+        <p:spPr>
+          <a:xfrm>
+            <a:off x="2888647" y="1605106"/>
+            <a:ext cx="5828305" cy="4246970"/>
           </a:xfrm>
           <a:prstGeom prst="rect">
             <a:avLst/>
@@ -4225,6 +4863,18 @@
   <p:clrMapOvr>
     <a:masterClrMapping/>
   </p:clrMapOvr>
+  <mc:AlternateContent xmlns:mc="http://schemas.openxmlformats.org/markup-compatibility/2006">
+    <mc:Choice xmlns:p14="http://schemas.microsoft.com/office/powerpoint/2010/main" Requires="p14">
+      <p:transition spd="med" p14:dur="700">
+        <p:fade/>
+      </p:transition>
+    </mc:Choice>
+    <mc:Fallback>
+      <p:transition spd="med">
+        <p:fade/>
+      </p:transition>
+    </mc:Fallback>
+  </mc:AlternateContent>
   <p:timing>
     <p:tnLst>
       <p:par>
@@ -4246,20 +4896,55 @@
                             </p:stCondLst>
                             <p:childTnLst>
                               <p:par>
-                                <p:cTn id="5" presetID="10" presetClass="entr" presetSubtype="0" fill="hold" nodeType="clickEffect">
+                                <p:cTn id="5" presetID="10" presetClass="exit" presetSubtype="0" fill="hold" grpId="0" nodeType="clickEffect">
+                                  <p:stCondLst>
+                                    <p:cond delay="0"/>
+                                  </p:stCondLst>
+                                  <p:childTnLst>
+                                    <p:animEffect transition="out" filter="fade">
+                                      <p:cBhvr>
+                                        <p:cTn id="6" dur="500"/>
+                                        <p:tgtEl>
+                                          <p:spTgt spid="4"/>
+                                        </p:tgtEl>
+                                      </p:cBhvr>
+                                    </p:animEffect>
+                                    <p:set>
+                                      <p:cBhvr>
+                                        <p:cTn id="7" dur="1" fill="hold">
+                                          <p:stCondLst>
+                                            <p:cond delay="499"/>
+                                          </p:stCondLst>
+                                        </p:cTn>
+                                        <p:tgtEl>
+                                          <p:spTgt spid="4"/>
+                                        </p:tgtEl>
+                                        <p:attrNameLst>
+                                          <p:attrName>style.visibility</p:attrName>
+                                        </p:attrNameLst>
+                                      </p:cBhvr>
+                                      <p:to>
+                                        <p:strVal val="hidden"/>
+                                      </p:to>
+                                    </p:set>
+                                  </p:childTnLst>
+                                </p:cTn>
+                              </p:par>
+                              <p:par>
+                                <p:cTn id="8" presetID="10" presetClass="entr" presetSubtype="0" fill="hold" nodeType="withEffect">
                                   <p:stCondLst>
                                     <p:cond delay="0"/>
                                   </p:stCondLst>
                                   <p:childTnLst>
                                     <p:set>
                                       <p:cBhvr>
-                                        <p:cTn id="6" dur="1" fill="hold">
+                                        <p:cTn id="9" dur="1" fill="hold">
                                           <p:stCondLst>
                                             <p:cond delay="0"/>
                                           </p:stCondLst>
                                         </p:cTn>
                                         <p:tgtEl>
-                                          <p:spTgt spid="5"/>
+                                          <p:spTgt spid="6"/>
                                         </p:tgtEl>
                                         <p:attrNameLst>
                                           <p:attrName>style.visibility</p:attrName>
@@ -4271,12 +4956,407 @@
                                     </p:set>
                                     <p:animEffect transition="in" filter="fade">
                                       <p:cBhvr>
-                                        <p:cTn id="7" dur="500"/>
-                                        <p:tgtEl>
-                                          <p:spTgt spid="5"/>
+                                        <p:cTn id="10" dur="500"/>
+                                        <p:tgtEl>
+                                          <p:spTgt spid="6"/>
                                         </p:tgtEl>
                                       </p:cBhvr>
                                     </p:animEffect>
+                                  </p:childTnLst>
+                                </p:cTn>
+                              </p:par>
+                              <p:par>
+                                <p:cTn id="11" presetID="6" presetClass="entr" presetSubtype="16" fill="hold" grpId="0" nodeType="withEffect">
+                                  <p:stCondLst>
+                                    <p:cond delay="0"/>
+                                  </p:stCondLst>
+                                  <p:childTnLst>
+                                    <p:set>
+                                      <p:cBhvr>
+                                        <p:cTn id="12" dur="1" fill="hold">
+                                          <p:stCondLst>
+                                            <p:cond delay="0"/>
+                                          </p:stCondLst>
+                                        </p:cTn>
+                                        <p:tgtEl>
+                                          <p:spTgt spid="3"/>
+                                        </p:tgtEl>
+                                        <p:attrNameLst>
+                                          <p:attrName>style.visibility</p:attrName>
+                                        </p:attrNameLst>
+                                      </p:cBhvr>
+                                      <p:to>
+                                        <p:strVal val="visible"/>
+                                      </p:to>
+                                    </p:set>
+                                    <p:animEffect transition="in" filter="circle(in)">
+                                      <p:cBhvr>
+                                        <p:cTn id="13" dur="2000"/>
+                                        <p:tgtEl>
+                                          <p:spTgt spid="3"/>
+                                        </p:tgtEl>
+                                      </p:cBhvr>
+                                    </p:animEffect>
+                                  </p:childTnLst>
+                                </p:cTn>
+                              </p:par>
+                            </p:childTnLst>
+                          </p:cTn>
+                        </p:par>
+                      </p:childTnLst>
+                    </p:cTn>
+                  </p:par>
+                  <p:par>
+                    <p:cTn id="14" fill="hold">
+                      <p:stCondLst>
+                        <p:cond delay="indefinite"/>
+                      </p:stCondLst>
+                      <p:childTnLst>
+                        <p:par>
+                          <p:cTn id="15" fill="hold">
+                            <p:stCondLst>
+                              <p:cond delay="0"/>
+                            </p:stCondLst>
+                            <p:childTnLst>
+                              <p:par>
+                                <p:cTn id="16" presetID="2" presetClass="exit" presetSubtype="4" fill="hold" nodeType="clickEffect">
+                                  <p:stCondLst>
+                                    <p:cond delay="0"/>
+                                  </p:stCondLst>
+                                  <p:childTnLst>
+                                    <p:anim calcmode="lin" valueType="num">
+                                      <p:cBhvr additive="base">
+                                        <p:cTn id="17" dur="500"/>
+                                        <p:tgtEl>
+                                          <p:spTgt spid="6"/>
+                                        </p:tgtEl>
+                                        <p:attrNameLst>
+                                          <p:attrName>ppt_x</p:attrName>
+                                        </p:attrNameLst>
+                                      </p:cBhvr>
+                                      <p:tavLst>
+                                        <p:tav tm="0">
+                                          <p:val>
+                                            <p:strVal val="ppt_x"/>
+                                          </p:val>
+                                        </p:tav>
+                                        <p:tav tm="100000">
+                                          <p:val>
+                                            <p:strVal val="ppt_x"/>
+                                          </p:val>
+                                        </p:tav>
+                                      </p:tavLst>
+                                    </p:anim>
+                                    <p:anim calcmode="lin" valueType="num">
+                                      <p:cBhvr additive="base">
+                                        <p:cTn id="18" dur="500"/>
+                                        <p:tgtEl>
+                                          <p:spTgt spid="6"/>
+                                        </p:tgtEl>
+                                        <p:attrNameLst>
+                                          <p:attrName>ppt_y</p:attrName>
+                                        </p:attrNameLst>
+                                      </p:cBhvr>
+                                      <p:tavLst>
+                                        <p:tav tm="0">
+                                          <p:val>
+                                            <p:strVal val="ppt_y"/>
+                                          </p:val>
+                                        </p:tav>
+                                        <p:tav tm="100000">
+                                          <p:val>
+                                            <p:strVal val="1+ppt_h/2"/>
+                                          </p:val>
+                                        </p:tav>
+                                      </p:tavLst>
+                                    </p:anim>
+                                    <p:set>
+                                      <p:cBhvr>
+                                        <p:cTn id="19" dur="1" fill="hold">
+                                          <p:stCondLst>
+                                            <p:cond delay="499"/>
+                                          </p:stCondLst>
+                                        </p:cTn>
+                                        <p:tgtEl>
+                                          <p:spTgt spid="6"/>
+                                        </p:tgtEl>
+                                        <p:attrNameLst>
+                                          <p:attrName>style.visibility</p:attrName>
+                                        </p:attrNameLst>
+                                      </p:cBhvr>
+                                      <p:to>
+                                        <p:strVal val="hidden"/>
+                                      </p:to>
+                                    </p:set>
+                                  </p:childTnLst>
+                                </p:cTn>
+                              </p:par>
+                              <p:par>
+                                <p:cTn id="20" presetID="2" presetClass="entr" presetSubtype="4" fill="hold" nodeType="withEffect">
+                                  <p:stCondLst>
+                                    <p:cond delay="0"/>
+                                  </p:stCondLst>
+                                  <p:childTnLst>
+                                    <p:set>
+                                      <p:cBhvr>
+                                        <p:cTn id="21" dur="1" fill="hold">
+                                          <p:stCondLst>
+                                            <p:cond delay="0"/>
+                                          </p:stCondLst>
+                                        </p:cTn>
+                                        <p:tgtEl>
+                                          <p:spTgt spid="7"/>
+                                        </p:tgtEl>
+                                        <p:attrNameLst>
+                                          <p:attrName>style.visibility</p:attrName>
+                                        </p:attrNameLst>
+                                      </p:cBhvr>
+                                      <p:to>
+                                        <p:strVal val="visible"/>
+                                      </p:to>
+                                    </p:set>
+                                    <p:anim calcmode="lin" valueType="num">
+                                      <p:cBhvr additive="base">
+                                        <p:cTn id="22" dur="500" fill="hold"/>
+                                        <p:tgtEl>
+                                          <p:spTgt spid="7"/>
+                                        </p:tgtEl>
+                                        <p:attrNameLst>
+                                          <p:attrName>ppt_x</p:attrName>
+                                        </p:attrNameLst>
+                                      </p:cBhvr>
+                                      <p:tavLst>
+                                        <p:tav tm="0">
+                                          <p:val>
+                                            <p:strVal val="#ppt_x"/>
+                                          </p:val>
+                                        </p:tav>
+                                        <p:tav tm="100000">
+                                          <p:val>
+                                            <p:strVal val="#ppt_x"/>
+                                          </p:val>
+                                        </p:tav>
+                                      </p:tavLst>
+                                    </p:anim>
+                                    <p:anim calcmode="lin" valueType="num">
+                                      <p:cBhvr additive="base">
+                                        <p:cTn id="23" dur="500" fill="hold"/>
+                                        <p:tgtEl>
+                                          <p:spTgt spid="7"/>
+                                        </p:tgtEl>
+                                        <p:attrNameLst>
+                                          <p:attrName>ppt_y</p:attrName>
+                                        </p:attrNameLst>
+                                      </p:cBhvr>
+                                      <p:tavLst>
+                                        <p:tav tm="0">
+                                          <p:val>
+                                            <p:strVal val="1+#ppt_h/2"/>
+                                          </p:val>
+                                        </p:tav>
+                                        <p:tav tm="100000">
+                                          <p:val>
+                                            <p:strVal val="#ppt_y"/>
+                                          </p:val>
+                                        </p:tav>
+                                      </p:tavLst>
+                                    </p:anim>
+                                  </p:childTnLst>
+                                </p:cTn>
+                              </p:par>
+                              <p:par>
+                                <p:cTn id="24" presetID="2" presetClass="entr" presetSubtype="4" fill="hold" nodeType="withEffect">
+                                  <p:stCondLst>
+                                    <p:cond delay="0"/>
+                                  </p:stCondLst>
+                                  <p:childTnLst>
+                                    <p:set>
+                                      <p:cBhvr>
+                                        <p:cTn id="25" dur="1" fill="hold">
+                                          <p:stCondLst>
+                                            <p:cond delay="0"/>
+                                          </p:stCondLst>
+                                        </p:cTn>
+                                        <p:tgtEl>
+                                          <p:spTgt spid="8"/>
+                                        </p:tgtEl>
+                                        <p:attrNameLst>
+                                          <p:attrName>style.visibility</p:attrName>
+                                        </p:attrNameLst>
+                                      </p:cBhvr>
+                                      <p:to>
+                                        <p:strVal val="visible"/>
+                                      </p:to>
+                                    </p:set>
+                                    <p:anim calcmode="lin" valueType="num">
+                                      <p:cBhvr additive="base">
+                                        <p:cTn id="26" dur="500" fill="hold"/>
+                                        <p:tgtEl>
+                                          <p:spTgt spid="8"/>
+                                        </p:tgtEl>
+                                        <p:attrNameLst>
+                                          <p:attrName>ppt_x</p:attrName>
+                                        </p:attrNameLst>
+                                      </p:cBhvr>
+                                      <p:tavLst>
+                                        <p:tav tm="0">
+                                          <p:val>
+                                            <p:strVal val="#ppt_x"/>
+                                          </p:val>
+                                        </p:tav>
+                                        <p:tav tm="100000">
+                                          <p:val>
+                                            <p:strVal val="#ppt_x"/>
+                                          </p:val>
+                                        </p:tav>
+                                      </p:tavLst>
+                                    </p:anim>
+                                    <p:anim calcmode="lin" valueType="num">
+                                      <p:cBhvr additive="base">
+                                        <p:cTn id="27" dur="500" fill="hold"/>
+                                        <p:tgtEl>
+                                          <p:spTgt spid="8"/>
+                                        </p:tgtEl>
+                                        <p:attrNameLst>
+                                          <p:attrName>ppt_y</p:attrName>
+                                        </p:attrNameLst>
+                                      </p:cBhvr>
+                                      <p:tavLst>
+                                        <p:tav tm="0">
+                                          <p:val>
+                                            <p:strVal val="1+#ppt_h/2"/>
+                                          </p:val>
+                                        </p:tav>
+                                        <p:tav tm="100000">
+                                          <p:val>
+                                            <p:strVal val="#ppt_y"/>
+                                          </p:val>
+                                        </p:tav>
+                                      </p:tavLst>
+                                    </p:anim>
+                                  </p:childTnLst>
+                                </p:cTn>
+                              </p:par>
+                            </p:childTnLst>
+                          </p:cTn>
+                        </p:par>
+                      </p:childTnLst>
+                    </p:cTn>
+                  </p:par>
+                  <p:par>
+                    <p:cTn id="28" fill="hold">
+                      <p:stCondLst>
+                        <p:cond delay="indefinite"/>
+                      </p:stCondLst>
+                      <p:childTnLst>
+                        <p:par>
+                          <p:cTn id="29" fill="hold">
+                            <p:stCondLst>
+                              <p:cond delay="0"/>
+                            </p:stCondLst>
+                            <p:childTnLst>
+                              <p:par>
+                                <p:cTn id="30" presetID="16" presetClass="entr" presetSubtype="21" fill="hold" nodeType="clickEffect">
+                                  <p:stCondLst>
+                                    <p:cond delay="0"/>
+                                  </p:stCondLst>
+                                  <p:childTnLst>
+                                    <p:set>
+                                      <p:cBhvr>
+                                        <p:cTn id="31" dur="1" fill="hold">
+                                          <p:stCondLst>
+                                            <p:cond delay="0"/>
+                                          </p:stCondLst>
+                                        </p:cTn>
+                                        <p:tgtEl>
+                                          <p:spTgt spid="9"/>
+                                        </p:tgtEl>
+                                        <p:attrNameLst>
+                                          <p:attrName>style.visibility</p:attrName>
+                                        </p:attrNameLst>
+                                      </p:cBhvr>
+                                      <p:to>
+                                        <p:strVal val="visible"/>
+                                      </p:to>
+                                    </p:set>
+                                    <p:animEffect transition="in" filter="barn(inVertical)">
+                                      <p:cBhvr>
+                                        <p:cTn id="32" dur="500"/>
+                                        <p:tgtEl>
+                                          <p:spTgt spid="9"/>
+                                        </p:tgtEl>
+                                      </p:cBhvr>
+                                    </p:animEffect>
+                                  </p:childTnLst>
+                                </p:cTn>
+                              </p:par>
+                              <p:par>
+                                <p:cTn id="33" presetID="16" presetClass="exit" presetSubtype="21" fill="hold" nodeType="withEffect">
+                                  <p:stCondLst>
+                                    <p:cond delay="0"/>
+                                  </p:stCondLst>
+                                  <p:childTnLst>
+                                    <p:animEffect transition="out" filter="barn(inVertical)">
+                                      <p:cBhvr>
+                                        <p:cTn id="34" dur="500"/>
+                                        <p:tgtEl>
+                                          <p:spTgt spid="8"/>
+                                        </p:tgtEl>
+                                      </p:cBhvr>
+                                    </p:animEffect>
+                                    <p:set>
+                                      <p:cBhvr>
+                                        <p:cTn id="35" dur="1" fill="hold">
+                                          <p:stCondLst>
+                                            <p:cond delay="499"/>
+                                          </p:stCondLst>
+                                        </p:cTn>
+                                        <p:tgtEl>
+                                          <p:spTgt spid="8"/>
+                                        </p:tgtEl>
+                                        <p:attrNameLst>
+                                          <p:attrName>style.visibility</p:attrName>
+                                        </p:attrNameLst>
+                                      </p:cBhvr>
+                                      <p:to>
+                                        <p:strVal val="hidden"/>
+                                      </p:to>
+                                    </p:set>
+                                  </p:childTnLst>
+                                </p:cTn>
+                              </p:par>
+                              <p:par>
+                                <p:cTn id="36" presetID="16" presetClass="exit" presetSubtype="21" fill="hold" nodeType="withEffect">
+                                  <p:stCondLst>
+                                    <p:cond delay="0"/>
+                                  </p:stCondLst>
+                                  <p:childTnLst>
+                                    <p:animEffect transition="out" filter="barn(inVertical)">
+                                      <p:cBhvr>
+                                        <p:cTn id="37" dur="500"/>
+                                        <p:tgtEl>
+                                          <p:spTgt spid="7"/>
+                                        </p:tgtEl>
+                                      </p:cBhvr>
+                                    </p:animEffect>
+                                    <p:set>
+                                      <p:cBhvr>
+                                        <p:cTn id="38" dur="1" fill="hold">
+                                          <p:stCondLst>
+                                            <p:cond delay="499"/>
+                                          </p:stCondLst>
+                                        </p:cTn>
+                                        <p:tgtEl>
+                                          <p:spTgt spid="7"/>
+                                        </p:tgtEl>
+                                        <p:attrNameLst>
+                                          <p:attrName>style.visibility</p:attrName>
+                                        </p:attrNameLst>
+                                      </p:cBhvr>
+                                      <p:to>
+                                        <p:strVal val="hidden"/>
+                                      </p:to>
+                                    </p:set>
                                   </p:childTnLst>
                                 </p:cTn>
                               </p:par>
@@ -4307,6 +5387,10 @@
         </p:cTn>
       </p:par>
     </p:tnLst>
+    <p:bldLst>
+      <p:bldP spid="4" grpId="0"/>
+      <p:bldP spid="3" grpId="0"/>
+    </p:bldLst>
   </p:timing>
 </p:sld>
 </file>
@@ -4382,10 +5466,9 @@
           <a:lstStyle/>
           <a:p>
             <a:r>
-              <a:rPr lang="es-ES" dirty="0" smtClean="0"/>
+              <a:rPr lang="es-ES" dirty="0"/>
               <a:t>Regresión logística</a:t>
             </a:r>
-            <a:endParaRPr lang="es-ES" dirty="0"/>
           </a:p>
         </p:txBody>
       </p:sp>
@@ -4398,7 +5481,7 @@
         <p:spPr>
           <a:xfrm>
             <a:off x="862511" y="1767840"/>
-            <a:ext cx="10647915" cy="1938992"/>
+            <a:ext cx="10803407" cy="1938992"/>
           </a:xfrm>
           <a:prstGeom prst="rect">
             <a:avLst/>
@@ -4416,18 +5499,22 @@
               <a:buChar char="•"/>
             </a:pPr>
             <a:r>
-              <a:rPr lang="es-ES" sz="2400" dirty="0" smtClean="0"/>
-              <a:t>También se ha calculado el threshold, para comprobar el precision y el recall del </a:t>
-            </a:r>
-          </a:p>
-          <a:p>
-            <a:r>
               <a:rPr lang="es-ES" sz="2400" dirty="0"/>
-              <a:t> </a:t>
-            </a:r>
-            <a:r>
-              <a:rPr lang="es-ES" sz="2400" dirty="0" smtClean="0"/>
-              <a:t>    algoritmo. </a:t>
+              <a:t>También se ha calculado el </a:t>
+            </a:r>
+            <a:r>
+              <a:rPr lang="es-ES" sz="2400" dirty="0" err="1"/>
+              <a:t>threshold</a:t>
+            </a:r>
+            <a:r>
+              <a:rPr lang="es-ES" sz="2400" dirty="0"/>
+              <a:t>, para comprobar el precision y el recall del </a:t>
+            </a:r>
+          </a:p>
+          <a:p>
+            <a:r>
+              <a:rPr lang="es-ES" sz="2400" dirty="0"/>
+              <a:t>     algoritmo. </a:t>
             </a:r>
           </a:p>
           <a:p>
@@ -4439,30 +5526,26 @@
               <a:buChar char="•"/>
             </a:pPr>
             <a:r>
-              <a:rPr lang="es-ES" sz="2400" dirty="0" smtClean="0"/>
-              <a:t>Se ha obtenido un threshold óptimo de 0.4, obteniendo un precision de </a:t>
+              <a:rPr lang="es-ES" sz="2400" dirty="0"/>
+              <a:t>Se ha obtenido un </a:t>
+            </a:r>
+            <a:r>
+              <a:rPr lang="es-ES" sz="2400" dirty="0" err="1"/>
+              <a:t>threshold</a:t>
+            </a:r>
+            <a:r>
+              <a:rPr lang="es-ES" sz="2400" dirty="0"/>
+              <a:t> óptimo de 0.11, obteniendo un precision de </a:t>
             </a:r>
             <a:r>
               <a:rPr lang="en-US" sz="2400" dirty="0"/>
-              <a:t>88.93% </a:t>
-            </a:r>
-            <a:r>
-              <a:rPr lang="en-US" sz="2400" dirty="0" smtClean="0"/>
-              <a:t>y</a:t>
+              <a:t>88.78% y</a:t>
             </a:r>
           </a:p>
           <a:p>
             <a:r>
               <a:rPr lang="en-US" sz="2400" dirty="0"/>
-              <a:t> </a:t>
-            </a:r>
-            <a:r>
-              <a:rPr lang="en-US" sz="2400" dirty="0" smtClean="0"/>
-              <a:t>    un recall de </a:t>
-            </a:r>
-            <a:r>
-              <a:rPr lang="en-US" sz="2400" dirty="0"/>
-              <a:t>73.31%.</a:t>
+              <a:t>     un recall de 72.23%.</a:t>
             </a:r>
             <a:endParaRPr lang="es-ES" sz="2400" dirty="0"/>
           </a:p>
@@ -4478,13 +5561,6 @@
   <p:clrMapOvr>
     <a:masterClrMapping/>
   </p:clrMapOvr>
-  <p:timing>
-    <p:tnLst>
-      <p:par>
-        <p:cTn id="1" dur="indefinite" restart="never" nodeType="tmRoot"/>
-      </p:par>
-    </p:tnLst>
-  </p:timing>
 </p:sld>
 </file>
 
@@ -4559,10 +5635,9 @@
           <a:lstStyle/>
           <a:p>
             <a:r>
-              <a:rPr lang="es-ES" dirty="0" smtClean="0"/>
+              <a:rPr lang="es-ES" dirty="0"/>
               <a:t>Redes neuronales</a:t>
             </a:r>
-            <a:endParaRPr lang="es-ES" dirty="0"/>
           </a:p>
         </p:txBody>
       </p:sp>
@@ -4575,7 +5650,7 @@
         <p:spPr>
           <a:xfrm>
             <a:off x="862511" y="1767840"/>
-            <a:ext cx="10985893" cy="2677656"/>
+            <a:ext cx="11288731" cy="2677656"/>
           </a:xfrm>
           <a:prstGeom prst="rect">
             <a:avLst/>
@@ -4593,7 +5668,7 @@
               <a:buChar char="•"/>
             </a:pPr>
             <a:r>
-              <a:rPr lang="es-ES" sz="2400" dirty="0" smtClean="0"/>
+              <a:rPr lang="es-ES" sz="2400" dirty="0"/>
               <a:t>Segundo algoritmo empleado.</a:t>
             </a:r>
           </a:p>
@@ -4610,13 +5685,13 @@
               <a:buChar char="•"/>
             </a:pPr>
             <a:r>
-              <a:rPr lang="es-ES" sz="2400" dirty="0" smtClean="0"/>
+              <a:rPr lang="es-ES" sz="2400" dirty="0"/>
               <a:t>Se ha aplicado varias veces, aplicando división a los datos de entrada y cambiando el</a:t>
             </a:r>
           </a:p>
           <a:p>
             <a:r>
-              <a:rPr lang="es-ES" sz="2400" dirty="0" smtClean="0"/>
+              <a:rPr lang="es-ES" sz="2400" dirty="0"/>
               <a:t>    número de neuronas de la capa oculta.</a:t>
             </a:r>
           </a:p>
@@ -4629,8 +5704,8 @@
               <a:buChar char="•"/>
             </a:pPr>
             <a:r>
-              <a:rPr lang="es-ES" sz="2400" dirty="0" smtClean="0"/>
-              <a:t>El numero de capas de la red neuronal es de 3.</a:t>
+              <a:rPr lang="es-ES" sz="2400" dirty="0"/>
+              <a:t>El numero de capas de la red neuronal empleada es de 3.</a:t>
             </a:r>
           </a:p>
           <a:p>
@@ -4644,22 +5719,152 @@
       </p:sp>
       <p:pic>
         <p:nvPicPr>
-          <p:cNvPr id="3" name="Imagen 2"/>
-          <p:cNvPicPr>
-            <a:picLocks noChangeAspect="1"/>
-          </p:cNvPicPr>
+          <p:cNvPr id="5" name="Picture 21">
+            <a:extLst>
+              <a:ext uri="{FF2B5EF4-FFF2-40B4-BE49-F238E27FC236}">
+                <a16:creationId xmlns:a16="http://schemas.microsoft.com/office/drawing/2014/main" id="{47B2225E-383E-47D5-A6FA-8A311A0E5B21}"/>
+              </a:ext>
+            </a:extLst>
+          </p:cNvPr>
+          <p:cNvPicPr/>
+          <p:nvPr/>
+        </p:nvPicPr>
+        <p:blipFill rotWithShape="1">
+          <a:blip r:embed="rId2"/>
+          <a:srcRect b="1335"/>
+          <a:stretch/>
+        </p:blipFill>
+        <p:spPr bwMode="auto">
+          <a:xfrm>
+            <a:off x="2370313" y="1399949"/>
+            <a:ext cx="6859915" cy="4455184"/>
+          </a:xfrm>
+          <a:prstGeom prst="rect">
+            <a:avLst/>
+          </a:prstGeom>
+          <a:ln>
+            <a:noFill/>
+          </a:ln>
+          <a:extLst>
+            <a:ext uri="{53640926-AAD7-44D8-BBD7-CCE9431645EC}">
+              <a14:shadowObscured xmlns:a14="http://schemas.microsoft.com/office/drawing/2010/main"/>
+            </a:ext>
+          </a:extLst>
+        </p:spPr>
+      </p:pic>
+      <p:sp>
+        <p:nvSpPr>
+          <p:cNvPr id="6" name="CuadroTexto 5">
+            <a:extLst>
+              <a:ext uri="{FF2B5EF4-FFF2-40B4-BE49-F238E27FC236}">
+                <a16:creationId xmlns:a16="http://schemas.microsoft.com/office/drawing/2014/main" id="{0D87F2E3-D5A5-4CA7-A31B-974D042E6C13}"/>
+              </a:ext>
+            </a:extLst>
+          </p:cNvPr>
+          <p:cNvSpPr txBox="1"/>
+          <p:nvPr/>
+        </p:nvSpPr>
+        <p:spPr>
+          <a:xfrm>
+            <a:off x="4108845" y="6036731"/>
+            <a:ext cx="3382849" cy="523220"/>
+          </a:xfrm>
+          <a:prstGeom prst="rect">
+            <a:avLst/>
+          </a:prstGeom>
+          <a:noFill/>
+        </p:spPr>
+        <p:txBody>
+          <a:bodyPr wrap="none" rtlCol="0">
+            <a:spAutoFit/>
+          </a:bodyPr>
+          <a:lstStyle/>
+          <a:p>
+            <a:r>
+              <a:rPr lang="es-ES" sz="2800" dirty="0"/>
+              <a:t>Curvas de aprendizaje</a:t>
+            </a:r>
+          </a:p>
+        </p:txBody>
+      </p:sp>
+      <p:pic>
+        <p:nvPicPr>
+          <p:cNvPr id="7" name="Picture 22">
+            <a:extLst>
+              <a:ext uri="{FF2B5EF4-FFF2-40B4-BE49-F238E27FC236}">
+                <a16:creationId xmlns:a16="http://schemas.microsoft.com/office/drawing/2014/main" id="{5D81F73C-7F7D-4158-BCBE-B4393B928752}"/>
+              </a:ext>
+            </a:extLst>
+          </p:cNvPr>
+          <p:cNvPicPr/>
           <p:nvPr/>
         </p:nvPicPr>
         <p:blipFill>
-          <a:blip r:embed="rId2"/>
+          <a:blip r:embed="rId3"/>
           <a:stretch>
             <a:fillRect/>
           </a:stretch>
         </p:blipFill>
         <p:spPr>
           <a:xfrm>
-            <a:off x="916682" y="1532572"/>
-            <a:ext cx="9644638" cy="4997803"/>
+            <a:off x="126863" y="1399949"/>
+            <a:ext cx="5669817" cy="4455184"/>
+          </a:xfrm>
+          <a:prstGeom prst="rect">
+            <a:avLst/>
+          </a:prstGeom>
+        </p:spPr>
+      </p:pic>
+      <p:pic>
+        <p:nvPicPr>
+          <p:cNvPr id="8" name="Picture 26">
+            <a:extLst>
+              <a:ext uri="{FF2B5EF4-FFF2-40B4-BE49-F238E27FC236}">
+                <a16:creationId xmlns:a16="http://schemas.microsoft.com/office/drawing/2014/main" id="{447CA34A-B4FE-4822-8056-B9B5B26F8418}"/>
+              </a:ext>
+            </a:extLst>
+          </p:cNvPr>
+          <p:cNvPicPr/>
+          <p:nvPr/>
+        </p:nvPicPr>
+        <p:blipFill>
+          <a:blip r:embed="rId4"/>
+          <a:stretch>
+            <a:fillRect/>
+          </a:stretch>
+        </p:blipFill>
+        <p:spPr>
+          <a:xfrm>
+            <a:off x="6005070" y="1399949"/>
+            <a:ext cx="6133926" cy="4455184"/>
+          </a:xfrm>
+          <a:prstGeom prst="rect">
+            <a:avLst/>
+          </a:prstGeom>
+        </p:spPr>
+      </p:pic>
+      <p:pic>
+        <p:nvPicPr>
+          <p:cNvPr id="9" name="Picture 37">
+            <a:extLst>
+              <a:ext uri="{FF2B5EF4-FFF2-40B4-BE49-F238E27FC236}">
+                <a16:creationId xmlns:a16="http://schemas.microsoft.com/office/drawing/2014/main" id="{BA696C3B-346C-4C1A-8A47-BCC44B439F4E}"/>
+              </a:ext>
+            </a:extLst>
+          </p:cNvPr>
+          <p:cNvPicPr/>
+          <p:nvPr/>
+        </p:nvPicPr>
+        <p:blipFill>
+          <a:blip r:embed="rId5"/>
+          <a:stretch>
+            <a:fillRect/>
+          </a:stretch>
+        </p:blipFill>
+        <p:spPr>
+          <a:xfrm>
+            <a:off x="2688974" y="1432543"/>
+            <a:ext cx="6423802" cy="4632429"/>
           </a:xfrm>
           <a:prstGeom prst="rect">
             <a:avLst/>
@@ -4676,6 +5881,18 @@
   <p:clrMapOvr>
     <a:masterClrMapping/>
   </p:clrMapOvr>
+  <mc:AlternateContent xmlns:mc="http://schemas.openxmlformats.org/markup-compatibility/2006">
+    <mc:Choice xmlns:p14="http://schemas.microsoft.com/office/powerpoint/2010/main" Requires="p14">
+      <p:transition spd="med" p14:dur="700">
+        <p:fade/>
+      </p:transition>
+    </mc:Choice>
+    <mc:Fallback>
+      <p:transition spd="med">
+        <p:fade/>
+      </p:transition>
+    </mc:Fallback>
+  </mc:AlternateContent>
   <p:timing>
     <p:tnLst>
       <p:par>
@@ -4697,70 +5914,70 @@
                             </p:stCondLst>
                             <p:childTnLst>
                               <p:par>
-                                <p:cTn id="5" presetID="42" presetClass="exit" presetSubtype="0" fill="hold" grpId="0" nodeType="clickEffect">
+                                <p:cTn id="5" presetID="53" presetClass="exit" presetSubtype="32" fill="hold" grpId="0" nodeType="clickEffect">
                                   <p:stCondLst>
                                     <p:cond delay="0"/>
                                   </p:stCondLst>
                                   <p:childTnLst>
-                                    <p:animEffect transition="out" filter="fade">
-                                      <p:cBhvr>
-                                        <p:cTn id="6" dur="1000"/>
-                                        <p:tgtEl>
-                                          <p:spTgt spid="4"/>
-                                        </p:tgtEl>
-                                      </p:cBhvr>
-                                    </p:animEffect>
                                     <p:anim calcmode="lin" valueType="num">
                                       <p:cBhvr>
-                                        <p:cTn id="7" dur="1000"/>
+                                        <p:cTn id="6" dur="500"/>
                                         <p:tgtEl>
                                           <p:spTgt spid="4"/>
                                         </p:tgtEl>
                                         <p:attrNameLst>
-                                          <p:attrName>ppt_x</p:attrName>
+                                          <p:attrName>ppt_w</p:attrName>
                                         </p:attrNameLst>
                                       </p:cBhvr>
                                       <p:tavLst>
                                         <p:tav tm="0">
                                           <p:val>
-                                            <p:strVal val="ppt_x"/>
+                                            <p:strVal val="ppt_w"/>
                                           </p:val>
                                         </p:tav>
                                         <p:tav tm="100000">
                                           <p:val>
-                                            <p:strVal val="ppt_x"/>
+                                            <p:fltVal val="0"/>
                                           </p:val>
                                         </p:tav>
                                       </p:tavLst>
                                     </p:anim>
                                     <p:anim calcmode="lin" valueType="num">
                                       <p:cBhvr>
-                                        <p:cTn id="8" dur="1000"/>
+                                        <p:cTn id="7" dur="500"/>
                                         <p:tgtEl>
                                           <p:spTgt spid="4"/>
                                         </p:tgtEl>
                                         <p:attrNameLst>
-                                          <p:attrName>ppt_y</p:attrName>
+                                          <p:attrName>ppt_h</p:attrName>
                                         </p:attrNameLst>
                                       </p:cBhvr>
                                       <p:tavLst>
                                         <p:tav tm="0">
                                           <p:val>
-                                            <p:strVal val="ppt_y"/>
+                                            <p:strVal val="ppt_h"/>
                                           </p:val>
                                         </p:tav>
                                         <p:tav tm="100000">
                                           <p:val>
-                                            <p:strVal val="ppt_y+.1"/>
+                                            <p:fltVal val="0"/>
                                           </p:val>
                                         </p:tav>
                                       </p:tavLst>
                                     </p:anim>
+                                    <p:animEffect transition="out" filter="fade">
+                                      <p:cBhvr>
+                                        <p:cTn id="8" dur="500"/>
+                                        <p:tgtEl>
+                                          <p:spTgt spid="4"/>
+                                        </p:tgtEl>
+                                      </p:cBhvr>
+                                    </p:animEffect>
                                     <p:set>
                                       <p:cBhvr>
                                         <p:cTn id="9" dur="1" fill="hold">
                                           <p:stCondLst>
-                                            <p:cond delay="999"/>
+                                            <p:cond delay="499"/>
                                           </p:stCondLst>
                                         </p:cTn>
                                         <p:tgtEl>
@@ -4791,7 +6008,7 @@
                                           </p:stCondLst>
                                         </p:cTn>
                                         <p:tgtEl>
-                                          <p:spTgt spid="3"/>
+                                          <p:spTgt spid="5"/>
                                         </p:tgtEl>
                                         <p:attrNameLst>
                                           <p:attrName>style.visibility</p:attrName>
@@ -4805,10 +6022,543 @@
                                       <p:cBhvr>
                                         <p:cTn id="12" dur="500"/>
                                         <p:tgtEl>
-                                          <p:spTgt spid="3"/>
+                                          <p:spTgt spid="5"/>
                                         </p:tgtEl>
                                       </p:cBhvr>
                                     </p:animEffect>
+                                  </p:childTnLst>
+                                </p:cTn>
+                              </p:par>
+                              <p:par>
+                                <p:cTn id="13" presetID="22" presetClass="entr" presetSubtype="4" fill="hold" grpId="0" nodeType="withEffect">
+                                  <p:stCondLst>
+                                    <p:cond delay="0"/>
+                                  </p:stCondLst>
+                                  <p:childTnLst>
+                                    <p:set>
+                                      <p:cBhvr>
+                                        <p:cTn id="14" dur="1" fill="hold">
+                                          <p:stCondLst>
+                                            <p:cond delay="0"/>
+                                          </p:stCondLst>
+                                        </p:cTn>
+                                        <p:tgtEl>
+                                          <p:spTgt spid="6"/>
+                                        </p:tgtEl>
+                                        <p:attrNameLst>
+                                          <p:attrName>style.visibility</p:attrName>
+                                        </p:attrNameLst>
+                                      </p:cBhvr>
+                                      <p:to>
+                                        <p:strVal val="visible"/>
+                                      </p:to>
+                                    </p:set>
+                                    <p:animEffect transition="in" filter="wipe(down)">
+                                      <p:cBhvr>
+                                        <p:cTn id="15" dur="500"/>
+                                        <p:tgtEl>
+                                          <p:spTgt spid="6"/>
+                                        </p:tgtEl>
+                                      </p:cBhvr>
+                                    </p:animEffect>
+                                  </p:childTnLst>
+                                </p:cTn>
+                              </p:par>
+                            </p:childTnLst>
+                          </p:cTn>
+                        </p:par>
+                      </p:childTnLst>
+                    </p:cTn>
+                  </p:par>
+                  <p:par>
+                    <p:cTn id="16" fill="hold">
+                      <p:stCondLst>
+                        <p:cond delay="indefinite"/>
+                      </p:stCondLst>
+                      <p:childTnLst>
+                        <p:par>
+                          <p:cTn id="17" fill="hold">
+                            <p:stCondLst>
+                              <p:cond delay="0"/>
+                            </p:stCondLst>
+                            <p:childTnLst>
+                              <p:par>
+                                <p:cTn id="18" presetID="2" presetClass="exit" presetSubtype="4" fill="hold" nodeType="clickEffect">
+                                  <p:stCondLst>
+                                    <p:cond delay="0"/>
+                                  </p:stCondLst>
+                                  <p:childTnLst>
+                                    <p:anim calcmode="lin" valueType="num">
+                                      <p:cBhvr additive="base">
+                                        <p:cTn id="19" dur="500"/>
+                                        <p:tgtEl>
+                                          <p:spTgt spid="5"/>
+                                        </p:tgtEl>
+                                        <p:attrNameLst>
+                                          <p:attrName>ppt_x</p:attrName>
+                                        </p:attrNameLst>
+                                      </p:cBhvr>
+                                      <p:tavLst>
+                                        <p:tav tm="0">
+                                          <p:val>
+                                            <p:strVal val="ppt_x"/>
+                                          </p:val>
+                                        </p:tav>
+                                        <p:tav tm="100000">
+                                          <p:val>
+                                            <p:strVal val="ppt_x"/>
+                                          </p:val>
+                                        </p:tav>
+                                      </p:tavLst>
+                                    </p:anim>
+                                    <p:anim calcmode="lin" valueType="num">
+                                      <p:cBhvr additive="base">
+                                        <p:cTn id="20" dur="500"/>
+                                        <p:tgtEl>
+                                          <p:spTgt spid="5"/>
+                                        </p:tgtEl>
+                                        <p:attrNameLst>
+                                          <p:attrName>ppt_y</p:attrName>
+                                        </p:attrNameLst>
+                                      </p:cBhvr>
+                                      <p:tavLst>
+                                        <p:tav tm="0">
+                                          <p:val>
+                                            <p:strVal val="ppt_y"/>
+                                          </p:val>
+                                        </p:tav>
+                                        <p:tav tm="100000">
+                                          <p:val>
+                                            <p:strVal val="1+ppt_h/2"/>
+                                          </p:val>
+                                        </p:tav>
+                                      </p:tavLst>
+                                    </p:anim>
+                                    <p:set>
+                                      <p:cBhvr>
+                                        <p:cTn id="21" dur="1" fill="hold">
+                                          <p:stCondLst>
+                                            <p:cond delay="499"/>
+                                          </p:stCondLst>
+                                        </p:cTn>
+                                        <p:tgtEl>
+                                          <p:spTgt spid="5"/>
+                                        </p:tgtEl>
+                                        <p:attrNameLst>
+                                          <p:attrName>style.visibility</p:attrName>
+                                        </p:attrNameLst>
+                                      </p:cBhvr>
+                                      <p:to>
+                                        <p:strVal val="hidden"/>
+                                      </p:to>
+                                    </p:set>
+                                  </p:childTnLst>
+                                </p:cTn>
+                              </p:par>
+                              <p:par>
+                                <p:cTn id="22" presetID="2" presetClass="entr" presetSubtype="4" fill="hold" nodeType="withEffect">
+                                  <p:stCondLst>
+                                    <p:cond delay="0"/>
+                                  </p:stCondLst>
+                                  <p:childTnLst>
+                                    <p:set>
+                                      <p:cBhvr>
+                                        <p:cTn id="23" dur="1" fill="hold">
+                                          <p:stCondLst>
+                                            <p:cond delay="0"/>
+                                          </p:stCondLst>
+                                        </p:cTn>
+                                        <p:tgtEl>
+                                          <p:spTgt spid="7"/>
+                                        </p:tgtEl>
+                                        <p:attrNameLst>
+                                          <p:attrName>style.visibility</p:attrName>
+                                        </p:attrNameLst>
+                                      </p:cBhvr>
+                                      <p:to>
+                                        <p:strVal val="visible"/>
+                                      </p:to>
+                                    </p:set>
+                                    <p:anim calcmode="lin" valueType="num">
+                                      <p:cBhvr additive="base">
+                                        <p:cTn id="24" dur="500" fill="hold"/>
+                                        <p:tgtEl>
+                                          <p:spTgt spid="7"/>
+                                        </p:tgtEl>
+                                        <p:attrNameLst>
+                                          <p:attrName>ppt_x</p:attrName>
+                                        </p:attrNameLst>
+                                      </p:cBhvr>
+                                      <p:tavLst>
+                                        <p:tav tm="0">
+                                          <p:val>
+                                            <p:strVal val="#ppt_x"/>
+                                          </p:val>
+                                        </p:tav>
+                                        <p:tav tm="100000">
+                                          <p:val>
+                                            <p:strVal val="#ppt_x"/>
+                                          </p:val>
+                                        </p:tav>
+                                      </p:tavLst>
+                                    </p:anim>
+                                    <p:anim calcmode="lin" valueType="num">
+                                      <p:cBhvr additive="base">
+                                        <p:cTn id="25" dur="500" fill="hold"/>
+                                        <p:tgtEl>
+                                          <p:spTgt spid="7"/>
+                                        </p:tgtEl>
+                                        <p:attrNameLst>
+                                          <p:attrName>ppt_y</p:attrName>
+                                        </p:attrNameLst>
+                                      </p:cBhvr>
+                                      <p:tavLst>
+                                        <p:tav tm="0">
+                                          <p:val>
+                                            <p:strVal val="1+#ppt_h/2"/>
+                                          </p:val>
+                                        </p:tav>
+                                        <p:tav tm="100000">
+                                          <p:val>
+                                            <p:strVal val="#ppt_y"/>
+                                          </p:val>
+                                        </p:tav>
+                                      </p:tavLst>
+                                    </p:anim>
+                                  </p:childTnLst>
+                                </p:cTn>
+                              </p:par>
+                              <p:par>
+                                <p:cTn id="26" presetID="2" presetClass="entr" presetSubtype="4" fill="hold" nodeType="withEffect">
+                                  <p:stCondLst>
+                                    <p:cond delay="0"/>
+                                  </p:stCondLst>
+                                  <p:childTnLst>
+                                    <p:set>
+                                      <p:cBhvr>
+                                        <p:cTn id="27" dur="1" fill="hold">
+                                          <p:stCondLst>
+                                            <p:cond delay="0"/>
+                                          </p:stCondLst>
+                                        </p:cTn>
+                                        <p:tgtEl>
+                                          <p:spTgt spid="8"/>
+                                        </p:tgtEl>
+                                        <p:attrNameLst>
+                                          <p:attrName>style.visibility</p:attrName>
+                                        </p:attrNameLst>
+                                      </p:cBhvr>
+                                      <p:to>
+                                        <p:strVal val="visible"/>
+                                      </p:to>
+                                    </p:set>
+                                    <p:anim calcmode="lin" valueType="num">
+                                      <p:cBhvr additive="base">
+                                        <p:cTn id="28" dur="500" fill="hold"/>
+                                        <p:tgtEl>
+                                          <p:spTgt spid="8"/>
+                                        </p:tgtEl>
+                                        <p:attrNameLst>
+                                          <p:attrName>ppt_x</p:attrName>
+                                        </p:attrNameLst>
+                                      </p:cBhvr>
+                                      <p:tavLst>
+                                        <p:tav tm="0">
+                                          <p:val>
+                                            <p:strVal val="#ppt_x"/>
+                                          </p:val>
+                                        </p:tav>
+                                        <p:tav tm="100000">
+                                          <p:val>
+                                            <p:strVal val="#ppt_x"/>
+                                          </p:val>
+                                        </p:tav>
+                                      </p:tavLst>
+                                    </p:anim>
+                                    <p:anim calcmode="lin" valueType="num">
+                                      <p:cBhvr additive="base">
+                                        <p:cTn id="29" dur="500" fill="hold"/>
+                                        <p:tgtEl>
+                                          <p:spTgt spid="8"/>
+                                        </p:tgtEl>
+                                        <p:attrNameLst>
+                                          <p:attrName>ppt_y</p:attrName>
+                                        </p:attrNameLst>
+                                      </p:cBhvr>
+                                      <p:tavLst>
+                                        <p:tav tm="0">
+                                          <p:val>
+                                            <p:strVal val="1+#ppt_h/2"/>
+                                          </p:val>
+                                        </p:tav>
+                                        <p:tav tm="100000">
+                                          <p:val>
+                                            <p:strVal val="#ppt_y"/>
+                                          </p:val>
+                                        </p:tav>
+                                      </p:tavLst>
+                                    </p:anim>
+                                  </p:childTnLst>
+                                </p:cTn>
+                              </p:par>
+                            </p:childTnLst>
+                          </p:cTn>
+                        </p:par>
+                      </p:childTnLst>
+                    </p:cTn>
+                  </p:par>
+                  <p:par>
+                    <p:cTn id="30" fill="hold">
+                      <p:stCondLst>
+                        <p:cond delay="indefinite"/>
+                      </p:stCondLst>
+                      <p:childTnLst>
+                        <p:par>
+                          <p:cTn id="31" fill="hold">
+                            <p:stCondLst>
+                              <p:cond delay="0"/>
+                            </p:stCondLst>
+                            <p:childTnLst>
+                              <p:par>
+                                <p:cTn id="32" presetID="42" presetClass="exit" presetSubtype="0" fill="hold" nodeType="clickEffect">
+                                  <p:stCondLst>
+                                    <p:cond delay="0"/>
+                                  </p:stCondLst>
+                                  <p:childTnLst>
+                                    <p:animEffect transition="out" filter="fade">
+                                      <p:cBhvr>
+                                        <p:cTn id="33" dur="1000"/>
+                                        <p:tgtEl>
+                                          <p:spTgt spid="7"/>
+                                        </p:tgtEl>
+                                      </p:cBhvr>
+                                    </p:animEffect>
+                                    <p:anim calcmode="lin" valueType="num">
+                                      <p:cBhvr>
+                                        <p:cTn id="34" dur="1000"/>
+                                        <p:tgtEl>
+                                          <p:spTgt spid="7"/>
+                                        </p:tgtEl>
+                                        <p:attrNameLst>
+                                          <p:attrName>ppt_x</p:attrName>
+                                        </p:attrNameLst>
+                                      </p:cBhvr>
+                                      <p:tavLst>
+                                        <p:tav tm="0">
+                                          <p:val>
+                                            <p:strVal val="ppt_x"/>
+                                          </p:val>
+                                        </p:tav>
+                                        <p:tav tm="100000">
+                                          <p:val>
+                                            <p:strVal val="ppt_x"/>
+                                          </p:val>
+                                        </p:tav>
+                                      </p:tavLst>
+                                    </p:anim>
+                                    <p:anim calcmode="lin" valueType="num">
+                                      <p:cBhvr>
+                                        <p:cTn id="35" dur="1000"/>
+                                        <p:tgtEl>
+                                          <p:spTgt spid="7"/>
+                                        </p:tgtEl>
+                                        <p:attrNameLst>
+                                          <p:attrName>ppt_y</p:attrName>
+                                        </p:attrNameLst>
+                                      </p:cBhvr>
+                                      <p:tavLst>
+                                        <p:tav tm="0">
+                                          <p:val>
+                                            <p:strVal val="ppt_y"/>
+                                          </p:val>
+                                        </p:tav>
+                                        <p:tav tm="100000">
+                                          <p:val>
+                                            <p:strVal val="ppt_y+.1"/>
+                                          </p:val>
+                                        </p:tav>
+                                      </p:tavLst>
+                                    </p:anim>
+                                    <p:set>
+                                      <p:cBhvr>
+                                        <p:cTn id="36" dur="1" fill="hold">
+                                          <p:stCondLst>
+                                            <p:cond delay="999"/>
+                                          </p:stCondLst>
+                                        </p:cTn>
+                                        <p:tgtEl>
+                                          <p:spTgt spid="7"/>
+                                        </p:tgtEl>
+                                        <p:attrNameLst>
+                                          <p:attrName>style.visibility</p:attrName>
+                                        </p:attrNameLst>
+                                      </p:cBhvr>
+                                      <p:to>
+                                        <p:strVal val="hidden"/>
+                                      </p:to>
+                                    </p:set>
+                                  </p:childTnLst>
+                                </p:cTn>
+                              </p:par>
+                              <p:par>
+                                <p:cTn id="37" presetID="42" presetClass="exit" presetSubtype="0" fill="hold" nodeType="withEffect">
+                                  <p:stCondLst>
+                                    <p:cond delay="0"/>
+                                  </p:stCondLst>
+                                  <p:childTnLst>
+                                    <p:animEffect transition="out" filter="fade">
+                                      <p:cBhvr>
+                                        <p:cTn id="38" dur="1000"/>
+                                        <p:tgtEl>
+                                          <p:spTgt spid="8"/>
+                                        </p:tgtEl>
+                                      </p:cBhvr>
+                                    </p:animEffect>
+                                    <p:anim calcmode="lin" valueType="num">
+                                      <p:cBhvr>
+                                        <p:cTn id="39" dur="1000"/>
+                                        <p:tgtEl>
+                                          <p:spTgt spid="8"/>
+                                        </p:tgtEl>
+                                        <p:attrNameLst>
+                                          <p:attrName>ppt_x</p:attrName>
+                                        </p:attrNameLst>
+                                      </p:cBhvr>
+                                      <p:tavLst>
+                                        <p:tav tm="0">
+                                          <p:val>
+                                            <p:strVal val="ppt_x"/>
+                                          </p:val>
+                                        </p:tav>
+                                        <p:tav tm="100000">
+                                          <p:val>
+                                            <p:strVal val="ppt_x"/>
+                                          </p:val>
+                                        </p:tav>
+                                      </p:tavLst>
+                                    </p:anim>
+                                    <p:anim calcmode="lin" valueType="num">
+                                      <p:cBhvr>
+                                        <p:cTn id="40" dur="1000"/>
+                                        <p:tgtEl>
+                                          <p:spTgt spid="8"/>
+                                        </p:tgtEl>
+                                        <p:attrNameLst>
+                                          <p:attrName>ppt_y</p:attrName>
+                                        </p:attrNameLst>
+                                      </p:cBhvr>
+                                      <p:tavLst>
+                                        <p:tav tm="0">
+                                          <p:val>
+                                            <p:strVal val="ppt_y"/>
+                                          </p:val>
+                                        </p:tav>
+                                        <p:tav tm="100000">
+                                          <p:val>
+                                            <p:strVal val="ppt_y+.1"/>
+                                          </p:val>
+                                        </p:tav>
+                                      </p:tavLst>
+                                    </p:anim>
+                                    <p:set>
+                                      <p:cBhvr>
+                                        <p:cTn id="41" dur="1" fill="hold">
+                                          <p:stCondLst>
+                                            <p:cond delay="999"/>
+                                          </p:stCondLst>
+                                        </p:cTn>
+                                        <p:tgtEl>
+                                          <p:spTgt spid="8"/>
+                                        </p:tgtEl>
+                                        <p:attrNameLst>
+                                          <p:attrName>style.visibility</p:attrName>
+                                        </p:attrNameLst>
+                                      </p:cBhvr>
+                                      <p:to>
+                                        <p:strVal val="hidden"/>
+                                      </p:to>
+                                    </p:set>
+                                  </p:childTnLst>
+                                </p:cTn>
+                              </p:par>
+                              <p:par>
+                                <p:cTn id="42" presetID="42" presetClass="entr" presetSubtype="0" fill="hold" nodeType="withEffect">
+                                  <p:stCondLst>
+                                    <p:cond delay="0"/>
+                                  </p:stCondLst>
+                                  <p:childTnLst>
+                                    <p:set>
+                                      <p:cBhvr>
+                                        <p:cTn id="43" dur="1" fill="hold">
+                                          <p:stCondLst>
+                                            <p:cond delay="0"/>
+                                          </p:stCondLst>
+                                        </p:cTn>
+                                        <p:tgtEl>
+                                          <p:spTgt spid="9"/>
+                                        </p:tgtEl>
+                                        <p:attrNameLst>
+                                          <p:attrName>style.visibility</p:attrName>
+                                        </p:attrNameLst>
+                                      </p:cBhvr>
+                                      <p:to>
+                                        <p:strVal val="visible"/>
+                                      </p:to>
+                                    </p:set>
+                                    <p:animEffect transition="in" filter="fade">
+                                      <p:cBhvr>
+                                        <p:cTn id="44" dur="1000"/>
+                                        <p:tgtEl>
+                                          <p:spTgt spid="9"/>
+                                        </p:tgtEl>
+                                      </p:cBhvr>
+                                    </p:animEffect>
+                                    <p:anim calcmode="lin" valueType="num">
+                                      <p:cBhvr>
+                                        <p:cTn id="45" dur="1000" fill="hold"/>
+                                        <p:tgtEl>
+                                          <p:spTgt spid="9"/>
+                                        </p:tgtEl>
+                                        <p:attrNameLst>
+                                          <p:attrName>ppt_x</p:attrName>
+                                        </p:attrNameLst>
+                                      </p:cBhvr>
+                                      <p:tavLst>
+                                        <p:tav tm="0">
+                                          <p:val>
+                                            <p:strVal val="#ppt_x"/>
+                                          </p:val>
+                                        </p:tav>
+                                        <p:tav tm="100000">
+                                          <p:val>
+                                            <p:strVal val="#ppt_x"/>
+                                          </p:val>
+                                        </p:tav>
+                                      </p:tavLst>
+                                    </p:anim>
+                                    <p:anim calcmode="lin" valueType="num">
+                                      <p:cBhvr>
+                                        <p:cTn id="46" dur="1000" fill="hold"/>
+                                        <p:tgtEl>
+                                          <p:spTgt spid="9"/>
+                                        </p:tgtEl>
+                                        <p:attrNameLst>
+                                          <p:attrName>ppt_y</p:attrName>
+                                        </p:attrNameLst>
+                                      </p:cBhvr>
+                                      <p:tavLst>
+                                        <p:tav tm="0">
+                                          <p:val>
+                                            <p:strVal val="#ppt_y+.1"/>
+                                          </p:val>
+                                        </p:tav>
+                                        <p:tav tm="100000">
+                                          <p:val>
+                                            <p:strVal val="#ppt_y"/>
+                                          </p:val>
+                                        </p:tav>
+                                      </p:tavLst>
+                                    </p:anim>
                                   </p:childTnLst>
                                 </p:cTn>
                               </p:par>
@@ -4841,6 +6591,7 @@
     </p:tnLst>
     <p:bldLst>
       <p:bldP spid="4" grpId="0"/>
+      <p:bldP spid="6" grpId="0"/>
     </p:bldLst>
   </p:timing>
 </p:sld>
@@ -4917,10 +6668,9 @@
           <a:lstStyle/>
           <a:p>
             <a:r>
-              <a:rPr lang="es-ES" dirty="0" smtClean="0"/>
+              <a:rPr lang="es-ES" dirty="0"/>
               <a:t>Redes neuronales</a:t>
             </a:r>
-            <a:endParaRPr lang="es-ES" dirty="0"/>
           </a:p>
         </p:txBody>
       </p:sp>
@@ -4951,8 +6701,16 @@
               <a:buChar char="•"/>
             </a:pPr>
             <a:r>
-              <a:rPr lang="es-ES" sz="2400" dirty="0" smtClean="0"/>
-              <a:t>Se ha calculado también el threshold óptimo para la red neuronal con división de datos.</a:t>
+              <a:rPr lang="es-ES" sz="2400" dirty="0"/>
+              <a:t>Se ha calculado también el </a:t>
+            </a:r>
+            <a:r>
+              <a:rPr lang="es-ES" sz="2400" dirty="0" err="1"/>
+              <a:t>threshold</a:t>
+            </a:r>
+            <a:r>
+              <a:rPr lang="es-ES" sz="2400" dirty="0"/>
+              <a:t> óptimo para la red neuronal con división de datos.</a:t>
             </a:r>
           </a:p>
           <a:p>
@@ -4968,24 +6726,28 @@
               <a:buChar char="•"/>
             </a:pPr>
             <a:r>
-              <a:rPr lang="es-ES" sz="2400" dirty="0" smtClean="0"/>
-              <a:t>El threshold óptimo es 0.4, obteniendo un precision de </a:t>
+              <a:rPr lang="es-ES" sz="2400" dirty="0"/>
+              <a:t>El </a:t>
+            </a:r>
+            <a:r>
+              <a:rPr lang="es-ES" sz="2400" dirty="0" err="1"/>
+              <a:t>threshold</a:t>
+            </a:r>
+            <a:r>
+              <a:rPr lang="es-ES" sz="2400" dirty="0"/>
+              <a:t> óptimo es 0.01, obteniendo un precision de </a:t>
             </a:r>
             <a:r>
               <a:rPr lang="en-US" sz="2400" dirty="0"/>
-              <a:t>88.66% </a:t>
-            </a:r>
-            <a:r>
-              <a:rPr lang="es-ES" sz="2400" dirty="0" smtClean="0"/>
+              <a:t>88.97% </a:t>
+            </a:r>
+            <a:r>
+              <a:rPr lang="es-ES" sz="2400" dirty="0"/>
               <a:t>y un recall de </a:t>
             </a:r>
             <a:r>
               <a:rPr lang="en-US" sz="2400" dirty="0"/>
-              <a:t>71.43</a:t>
-            </a:r>
-            <a:r>
-              <a:rPr lang="en-US" sz="2400" dirty="0" smtClean="0"/>
-              <a:t>%.</a:t>
+              <a:t>73.60%.</a:t>
             </a:r>
             <a:endParaRPr lang="es-ES" sz="2400" dirty="0"/>
           </a:p>
@@ -5001,13 +6763,6 @@
   <p:clrMapOvr>
     <a:masterClrMapping/>
   </p:clrMapOvr>
-  <p:timing>
-    <p:tnLst>
-      <p:par>
-        <p:cTn id="1" dur="indefinite" restart="never" nodeType="tmRoot"/>
-      </p:par>
-    </p:tnLst>
-  </p:timing>
 </p:sld>
 </file>
 
@@ -5082,10 +6837,9 @@
           <a:lstStyle/>
           <a:p>
             <a:r>
-              <a:rPr lang="es-ES" dirty="0" smtClean="0"/>
+              <a:rPr lang="es-ES" dirty="0"/>
               <a:t>Support Vector Machines SVM</a:t>
             </a:r>
-            <a:endParaRPr lang="es-ES" dirty="0"/>
           </a:p>
         </p:txBody>
       </p:sp>
@@ -5119,6 +6873,157 @@
           </a:p>
         </p:txBody>
       </p:sp>
+      <p:sp>
+        <p:nvSpPr>
+          <p:cNvPr id="4" name="CuadroTexto 3">
+            <a:extLst>
+              <a:ext uri="{FF2B5EF4-FFF2-40B4-BE49-F238E27FC236}">
+                <a16:creationId xmlns:a16="http://schemas.microsoft.com/office/drawing/2014/main" id="{9F065A26-4182-45CC-8FFE-F36E5F255FDF}"/>
+              </a:ext>
+            </a:extLst>
+          </p:cNvPr>
+          <p:cNvSpPr txBox="1"/>
+          <p:nvPr/>
+        </p:nvSpPr>
+        <p:spPr>
+          <a:xfrm>
+            <a:off x="975052" y="2344829"/>
+            <a:ext cx="10879132" cy="2769989"/>
+          </a:xfrm>
+          <a:prstGeom prst="rect">
+            <a:avLst/>
+          </a:prstGeom>
+          <a:noFill/>
+        </p:spPr>
+        <p:txBody>
+          <a:bodyPr wrap="none" rtlCol="0">
+            <a:spAutoFit/>
+          </a:bodyPr>
+          <a:lstStyle/>
+          <a:p>
+            <a:pPr marL="285750" indent="-285750">
+              <a:buFont typeface="Arial" panose="020B0604020202020204" pitchFamily="34" charset="0"/>
+              <a:buChar char="•"/>
+            </a:pPr>
+            <a:r>
+              <a:rPr lang="es-ES" sz="2400" dirty="0"/>
+              <a:t>Tercer algoritmo empleado.</a:t>
+            </a:r>
+          </a:p>
+          <a:p>
+            <a:pPr marL="285750" indent="-285750">
+              <a:buFont typeface="Arial" panose="020B0604020202020204" pitchFamily="34" charset="0"/>
+              <a:buChar char="•"/>
+            </a:pPr>
+            <a:endParaRPr lang="es-ES" sz="2400" dirty="0"/>
+          </a:p>
+          <a:p>
+            <a:pPr marL="285750" indent="-285750">
+              <a:buFont typeface="Arial" panose="020B0604020202020204" pitchFamily="34" charset="0"/>
+              <a:buChar char="•"/>
+            </a:pPr>
+            <a:r>
+              <a:rPr lang="es-ES" sz="2400" dirty="0"/>
+              <a:t>Hemos aplicado SVM cambiando el </a:t>
+            </a:r>
+            <a:r>
+              <a:rPr lang="es-ES" sz="2400" dirty="0" err="1"/>
+              <a:t>kernel</a:t>
+            </a:r>
+            <a:r>
+              <a:rPr lang="es-ES" sz="2400" dirty="0"/>
+              <a:t> (lineal o gaussiano) sobre datos divididos</a:t>
+            </a:r>
+          </a:p>
+          <a:p>
+            <a:r>
+              <a:rPr lang="es-ES" sz="2400" dirty="0"/>
+              <a:t>     anteriormente.</a:t>
+            </a:r>
+            <a:endParaRPr lang="es-ES" dirty="0"/>
+          </a:p>
+          <a:p>
+            <a:endParaRPr lang="en-US" dirty="0"/>
+          </a:p>
+          <a:p>
+            <a:pPr marL="342900" indent="-342900">
+              <a:buFont typeface="Arial" panose="020B0604020202020204" pitchFamily="34" charset="0"/>
+              <a:buChar char="•"/>
+            </a:pPr>
+            <a:r>
+              <a:rPr lang="en-US" sz="2400" dirty="0"/>
+              <a:t>No se </a:t>
+            </a:r>
+            <a:r>
+              <a:rPr lang="en-US" sz="2400" dirty="0" err="1"/>
+              <a:t>han</a:t>
+            </a:r>
+            <a:r>
+              <a:rPr lang="en-US" sz="2400" dirty="0"/>
+              <a:t> </a:t>
+            </a:r>
+            <a:r>
+              <a:rPr lang="en-US" sz="2400" dirty="0" err="1"/>
+              <a:t>realizado</a:t>
+            </a:r>
+            <a:r>
+              <a:rPr lang="en-US" sz="2400" dirty="0"/>
+              <a:t> </a:t>
+            </a:r>
+            <a:r>
+              <a:rPr lang="en-US" sz="2400" dirty="0" err="1"/>
+              <a:t>curvas</a:t>
+            </a:r>
+            <a:r>
+              <a:rPr lang="en-US" sz="2400" dirty="0"/>
+              <a:t> de </a:t>
+            </a:r>
+            <a:r>
+              <a:rPr lang="en-US" sz="2400" dirty="0" err="1"/>
+              <a:t>aprendizaje</a:t>
+            </a:r>
+            <a:r>
+              <a:rPr lang="en-US" sz="2400" dirty="0"/>
+              <a:t> </a:t>
+            </a:r>
+            <a:r>
+              <a:rPr lang="en-US" sz="2400" dirty="0" err="1"/>
+              <a:t>debido</a:t>
+            </a:r>
+            <a:r>
+              <a:rPr lang="en-US" sz="2400" dirty="0"/>
+              <a:t> a </a:t>
+            </a:r>
+            <a:r>
+              <a:rPr lang="en-US" sz="2400" dirty="0" err="1"/>
+              <a:t>su</a:t>
+            </a:r>
+            <a:r>
+              <a:rPr lang="en-US" sz="2400" dirty="0"/>
+              <a:t> </a:t>
+            </a:r>
+            <a:r>
+              <a:rPr lang="en-US" sz="2400" dirty="0" err="1"/>
+              <a:t>lentitud</a:t>
+            </a:r>
+            <a:r>
+              <a:rPr lang="en-US" sz="2400" dirty="0"/>
+              <a:t>.</a:t>
+            </a:r>
+            <a:endParaRPr lang="es-ES" sz="2400" dirty="0"/>
+          </a:p>
+          <a:p>
+            <a:endParaRPr lang="es-ES" dirty="0"/>
+          </a:p>
+          <a:p>
+            <a:pPr marL="285750" indent="-285750">
+              <a:buFont typeface="Arial" panose="020B0604020202020204" pitchFamily="34" charset="0"/>
+              <a:buChar char="•"/>
+            </a:pPr>
+            <a:endParaRPr lang="es-ES" dirty="0"/>
+          </a:p>
+        </p:txBody>
+      </p:sp>
     </p:spTree>
     <p:extLst>
       <p:ext uri="{BB962C8B-B14F-4D97-AF65-F5344CB8AC3E}">
@@ -5129,13 +7034,192 @@
   <p:clrMapOvr>
     <a:masterClrMapping/>
   </p:clrMapOvr>
-  <p:timing>
-    <p:tnLst>
-      <p:par>
-        <p:cTn id="1" dur="indefinite" restart="never" nodeType="tmRoot"/>
-      </p:par>
-    </p:tnLst>
-  </p:timing>
+  <mc:AlternateContent xmlns:mc="http://schemas.openxmlformats.org/markup-compatibility/2006">
+    <mc:Choice xmlns:p14="http://schemas.microsoft.com/office/powerpoint/2010/main" Requires="p14">
+      <p:transition spd="med" p14:dur="700">
+        <p:fade/>
+      </p:transition>
+    </mc:Choice>
+    <mc:Fallback>
+      <p:transition spd="med">
+        <p:fade/>
+      </p:transition>
+    </mc:Fallback>
+  </mc:AlternateContent>
+</p:sld>
+</file>
+
+<file path=ppt/slides/slide9.xml><?xml version="1.0" encoding="utf-8"?>
+<p:sld xmlns:a="http://schemas.openxmlformats.org/drawingml/2006/main" xmlns:r="http://schemas.openxmlformats.org/officeDocument/2006/relationships" xmlns:p="http://schemas.openxmlformats.org/presentationml/2006/main">
+  <p:cSld>
+    <p:bg>
+      <p:bgPr>
+        <a:gradFill>
+          <a:gsLst>
+            <a:gs pos="0">
+              <a:schemeClr val="accent1">
+                <a:lumMod val="5000"/>
+                <a:lumOff val="95000"/>
+              </a:schemeClr>
+            </a:gs>
+            <a:gs pos="75000">
+              <a:schemeClr val="accent1">
+                <a:lumMod val="75000"/>
+              </a:schemeClr>
+            </a:gs>
+            <a:gs pos="86000">
+              <a:schemeClr val="accent1">
+                <a:lumMod val="45000"/>
+                <a:lumOff val="55000"/>
+              </a:schemeClr>
+            </a:gs>
+            <a:gs pos="100000">
+              <a:schemeClr val="accent1">
+                <a:lumMod val="30000"/>
+                <a:lumOff val="70000"/>
+              </a:schemeClr>
+            </a:gs>
+          </a:gsLst>
+          <a:lin ang="5400000" scaled="1"/>
+        </a:gradFill>
+        <a:effectLst/>
+      </p:bgPr>
+    </p:bg>
+    <p:spTree>
+      <p:nvGrpSpPr>
+        <p:cNvPr id="1" name=""/>
+        <p:cNvGrpSpPr/>
+        <p:nvPr/>
+      </p:nvGrpSpPr>
+      <p:grpSpPr>
+        <a:xfrm>
+          <a:off x="0" y="0"/>
+          <a:ext cx="0" cy="0"/>
+          <a:chOff x="0" y="0"/>
+          <a:chExt cx="0" cy="0"/>
+        </a:xfrm>
+      </p:grpSpPr>
+      <p:sp>
+        <p:nvSpPr>
+          <p:cNvPr id="4" name="CuadroTexto 3"/>
+          <p:cNvSpPr txBox="1"/>
+          <p:nvPr/>
+        </p:nvSpPr>
+        <p:spPr>
+          <a:xfrm>
+            <a:off x="890647" y="1979069"/>
+            <a:ext cx="10803407" cy="1938992"/>
+          </a:xfrm>
+          <a:prstGeom prst="rect">
+            <a:avLst/>
+          </a:prstGeom>
+          <a:noFill/>
+        </p:spPr>
+        <p:txBody>
+          <a:bodyPr wrap="none" rtlCol="0">
+            <a:spAutoFit/>
+          </a:bodyPr>
+          <a:lstStyle/>
+          <a:p>
+            <a:pPr marL="285750" indent="-285750">
+              <a:buFont typeface="Arial" panose="020B0604020202020204" pitchFamily="34" charset="0"/>
+              <a:buChar char="•"/>
+            </a:pPr>
+            <a:r>
+              <a:rPr lang="es-ES" sz="2400" dirty="0"/>
+              <a:t>También se ha calculado el </a:t>
+            </a:r>
+            <a:r>
+              <a:rPr lang="es-ES" sz="2400" dirty="0" err="1"/>
+              <a:t>threshold</a:t>
+            </a:r>
+            <a:r>
+              <a:rPr lang="es-ES" sz="2400" dirty="0"/>
+              <a:t>, para comprobar el precision y el recall del </a:t>
+            </a:r>
+          </a:p>
+          <a:p>
+            <a:r>
+              <a:rPr lang="es-ES" sz="2400" dirty="0"/>
+              <a:t>     algoritmo. </a:t>
+            </a:r>
+          </a:p>
+          <a:p>
+            <a:endParaRPr lang="es-ES" sz="2400" dirty="0"/>
+          </a:p>
+          <a:p>
+            <a:pPr marL="342900" indent="-342900">
+              <a:buFont typeface="Arial" panose="020B0604020202020204" pitchFamily="34" charset="0"/>
+              <a:buChar char="•"/>
+            </a:pPr>
+            <a:r>
+              <a:rPr lang="es-ES" sz="2400" dirty="0"/>
+              <a:t>Se ha obtenido un </a:t>
+            </a:r>
+            <a:r>
+              <a:rPr lang="es-ES" sz="2400" dirty="0" err="1"/>
+              <a:t>threshold</a:t>
+            </a:r>
+            <a:r>
+              <a:rPr lang="es-ES" sz="2400" dirty="0"/>
+              <a:t> óptimo de 0.01, obteniendo un precision de </a:t>
+            </a:r>
+            <a:r>
+              <a:rPr lang="en-US" sz="2400" dirty="0"/>
+              <a:t>91.55% y</a:t>
+            </a:r>
+          </a:p>
+          <a:p>
+            <a:r>
+              <a:rPr lang="en-US" sz="2400" dirty="0"/>
+              <a:t>     un recall de 98.82%.</a:t>
+            </a:r>
+          </a:p>
+        </p:txBody>
+      </p:sp>
+      <p:sp>
+        <p:nvSpPr>
+          <p:cNvPr id="6" name="Título 1">
+            <a:extLst>
+              <a:ext uri="{FF2B5EF4-FFF2-40B4-BE49-F238E27FC236}">
+                <a16:creationId xmlns:a16="http://schemas.microsoft.com/office/drawing/2014/main" id="{399226CF-D361-4206-8E0E-AC170F2CF5FD}"/>
+              </a:ext>
+            </a:extLst>
+          </p:cNvPr>
+          <p:cNvSpPr>
+            <a:spLocks noGrp="1"/>
+          </p:cNvSpPr>
+          <p:nvPr>
+            <p:ph type="ctrTitle"/>
+          </p:nvPr>
+        </p:nvSpPr>
+        <p:spPr>
+          <a:xfrm>
+            <a:off x="1228271" y="-408531"/>
+            <a:ext cx="9144000" cy="2387600"/>
+          </a:xfrm>
+        </p:spPr>
+        <p:txBody>
+          <a:bodyPr/>
+          <a:lstStyle/>
+          <a:p>
+            <a:r>
+              <a:rPr lang="es-ES" dirty="0"/>
+              <a:t>Support Vector Machines SVM</a:t>
+            </a:r>
+          </a:p>
+        </p:txBody>
+      </p:sp>
+    </p:spTree>
+    <p:extLst>
+      <p:ext uri="{BB962C8B-B14F-4D97-AF65-F5344CB8AC3E}">
+        <p14:creationId xmlns:p14="http://schemas.microsoft.com/office/powerpoint/2010/main" val="2220335143"/>
+      </p:ext>
+    </p:extLst>
+  </p:cSld>
+  <p:clrMapOvr>
+    <a:masterClrMapping/>
+  </p:clrMapOvr>
 </p:sld>
 </file>
 

--- a/proyecto/Presentacion.pptx
+++ b/proyecto/Presentacion.pptx
@@ -4,6 +4,9 @@
   <p:sldMasterIdLst>
     <p:sldMasterId id="2147483648" r:id="rId1"/>
   </p:sldMasterIdLst>
+  <p:notesMasterIdLst>
+    <p:notesMasterId r:id="rId13"/>
+  </p:notesMasterIdLst>
   <p:sldIdLst>
     <p:sldId id="256" r:id="rId2"/>
     <p:sldId id="258" r:id="rId3"/>
@@ -15,6 +18,7 @@
     <p:sldId id="264" r:id="rId9"/>
     <p:sldId id="265" r:id="rId10"/>
     <p:sldId id="266" r:id="rId11"/>
+    <p:sldId id="268" r:id="rId12"/>
   </p:sldIdLst>
   <p:sldSz cx="12192000" cy="6858000"/>
   <p:notesSz cx="6858000" cy="9144000"/>
@@ -121,6 +125,608 @@
 </p:presentation>
 </file>
 
+<file path=ppt/notesMasters/notesMaster1.xml><?xml version="1.0" encoding="utf-8"?>
+<p:notesMaster xmlns:a="http://schemas.openxmlformats.org/drawingml/2006/main" xmlns:r="http://schemas.openxmlformats.org/officeDocument/2006/relationships" xmlns:p="http://schemas.openxmlformats.org/presentationml/2006/main">
+  <p:cSld>
+    <p:bg>
+      <p:bgRef idx="1001">
+        <a:schemeClr val="bg1"/>
+      </p:bgRef>
+    </p:bg>
+    <p:spTree>
+      <p:nvGrpSpPr>
+        <p:cNvPr id="1" name=""/>
+        <p:cNvGrpSpPr/>
+        <p:nvPr/>
+      </p:nvGrpSpPr>
+      <p:grpSpPr>
+        <a:xfrm>
+          <a:off x="0" y="0"/>
+          <a:ext cx="0" cy="0"/>
+          <a:chOff x="0" y="0"/>
+          <a:chExt cx="0" cy="0"/>
+        </a:xfrm>
+      </p:grpSpPr>
+      <p:sp>
+        <p:nvSpPr>
+          <p:cNvPr id="2" name="Header Placeholder 1"/>
+          <p:cNvSpPr>
+            <a:spLocks noGrp="1"/>
+          </p:cNvSpPr>
+          <p:nvPr>
+            <p:ph type="hdr" sz="quarter"/>
+          </p:nvPr>
+        </p:nvSpPr>
+        <p:spPr>
+          <a:xfrm>
+            <a:off x="0" y="0"/>
+            <a:ext cx="2971800" cy="458788"/>
+          </a:xfrm>
+          <a:prstGeom prst="rect">
+            <a:avLst/>
+          </a:prstGeom>
+        </p:spPr>
+        <p:txBody>
+          <a:bodyPr vert="horz" lIns="91440" tIns="45720" rIns="91440" bIns="45720" rtlCol="0"/>
+          <a:lstStyle>
+            <a:lvl1pPr algn="l">
+              <a:defRPr sz="1200"/>
+            </a:lvl1pPr>
+          </a:lstStyle>
+          <a:p>
+            <a:endParaRPr lang="es-ES"/>
+          </a:p>
+        </p:txBody>
+      </p:sp>
+      <p:sp>
+        <p:nvSpPr>
+          <p:cNvPr id="3" name="Date Placeholder 2"/>
+          <p:cNvSpPr>
+            <a:spLocks noGrp="1"/>
+          </p:cNvSpPr>
+          <p:nvPr>
+            <p:ph type="dt" idx="1"/>
+          </p:nvPr>
+        </p:nvSpPr>
+        <p:spPr>
+          <a:xfrm>
+            <a:off x="3884613" y="0"/>
+            <a:ext cx="2971800" cy="458788"/>
+          </a:xfrm>
+          <a:prstGeom prst="rect">
+            <a:avLst/>
+          </a:prstGeom>
+        </p:spPr>
+        <p:txBody>
+          <a:bodyPr vert="horz" lIns="91440" tIns="45720" rIns="91440" bIns="45720" rtlCol="0"/>
+          <a:lstStyle>
+            <a:lvl1pPr algn="r">
+              <a:defRPr sz="1200"/>
+            </a:lvl1pPr>
+          </a:lstStyle>
+          <a:p>
+            <a:fld id="{59711E18-C8D1-D54D-BF23-7A19B7B27701}" type="datetimeFigureOut">
+              <a:rPr lang="es-ES" smtClean="0"/>
+              <a:t>22/5/18</a:t>
+            </a:fld>
+            <a:endParaRPr lang="es-ES"/>
+          </a:p>
+        </p:txBody>
+      </p:sp>
+      <p:sp>
+        <p:nvSpPr>
+          <p:cNvPr id="4" name="Slide Image Placeholder 3"/>
+          <p:cNvSpPr>
+            <a:spLocks noGrp="1" noRot="1" noChangeAspect="1"/>
+          </p:cNvSpPr>
+          <p:nvPr>
+            <p:ph type="sldImg" idx="2"/>
+          </p:nvPr>
+        </p:nvSpPr>
+        <p:spPr>
+          <a:xfrm>
+            <a:off x="685800" y="1143000"/>
+            <a:ext cx="5486400" cy="3086100"/>
+          </a:xfrm>
+          <a:prstGeom prst="rect">
+            <a:avLst/>
+          </a:prstGeom>
+          <a:noFill/>
+          <a:ln w="12700">
+            <a:solidFill>
+              <a:prstClr val="black"/>
+            </a:solidFill>
+          </a:ln>
+        </p:spPr>
+        <p:txBody>
+          <a:bodyPr vert="horz" lIns="91440" tIns="45720" rIns="91440" bIns="45720" rtlCol="0" anchor="ctr"/>
+          <a:lstStyle/>
+          <a:p>
+            <a:endParaRPr lang="es-ES"/>
+          </a:p>
+        </p:txBody>
+      </p:sp>
+      <p:sp>
+        <p:nvSpPr>
+          <p:cNvPr id="5" name="Notes Placeholder 4"/>
+          <p:cNvSpPr>
+            <a:spLocks noGrp="1"/>
+          </p:cNvSpPr>
+          <p:nvPr>
+            <p:ph type="body" sz="quarter" idx="3"/>
+          </p:nvPr>
+        </p:nvSpPr>
+        <p:spPr>
+          <a:xfrm>
+            <a:off x="685800" y="4400550"/>
+            <a:ext cx="5486400" cy="3600450"/>
+          </a:xfrm>
+          <a:prstGeom prst="rect">
+            <a:avLst/>
+          </a:prstGeom>
+        </p:spPr>
+        <p:txBody>
+          <a:bodyPr vert="horz" lIns="91440" tIns="45720" rIns="91440" bIns="45720" rtlCol="0"/>
+          <a:lstStyle/>
+          <a:p>
+            <a:pPr lvl="0"/>
+            <a:r>
+              <a:rPr lang="en-US"/>
+              <a:t>Edit Master text styles</a:t>
+            </a:r>
+          </a:p>
+          <a:p>
+            <a:pPr lvl="1"/>
+            <a:r>
+              <a:rPr lang="en-US"/>
+              <a:t>Second level</a:t>
+            </a:r>
+          </a:p>
+          <a:p>
+            <a:pPr lvl="2"/>
+            <a:r>
+              <a:rPr lang="en-US"/>
+              <a:t>Third level</a:t>
+            </a:r>
+          </a:p>
+          <a:p>
+            <a:pPr lvl="3"/>
+            <a:r>
+              <a:rPr lang="en-US"/>
+              <a:t>Fourth level</a:t>
+            </a:r>
+          </a:p>
+          <a:p>
+            <a:pPr lvl="4"/>
+            <a:r>
+              <a:rPr lang="en-US"/>
+              <a:t>Fifth level</a:t>
+            </a:r>
+            <a:endParaRPr lang="es-ES"/>
+          </a:p>
+        </p:txBody>
+      </p:sp>
+      <p:sp>
+        <p:nvSpPr>
+          <p:cNvPr id="6" name="Footer Placeholder 5"/>
+          <p:cNvSpPr>
+            <a:spLocks noGrp="1"/>
+          </p:cNvSpPr>
+          <p:nvPr>
+            <p:ph type="ftr" sz="quarter" idx="4"/>
+          </p:nvPr>
+        </p:nvSpPr>
+        <p:spPr>
+          <a:xfrm>
+            <a:off x="0" y="8685213"/>
+            <a:ext cx="2971800" cy="458787"/>
+          </a:xfrm>
+          <a:prstGeom prst="rect">
+            <a:avLst/>
+          </a:prstGeom>
+        </p:spPr>
+        <p:txBody>
+          <a:bodyPr vert="horz" lIns="91440" tIns="45720" rIns="91440" bIns="45720" rtlCol="0" anchor="b"/>
+          <a:lstStyle>
+            <a:lvl1pPr algn="l">
+              <a:defRPr sz="1200"/>
+            </a:lvl1pPr>
+          </a:lstStyle>
+          <a:p>
+            <a:endParaRPr lang="es-ES"/>
+          </a:p>
+        </p:txBody>
+      </p:sp>
+      <p:sp>
+        <p:nvSpPr>
+          <p:cNvPr id="7" name="Slide Number Placeholder 6"/>
+          <p:cNvSpPr>
+            <a:spLocks noGrp="1"/>
+          </p:cNvSpPr>
+          <p:nvPr>
+            <p:ph type="sldNum" sz="quarter" idx="5"/>
+          </p:nvPr>
+        </p:nvSpPr>
+        <p:spPr>
+          <a:xfrm>
+            <a:off x="3884613" y="8685213"/>
+            <a:ext cx="2971800" cy="458787"/>
+          </a:xfrm>
+          <a:prstGeom prst="rect">
+            <a:avLst/>
+          </a:prstGeom>
+        </p:spPr>
+        <p:txBody>
+          <a:bodyPr vert="horz" lIns="91440" tIns="45720" rIns="91440" bIns="45720" rtlCol="0" anchor="b"/>
+          <a:lstStyle>
+            <a:lvl1pPr algn="r">
+              <a:defRPr sz="1200"/>
+            </a:lvl1pPr>
+          </a:lstStyle>
+          <a:p>
+            <a:fld id="{85AEA1C9-A37E-6A42-A7D5-B0BE10048D9E}" type="slidenum">
+              <a:rPr lang="es-ES" smtClean="0"/>
+              <a:t>‹#›</a:t>
+            </a:fld>
+            <a:endParaRPr lang="es-ES"/>
+          </a:p>
+        </p:txBody>
+      </p:sp>
+    </p:spTree>
+    <p:extLst>
+      <p:ext uri="{BB962C8B-B14F-4D97-AF65-F5344CB8AC3E}">
+        <p14:creationId xmlns:p14="http://schemas.microsoft.com/office/powerpoint/2010/main" val="232405725"/>
+      </p:ext>
+    </p:extLst>
+  </p:cSld>
+  <p:clrMap bg1="lt1" tx1="dk1" bg2="lt2" tx2="dk2" accent1="accent1" accent2="accent2" accent3="accent3" accent4="accent4" accent5="accent5" accent6="accent6" hlink="hlink" folHlink="folHlink"/>
+  <p:notesStyle>
+    <a:lvl1pPr marL="0" algn="l" defTabSz="914400" rtl="0" eaLnBrk="1" latinLnBrk="0" hangingPunct="1">
+      <a:defRPr sz="1200" kern="1200">
+        <a:solidFill>
+          <a:schemeClr val="tx1"/>
+        </a:solidFill>
+        <a:latin typeface="+mn-lt"/>
+        <a:ea typeface="+mn-ea"/>
+        <a:cs typeface="+mn-cs"/>
+      </a:defRPr>
+    </a:lvl1pPr>
+    <a:lvl2pPr marL="457200" algn="l" defTabSz="914400" rtl="0" eaLnBrk="1" latinLnBrk="0" hangingPunct="1">
+      <a:defRPr sz="1200" kern="1200">
+        <a:solidFill>
+          <a:schemeClr val="tx1"/>
+        </a:solidFill>
+        <a:latin typeface="+mn-lt"/>
+        <a:ea typeface="+mn-ea"/>
+        <a:cs typeface="+mn-cs"/>
+      </a:defRPr>
+    </a:lvl2pPr>
+    <a:lvl3pPr marL="914400" algn="l" defTabSz="914400" rtl="0" eaLnBrk="1" latinLnBrk="0" hangingPunct="1">
+      <a:defRPr sz="1200" kern="1200">
+        <a:solidFill>
+          <a:schemeClr val="tx1"/>
+        </a:solidFill>
+        <a:latin typeface="+mn-lt"/>
+        <a:ea typeface="+mn-ea"/>
+        <a:cs typeface="+mn-cs"/>
+      </a:defRPr>
+    </a:lvl3pPr>
+    <a:lvl4pPr marL="1371600" algn="l" defTabSz="914400" rtl="0" eaLnBrk="1" latinLnBrk="0" hangingPunct="1">
+      <a:defRPr sz="1200" kern="1200">
+        <a:solidFill>
+          <a:schemeClr val="tx1"/>
+        </a:solidFill>
+        <a:latin typeface="+mn-lt"/>
+        <a:ea typeface="+mn-ea"/>
+        <a:cs typeface="+mn-cs"/>
+      </a:defRPr>
+    </a:lvl4pPr>
+    <a:lvl5pPr marL="1828800" algn="l" defTabSz="914400" rtl="0" eaLnBrk="1" latinLnBrk="0" hangingPunct="1">
+      <a:defRPr sz="1200" kern="1200">
+        <a:solidFill>
+          <a:schemeClr val="tx1"/>
+        </a:solidFill>
+        <a:latin typeface="+mn-lt"/>
+        <a:ea typeface="+mn-ea"/>
+        <a:cs typeface="+mn-cs"/>
+      </a:defRPr>
+    </a:lvl5pPr>
+    <a:lvl6pPr marL="2286000" algn="l" defTabSz="914400" rtl="0" eaLnBrk="1" latinLnBrk="0" hangingPunct="1">
+      <a:defRPr sz="1200" kern="1200">
+        <a:solidFill>
+          <a:schemeClr val="tx1"/>
+        </a:solidFill>
+        <a:latin typeface="+mn-lt"/>
+        <a:ea typeface="+mn-ea"/>
+        <a:cs typeface="+mn-cs"/>
+      </a:defRPr>
+    </a:lvl6pPr>
+    <a:lvl7pPr marL="2743200" algn="l" defTabSz="914400" rtl="0" eaLnBrk="1" latinLnBrk="0" hangingPunct="1">
+      <a:defRPr sz="1200" kern="1200">
+        <a:solidFill>
+          <a:schemeClr val="tx1"/>
+        </a:solidFill>
+        <a:latin typeface="+mn-lt"/>
+        <a:ea typeface="+mn-ea"/>
+        <a:cs typeface="+mn-cs"/>
+      </a:defRPr>
+    </a:lvl7pPr>
+    <a:lvl8pPr marL="3200400" algn="l" defTabSz="914400" rtl="0" eaLnBrk="1" latinLnBrk="0" hangingPunct="1">
+      <a:defRPr sz="1200" kern="1200">
+        <a:solidFill>
+          <a:schemeClr val="tx1"/>
+        </a:solidFill>
+        <a:latin typeface="+mn-lt"/>
+        <a:ea typeface="+mn-ea"/>
+        <a:cs typeface="+mn-cs"/>
+      </a:defRPr>
+    </a:lvl8pPr>
+    <a:lvl9pPr marL="3657600" algn="l" defTabSz="914400" rtl="0" eaLnBrk="1" latinLnBrk="0" hangingPunct="1">
+      <a:defRPr sz="1200" kern="1200">
+        <a:solidFill>
+          <a:schemeClr val="tx1"/>
+        </a:solidFill>
+        <a:latin typeface="+mn-lt"/>
+        <a:ea typeface="+mn-ea"/>
+        <a:cs typeface="+mn-cs"/>
+      </a:defRPr>
+    </a:lvl9pPr>
+  </p:notesStyle>
+</p:notesMaster>
+</file>
+
+<file path=ppt/notesSlides/notesSlide1.xml><?xml version="1.0" encoding="utf-8"?>
+<p:notes xmlns:a="http://schemas.openxmlformats.org/drawingml/2006/main" xmlns:r="http://schemas.openxmlformats.org/officeDocument/2006/relationships" xmlns:p="http://schemas.openxmlformats.org/presentationml/2006/main">
+  <p:cSld>
+    <p:spTree>
+      <p:nvGrpSpPr>
+        <p:cNvPr id="1" name=""/>
+        <p:cNvGrpSpPr/>
+        <p:nvPr/>
+      </p:nvGrpSpPr>
+      <p:grpSpPr>
+        <a:xfrm>
+          <a:off x="0" y="0"/>
+          <a:ext cx="0" cy="0"/>
+          <a:chOff x="0" y="0"/>
+          <a:chExt cx="0" cy="0"/>
+        </a:xfrm>
+      </p:grpSpPr>
+      <p:sp>
+        <p:nvSpPr>
+          <p:cNvPr id="2" name="Slide Image Placeholder 1"/>
+          <p:cNvSpPr>
+            <a:spLocks noGrp="1" noRot="1" noChangeAspect="1"/>
+          </p:cNvSpPr>
+          <p:nvPr>
+            <p:ph type="sldImg"/>
+          </p:nvPr>
+        </p:nvSpPr>
+        <p:spPr/>
+      </p:sp>
+      <p:sp>
+        <p:nvSpPr>
+          <p:cNvPr id="3" name="Notes Placeholder 2"/>
+          <p:cNvSpPr>
+            <a:spLocks noGrp="1"/>
+          </p:cNvSpPr>
+          <p:nvPr>
+            <p:ph type="body" idx="1"/>
+          </p:nvPr>
+        </p:nvSpPr>
+        <p:spPr/>
+        <p:txBody>
+          <a:bodyPr/>
+          <a:lstStyle/>
+          <a:p>
+            <a:endParaRPr lang="es-ES" dirty="0"/>
+          </a:p>
+        </p:txBody>
+      </p:sp>
+      <p:sp>
+        <p:nvSpPr>
+          <p:cNvPr id="4" name="Slide Number Placeholder 3"/>
+          <p:cNvSpPr>
+            <a:spLocks noGrp="1"/>
+          </p:cNvSpPr>
+          <p:nvPr>
+            <p:ph type="sldNum" sz="quarter" idx="10"/>
+          </p:nvPr>
+        </p:nvSpPr>
+        <p:spPr/>
+        <p:txBody>
+          <a:bodyPr/>
+          <a:lstStyle/>
+          <a:p>
+            <a:fld id="{85AEA1C9-A37E-6A42-A7D5-B0BE10048D9E}" type="slidenum">
+              <a:rPr lang="es-ES" smtClean="0"/>
+              <a:t>2</a:t>
+            </a:fld>
+            <a:endParaRPr lang="es-ES"/>
+          </a:p>
+        </p:txBody>
+      </p:sp>
+    </p:spTree>
+    <p:extLst>
+      <p:ext uri="{BB962C8B-B14F-4D97-AF65-F5344CB8AC3E}">
+        <p14:creationId xmlns:p14="http://schemas.microsoft.com/office/powerpoint/2010/main" val="1841473728"/>
+      </p:ext>
+    </p:extLst>
+  </p:cSld>
+  <p:clrMapOvr>
+    <a:masterClrMapping/>
+  </p:clrMapOvr>
+</p:notes>
+</file>
+
+<file path=ppt/notesSlides/notesSlide2.xml><?xml version="1.0" encoding="utf-8"?>
+<p:notes xmlns:a="http://schemas.openxmlformats.org/drawingml/2006/main" xmlns:r="http://schemas.openxmlformats.org/officeDocument/2006/relationships" xmlns:p="http://schemas.openxmlformats.org/presentationml/2006/main">
+  <p:cSld>
+    <p:spTree>
+      <p:nvGrpSpPr>
+        <p:cNvPr id="1" name=""/>
+        <p:cNvGrpSpPr/>
+        <p:nvPr/>
+      </p:nvGrpSpPr>
+      <p:grpSpPr>
+        <a:xfrm>
+          <a:off x="0" y="0"/>
+          <a:ext cx="0" cy="0"/>
+          <a:chOff x="0" y="0"/>
+          <a:chExt cx="0" cy="0"/>
+        </a:xfrm>
+      </p:grpSpPr>
+      <p:sp>
+        <p:nvSpPr>
+          <p:cNvPr id="2" name="Slide Image Placeholder 1"/>
+          <p:cNvSpPr>
+            <a:spLocks noGrp="1" noRot="1" noChangeAspect="1"/>
+          </p:cNvSpPr>
+          <p:nvPr>
+            <p:ph type="sldImg"/>
+          </p:nvPr>
+        </p:nvSpPr>
+        <p:spPr/>
+      </p:sp>
+      <p:sp>
+        <p:nvSpPr>
+          <p:cNvPr id="3" name="Notes Placeholder 2"/>
+          <p:cNvSpPr>
+            <a:spLocks noGrp="1"/>
+          </p:cNvSpPr>
+          <p:nvPr>
+            <p:ph type="body" idx="1"/>
+          </p:nvPr>
+        </p:nvSpPr>
+        <p:spPr/>
+        <p:txBody>
+          <a:bodyPr/>
+          <a:lstStyle/>
+          <a:p>
+            <a:endParaRPr lang="es-ES" dirty="0"/>
+          </a:p>
+        </p:txBody>
+      </p:sp>
+      <p:sp>
+        <p:nvSpPr>
+          <p:cNvPr id="4" name="Slide Number Placeholder 3"/>
+          <p:cNvSpPr>
+            <a:spLocks noGrp="1"/>
+          </p:cNvSpPr>
+          <p:nvPr>
+            <p:ph type="sldNum" sz="quarter" idx="10"/>
+          </p:nvPr>
+        </p:nvSpPr>
+        <p:spPr/>
+        <p:txBody>
+          <a:bodyPr/>
+          <a:lstStyle/>
+          <a:p>
+            <a:fld id="{85AEA1C9-A37E-6A42-A7D5-B0BE10048D9E}" type="slidenum">
+              <a:rPr lang="es-ES" smtClean="0"/>
+              <a:t>3</a:t>
+            </a:fld>
+            <a:endParaRPr lang="es-ES"/>
+          </a:p>
+        </p:txBody>
+      </p:sp>
+    </p:spTree>
+    <p:extLst>
+      <p:ext uri="{BB962C8B-B14F-4D97-AF65-F5344CB8AC3E}">
+        <p14:creationId xmlns:p14="http://schemas.microsoft.com/office/powerpoint/2010/main" val="2486125175"/>
+      </p:ext>
+    </p:extLst>
+  </p:cSld>
+  <p:clrMapOvr>
+    <a:masterClrMapping/>
+  </p:clrMapOvr>
+</p:notes>
+</file>
+
+<file path=ppt/notesSlides/notesSlide3.xml><?xml version="1.0" encoding="utf-8"?>
+<p:notes xmlns:a="http://schemas.openxmlformats.org/drawingml/2006/main" xmlns:r="http://schemas.openxmlformats.org/officeDocument/2006/relationships" xmlns:p="http://schemas.openxmlformats.org/presentationml/2006/main">
+  <p:cSld>
+    <p:spTree>
+      <p:nvGrpSpPr>
+        <p:cNvPr id="1" name=""/>
+        <p:cNvGrpSpPr/>
+        <p:nvPr/>
+      </p:nvGrpSpPr>
+      <p:grpSpPr>
+        <a:xfrm>
+          <a:off x="0" y="0"/>
+          <a:ext cx="0" cy="0"/>
+          <a:chOff x="0" y="0"/>
+          <a:chExt cx="0" cy="0"/>
+        </a:xfrm>
+      </p:grpSpPr>
+      <p:sp>
+        <p:nvSpPr>
+          <p:cNvPr id="2" name="Slide Image Placeholder 1"/>
+          <p:cNvSpPr>
+            <a:spLocks noGrp="1" noRot="1" noChangeAspect="1"/>
+          </p:cNvSpPr>
+          <p:nvPr>
+            <p:ph type="sldImg"/>
+          </p:nvPr>
+        </p:nvSpPr>
+        <p:spPr/>
+      </p:sp>
+      <p:sp>
+        <p:nvSpPr>
+          <p:cNvPr id="3" name="Notes Placeholder 2"/>
+          <p:cNvSpPr>
+            <a:spLocks noGrp="1"/>
+          </p:cNvSpPr>
+          <p:nvPr>
+            <p:ph type="body" idx="1"/>
+          </p:nvPr>
+        </p:nvSpPr>
+        <p:spPr/>
+        <p:txBody>
+          <a:bodyPr/>
+          <a:lstStyle/>
+          <a:p>
+            <a:endParaRPr lang="es-ES" dirty="0"/>
+          </a:p>
+        </p:txBody>
+      </p:sp>
+      <p:sp>
+        <p:nvSpPr>
+          <p:cNvPr id="4" name="Slide Number Placeholder 3"/>
+          <p:cNvSpPr>
+            <a:spLocks noGrp="1"/>
+          </p:cNvSpPr>
+          <p:nvPr>
+            <p:ph type="sldNum" sz="quarter" idx="10"/>
+          </p:nvPr>
+        </p:nvSpPr>
+        <p:spPr/>
+        <p:txBody>
+          <a:bodyPr/>
+          <a:lstStyle/>
+          <a:p>
+            <a:fld id="{85AEA1C9-A37E-6A42-A7D5-B0BE10048D9E}" type="slidenum">
+              <a:rPr lang="es-ES" smtClean="0"/>
+              <a:t>10</a:t>
+            </a:fld>
+            <a:endParaRPr lang="es-ES"/>
+          </a:p>
+        </p:txBody>
+      </p:sp>
+    </p:spTree>
+    <p:extLst>
+      <p:ext uri="{BB962C8B-B14F-4D97-AF65-F5344CB8AC3E}">
+        <p14:creationId xmlns:p14="http://schemas.microsoft.com/office/powerpoint/2010/main" val="3904627827"/>
+      </p:ext>
+    </p:extLst>
+  </p:cSld>
+  <p:clrMapOvr>
+    <a:masterClrMapping/>
+  </p:clrMapOvr>
+</p:notes>
+</file>
+
 <file path=ppt/slideLayouts/slideLayout1.xml><?xml version="1.0" encoding="utf-8"?>
 <p:sldLayout xmlns:a="http://schemas.openxmlformats.org/drawingml/2006/main" xmlns:r="http://schemas.openxmlformats.org/officeDocument/2006/relationships" xmlns:p="http://schemas.openxmlformats.org/presentationml/2006/main" type="title" preserve="1">
   <p:cSld name="Diapositiva de título">
@@ -250,7 +856,7 @@
           <a:p>
             <a:fld id="{988E1DA1-28EA-4AFF-A97B-7ACD3871F303}" type="datetimeFigureOut">
               <a:rPr lang="es-ES" smtClean="0"/>
-              <a:t>20/05/2018</a:t>
+              <a:t>22/5/18</a:t>
             </a:fld>
             <a:endParaRPr lang="es-ES"/>
           </a:p>
@@ -292,7 +898,7 @@
           <a:p>
             <a:fld id="{CC17E0E7-B38D-43FE-9588-FE025F34FB51}" type="slidenum">
               <a:rPr lang="es-ES" smtClean="0"/>
-              <a:t>‹Nº›</a:t>
+              <a:t>‹#›</a:t>
             </a:fld>
             <a:endParaRPr lang="es-ES"/>
           </a:p>
@@ -418,7 +1024,7 @@
           <a:p>
             <a:fld id="{988E1DA1-28EA-4AFF-A97B-7ACD3871F303}" type="datetimeFigureOut">
               <a:rPr lang="es-ES" smtClean="0"/>
-              <a:t>20/05/2018</a:t>
+              <a:t>22/5/18</a:t>
             </a:fld>
             <a:endParaRPr lang="es-ES"/>
           </a:p>
@@ -460,7 +1066,7 @@
           <a:p>
             <a:fld id="{CC17E0E7-B38D-43FE-9588-FE025F34FB51}" type="slidenum">
               <a:rPr lang="es-ES" smtClean="0"/>
-              <a:t>‹Nº›</a:t>
+              <a:t>‹#›</a:t>
             </a:fld>
             <a:endParaRPr lang="es-ES"/>
           </a:p>
@@ -596,7 +1202,7 @@
           <a:p>
             <a:fld id="{988E1DA1-28EA-4AFF-A97B-7ACD3871F303}" type="datetimeFigureOut">
               <a:rPr lang="es-ES" smtClean="0"/>
-              <a:t>20/05/2018</a:t>
+              <a:t>22/5/18</a:t>
             </a:fld>
             <a:endParaRPr lang="es-ES"/>
           </a:p>
@@ -638,7 +1244,7 @@
           <a:p>
             <a:fld id="{CC17E0E7-B38D-43FE-9588-FE025F34FB51}" type="slidenum">
               <a:rPr lang="es-ES" smtClean="0"/>
-              <a:t>‹Nº›</a:t>
+              <a:t>‹#›</a:t>
             </a:fld>
             <a:endParaRPr lang="es-ES"/>
           </a:p>
@@ -764,7 +1370,7 @@
           <a:p>
             <a:fld id="{988E1DA1-28EA-4AFF-A97B-7ACD3871F303}" type="datetimeFigureOut">
               <a:rPr lang="es-ES" smtClean="0"/>
-              <a:t>20/05/2018</a:t>
+              <a:t>22/5/18</a:t>
             </a:fld>
             <a:endParaRPr lang="es-ES"/>
           </a:p>
@@ -806,7 +1412,7 @@
           <a:p>
             <a:fld id="{CC17E0E7-B38D-43FE-9588-FE025F34FB51}" type="slidenum">
               <a:rPr lang="es-ES" smtClean="0"/>
-              <a:t>‹Nº›</a:t>
+              <a:t>‹#›</a:t>
             </a:fld>
             <a:endParaRPr lang="es-ES"/>
           </a:p>
@@ -1009,7 +1615,7 @@
           <a:p>
             <a:fld id="{988E1DA1-28EA-4AFF-A97B-7ACD3871F303}" type="datetimeFigureOut">
               <a:rPr lang="es-ES" smtClean="0"/>
-              <a:t>20/05/2018</a:t>
+              <a:t>22/5/18</a:t>
             </a:fld>
             <a:endParaRPr lang="es-ES"/>
           </a:p>
@@ -1051,7 +1657,7 @@
           <a:p>
             <a:fld id="{CC17E0E7-B38D-43FE-9588-FE025F34FB51}" type="slidenum">
               <a:rPr lang="es-ES" smtClean="0"/>
-              <a:t>‹Nº›</a:t>
+              <a:t>‹#›</a:t>
             </a:fld>
             <a:endParaRPr lang="es-ES"/>
           </a:p>
@@ -1238,7 +1844,7 @@
           <a:p>
             <a:fld id="{988E1DA1-28EA-4AFF-A97B-7ACD3871F303}" type="datetimeFigureOut">
               <a:rPr lang="es-ES" smtClean="0"/>
-              <a:t>20/05/2018</a:t>
+              <a:t>22/5/18</a:t>
             </a:fld>
             <a:endParaRPr lang="es-ES"/>
           </a:p>
@@ -1280,7 +1886,7 @@
           <a:p>
             <a:fld id="{CC17E0E7-B38D-43FE-9588-FE025F34FB51}" type="slidenum">
               <a:rPr lang="es-ES" smtClean="0"/>
-              <a:t>‹Nº›</a:t>
+              <a:t>‹#›</a:t>
             </a:fld>
             <a:endParaRPr lang="es-ES"/>
           </a:p>
@@ -1602,7 +2208,7 @@
           <a:p>
             <a:fld id="{988E1DA1-28EA-4AFF-A97B-7ACD3871F303}" type="datetimeFigureOut">
               <a:rPr lang="es-ES" smtClean="0"/>
-              <a:t>20/05/2018</a:t>
+              <a:t>22/5/18</a:t>
             </a:fld>
             <a:endParaRPr lang="es-ES"/>
           </a:p>
@@ -1644,7 +2250,7 @@
           <a:p>
             <a:fld id="{CC17E0E7-B38D-43FE-9588-FE025F34FB51}" type="slidenum">
               <a:rPr lang="es-ES" smtClean="0"/>
-              <a:t>‹Nº›</a:t>
+              <a:t>‹#›</a:t>
             </a:fld>
             <a:endParaRPr lang="es-ES"/>
           </a:p>
@@ -1719,7 +2325,7 @@
           <a:p>
             <a:fld id="{988E1DA1-28EA-4AFF-A97B-7ACD3871F303}" type="datetimeFigureOut">
               <a:rPr lang="es-ES" smtClean="0"/>
-              <a:t>20/05/2018</a:t>
+              <a:t>22/5/18</a:t>
             </a:fld>
             <a:endParaRPr lang="es-ES"/>
           </a:p>
@@ -1761,7 +2367,7 @@
           <a:p>
             <a:fld id="{CC17E0E7-B38D-43FE-9588-FE025F34FB51}" type="slidenum">
               <a:rPr lang="es-ES" smtClean="0"/>
-              <a:t>‹Nº›</a:t>
+              <a:t>‹#›</a:t>
             </a:fld>
             <a:endParaRPr lang="es-ES"/>
           </a:p>
@@ -1814,7 +2420,7 @@
           <a:p>
             <a:fld id="{988E1DA1-28EA-4AFF-A97B-7ACD3871F303}" type="datetimeFigureOut">
               <a:rPr lang="es-ES" smtClean="0"/>
-              <a:t>20/05/2018</a:t>
+              <a:t>22/5/18</a:t>
             </a:fld>
             <a:endParaRPr lang="es-ES"/>
           </a:p>
@@ -1856,7 +2462,7 @@
           <a:p>
             <a:fld id="{CC17E0E7-B38D-43FE-9588-FE025F34FB51}" type="slidenum">
               <a:rPr lang="es-ES" smtClean="0"/>
-              <a:t>‹Nº›</a:t>
+              <a:t>‹#›</a:t>
             </a:fld>
             <a:endParaRPr lang="es-ES"/>
           </a:p>
@@ -2089,7 +2695,7 @@
           <a:p>
             <a:fld id="{988E1DA1-28EA-4AFF-A97B-7ACD3871F303}" type="datetimeFigureOut">
               <a:rPr lang="es-ES" smtClean="0"/>
-              <a:t>20/05/2018</a:t>
+              <a:t>22/5/18</a:t>
             </a:fld>
             <a:endParaRPr lang="es-ES"/>
           </a:p>
@@ -2131,7 +2737,7 @@
           <a:p>
             <a:fld id="{CC17E0E7-B38D-43FE-9588-FE025F34FB51}" type="slidenum">
               <a:rPr lang="es-ES" smtClean="0"/>
-              <a:t>‹Nº›</a:t>
+              <a:t>‹#›</a:t>
             </a:fld>
             <a:endParaRPr lang="es-ES"/>
           </a:p>
@@ -2341,7 +2947,7 @@
           <a:p>
             <a:fld id="{988E1DA1-28EA-4AFF-A97B-7ACD3871F303}" type="datetimeFigureOut">
               <a:rPr lang="es-ES" smtClean="0"/>
-              <a:t>20/05/2018</a:t>
+              <a:t>22/5/18</a:t>
             </a:fld>
             <a:endParaRPr lang="es-ES"/>
           </a:p>
@@ -2383,7 +2989,7 @@
           <a:p>
             <a:fld id="{CC17E0E7-B38D-43FE-9588-FE025F34FB51}" type="slidenum">
               <a:rPr lang="es-ES" smtClean="0"/>
-              <a:t>‹Nº›</a:t>
+              <a:t>‹#›</a:t>
             </a:fld>
             <a:endParaRPr lang="es-ES"/>
           </a:p>
@@ -2552,7 +3158,7 @@
           <a:p>
             <a:fld id="{988E1DA1-28EA-4AFF-A97B-7ACD3871F303}" type="datetimeFigureOut">
               <a:rPr lang="es-ES" smtClean="0"/>
-              <a:t>20/05/2018</a:t>
+              <a:t>22/5/18</a:t>
             </a:fld>
             <a:endParaRPr lang="es-ES"/>
           </a:p>
@@ -2630,7 +3236,7 @@
           <a:p>
             <a:fld id="{CC17E0E7-B38D-43FE-9588-FE025F34FB51}" type="slidenum">
               <a:rPr lang="es-ES" smtClean="0"/>
-              <a:t>‹Nº›</a:t>
+              <a:t>‹#›</a:t>
             </a:fld>
             <a:endParaRPr lang="es-ES"/>
           </a:p>
@@ -3122,13 +3728,13 @@
   <p:clrMapOvr>
     <a:masterClrMapping/>
   </p:clrMapOvr>
-  <mc:AlternateContent xmlns:mc="http://schemas.openxmlformats.org/markup-compatibility/2006">
-    <mc:Choice xmlns:p14="http://schemas.microsoft.com/office/powerpoint/2010/main" Requires="p14">
+  <mc:AlternateContent xmlns:mc="http://schemas.openxmlformats.org/markup-compatibility/2006" xmlns:p14="http://schemas.microsoft.com/office/powerpoint/2010/main">
+    <mc:Choice Requires="p14">
       <p:transition spd="med" p14:dur="700">
         <p:fade/>
       </p:transition>
     </mc:Choice>
-    <mc:Fallback>
+    <mc:Fallback xmlns="">
       <p:transition spd="med">
         <p:fade/>
       </p:transition>
@@ -3235,7 +3841,7 @@
         <p:spPr>
           <a:xfrm>
             <a:off x="731583" y="1716259"/>
-            <a:ext cx="10287816" cy="3785652"/>
+            <a:ext cx="10812640" cy="3785652"/>
           </a:xfrm>
           <a:prstGeom prst="rect">
             <a:avLst/>
@@ -3254,15 +3860,7 @@
             </a:pPr>
             <a:r>
               <a:rPr lang="es-ES" sz="2400" dirty="0"/>
-              <a:t>Resultados más fiables al dividir los datos en training, </a:t>
-            </a:r>
-            <a:r>
-              <a:rPr lang="es-ES" sz="2400" dirty="0" err="1"/>
-              <a:t>cross-validation</a:t>
-            </a:r>
-            <a:r>
-              <a:rPr lang="es-ES" sz="2400" dirty="0"/>
-              <a:t> y test.</a:t>
+              <a:t>Resultados más fiables al dividir los datos en training, cross-validation y test.</a:t>
             </a:r>
           </a:p>
           <a:p>
@@ -3315,7 +3913,7 @@
             </a:pPr>
             <a:r>
               <a:rPr lang="es-ES" sz="2400" dirty="0"/>
-              <a:t>Mayor fiabilidad cuanto mayor cantidad de datos se usan en el entrenamiento.</a:t>
+              <a:t>Mejores resultados cuanto mayor cantidad de datos se usan en el entrenamiento.</a:t>
             </a:r>
           </a:p>
           <a:p>
@@ -3332,7 +3930,7 @@
             </a:pPr>
             <a:r>
               <a:rPr lang="es-ES" sz="2400" dirty="0"/>
-              <a:t>Threshold bajo en todas las implementaciones.</a:t>
+              <a:t>Threshold bajo en regresión logística y redes neuronales.</a:t>
             </a:r>
           </a:p>
         </p:txBody>
@@ -3350,14 +3948,14 @@
           <p:nvPr/>
         </p:nvPicPr>
         <p:blipFill>
-          <a:blip r:embed="rId2"/>
+          <a:blip r:embed="rId3"/>
           <a:stretch>
             <a:fillRect/>
           </a:stretch>
         </p:blipFill>
         <p:spPr>
           <a:xfrm>
-            <a:off x="-197255" y="0"/>
+            <a:off x="0" y="1"/>
             <a:ext cx="12295163" cy="6857999"/>
           </a:xfrm>
           <a:prstGeom prst="rect">
@@ -3375,13 +3973,13 @@
   <p:clrMapOvr>
     <a:masterClrMapping/>
   </p:clrMapOvr>
-  <mc:AlternateContent xmlns:mc="http://schemas.openxmlformats.org/markup-compatibility/2006">
-    <mc:Choice xmlns:p14="http://schemas.microsoft.com/office/powerpoint/2010/main" Requires="p14">
+  <mc:AlternateContent xmlns:mc="http://schemas.openxmlformats.org/markup-compatibility/2006" xmlns:p14="http://schemas.microsoft.com/office/powerpoint/2010/main">
+    <mc:Choice Requires="p14">
       <p:transition spd="med" p14:dur="700">
         <p:fade/>
       </p:transition>
     </mc:Choice>
-    <mc:Fallback>
+    <mc:Fallback xmlns="">
       <p:transition spd="med">
         <p:fade/>
       </p:transition>
@@ -3679,6 +4277,188 @@
 </p:sld>
 </file>
 
+<file path=ppt/slides/slide11.xml><?xml version="1.0" encoding="utf-8"?>
+<p:sld xmlns:a="http://schemas.openxmlformats.org/drawingml/2006/main" xmlns:r="http://schemas.openxmlformats.org/officeDocument/2006/relationships" xmlns:p="http://schemas.openxmlformats.org/presentationml/2006/main">
+  <p:cSld>
+    <p:bg>
+      <p:bgPr>
+        <a:gradFill>
+          <a:gsLst>
+            <a:gs pos="0">
+              <a:schemeClr val="accent1">
+                <a:lumMod val="5000"/>
+                <a:lumOff val="95000"/>
+              </a:schemeClr>
+            </a:gs>
+            <a:gs pos="75000">
+              <a:schemeClr val="accent1">
+                <a:lumMod val="75000"/>
+              </a:schemeClr>
+            </a:gs>
+            <a:gs pos="86000">
+              <a:schemeClr val="accent1">
+                <a:lumMod val="45000"/>
+                <a:lumOff val="55000"/>
+              </a:schemeClr>
+            </a:gs>
+            <a:gs pos="100000">
+              <a:schemeClr val="accent1">
+                <a:lumMod val="30000"/>
+                <a:lumOff val="70000"/>
+              </a:schemeClr>
+            </a:gs>
+          </a:gsLst>
+          <a:lin ang="5400000" scaled="1"/>
+        </a:gradFill>
+        <a:effectLst/>
+      </p:bgPr>
+    </p:bg>
+    <p:spTree>
+      <p:nvGrpSpPr>
+        <p:cNvPr id="1" name=""/>
+        <p:cNvGrpSpPr/>
+        <p:nvPr/>
+      </p:nvGrpSpPr>
+      <p:grpSpPr>
+        <a:xfrm>
+          <a:off x="0" y="0"/>
+          <a:ext cx="0" cy="0"/>
+          <a:chOff x="0" y="0"/>
+          <a:chExt cx="0" cy="0"/>
+        </a:xfrm>
+      </p:grpSpPr>
+      <p:sp>
+        <p:nvSpPr>
+          <p:cNvPr id="6" name="Título 1">
+            <a:extLst>
+              <a:ext uri="{FF2B5EF4-FFF2-40B4-BE49-F238E27FC236}">
+                <a16:creationId xmlns:a16="http://schemas.microsoft.com/office/drawing/2014/main" id="{399226CF-D361-4206-8E0E-AC170F2CF5FD}"/>
+              </a:ext>
+            </a:extLst>
+          </p:cNvPr>
+          <p:cNvSpPr>
+            <a:spLocks noGrp="1"/>
+          </p:cNvSpPr>
+          <p:nvPr>
+            <p:ph type="ctrTitle"/>
+          </p:nvPr>
+        </p:nvSpPr>
+        <p:spPr>
+          <a:xfrm>
+            <a:off x="1228271" y="-408531"/>
+            <a:ext cx="9144000" cy="2387600"/>
+          </a:xfrm>
+        </p:spPr>
+        <p:txBody>
+          <a:bodyPr/>
+          <a:lstStyle/>
+          <a:p>
+            <a:r>
+              <a:rPr lang="es-ES" dirty="0"/>
+              <a:t>Preguntas</a:t>
+            </a:r>
+          </a:p>
+        </p:txBody>
+      </p:sp>
+      <p:pic>
+        <p:nvPicPr>
+          <p:cNvPr id="2" name="Picture 1">
+            <a:extLst>
+              <a:ext uri="{FF2B5EF4-FFF2-40B4-BE49-F238E27FC236}">
+                <a16:creationId xmlns:a16="http://schemas.microsoft.com/office/drawing/2014/main" id="{5930DFAE-5EFA-8944-9013-9262E074EAC6}"/>
+              </a:ext>
+            </a:extLst>
+          </p:cNvPr>
+          <p:cNvPicPr>
+            <a:picLocks noChangeAspect="1"/>
+          </p:cNvPicPr>
+          <p:nvPr/>
+        </p:nvPicPr>
+        <p:blipFill>
+          <a:blip r:embed="rId2"/>
+          <a:stretch>
+            <a:fillRect/>
+          </a:stretch>
+        </p:blipFill>
+        <p:spPr>
+          <a:xfrm>
+            <a:off x="5101771" y="2872901"/>
+            <a:ext cx="1397000" cy="1727200"/>
+          </a:xfrm>
+          <a:prstGeom prst="rect">
+            <a:avLst/>
+          </a:prstGeom>
+        </p:spPr>
+      </p:pic>
+      <p:sp>
+        <p:nvSpPr>
+          <p:cNvPr id="3" name="TextBox 2">
+            <a:extLst>
+              <a:ext uri="{FF2B5EF4-FFF2-40B4-BE49-F238E27FC236}">
+                <a16:creationId xmlns:a16="http://schemas.microsoft.com/office/drawing/2014/main" id="{C65B1A08-C990-2947-B1FD-7F436BE0D3F9}"/>
+              </a:ext>
+            </a:extLst>
+          </p:cNvPr>
+          <p:cNvSpPr txBox="1"/>
+          <p:nvPr/>
+        </p:nvSpPr>
+        <p:spPr>
+          <a:xfrm>
+            <a:off x="4288478" y="4628202"/>
+            <a:ext cx="3023585" cy="338554"/>
+          </a:xfrm>
+          <a:prstGeom prst="rect">
+            <a:avLst/>
+          </a:prstGeom>
+          <a:noFill/>
+        </p:spPr>
+        <p:txBody>
+          <a:bodyPr wrap="none" rtlCol="0">
+            <a:spAutoFit/>
+          </a:bodyPr>
+          <a:lstStyle/>
+          <a:p>
+            <a:r>
+              <a:rPr lang="es-ES" sz="1600" dirty="0" err="1">
+                <a:latin typeface="Courier New" panose="02070309020205020404" pitchFamily="49" charset="0"/>
+                <a:cs typeface="Courier New" panose="02070309020205020404" pitchFamily="49" charset="0"/>
+              </a:rPr>
+              <a:t>Classified</a:t>
+            </a:r>
+            <a:r>
+              <a:rPr lang="es-ES" sz="1600" dirty="0">
+                <a:latin typeface="Courier New" panose="02070309020205020404" pitchFamily="49" charset="0"/>
+                <a:cs typeface="Courier New" panose="02070309020205020404" pitchFamily="49" charset="0"/>
+              </a:rPr>
+              <a:t> as </a:t>
+            </a:r>
+            <a:r>
+              <a:rPr lang="es-ES" sz="1600" dirty="0" err="1">
+                <a:latin typeface="Courier New" panose="02070309020205020404" pitchFamily="49" charset="0"/>
+                <a:cs typeface="Courier New" panose="02070309020205020404" pitchFamily="49" charset="0"/>
+              </a:rPr>
+              <a:t>poisonous</a:t>
+            </a:r>
+            <a:endParaRPr lang="es-ES" sz="1600" dirty="0">
+              <a:latin typeface="Courier New" panose="02070309020205020404" pitchFamily="49" charset="0"/>
+              <a:cs typeface="Courier New" panose="02070309020205020404" pitchFamily="49" charset="0"/>
+            </a:endParaRPr>
+          </a:p>
+        </p:txBody>
+      </p:sp>
+    </p:spTree>
+    <p:extLst>
+      <p:ext uri="{BB962C8B-B14F-4D97-AF65-F5344CB8AC3E}">
+        <p14:creationId xmlns:p14="http://schemas.microsoft.com/office/powerpoint/2010/main" val="3792860318"/>
+      </p:ext>
+    </p:extLst>
+  </p:cSld>
+  <p:clrMapOvr>
+    <a:masterClrMapping/>
+  </p:clrMapOvr>
+</p:sld>
+</file>
+
 <file path=ppt/slides/slide2.xml><?xml version="1.0" encoding="utf-8"?>
 <p:sld xmlns:a="http://schemas.openxmlformats.org/drawingml/2006/main" xmlns:r="http://schemas.openxmlformats.org/officeDocument/2006/relationships" xmlns:p="http://schemas.openxmlformats.org/presentationml/2006/main">
   <p:cSld>
@@ -3765,7 +4545,7 @@
         <p:spPr>
           <a:xfrm>
             <a:off x="1228271" y="1714500"/>
-            <a:ext cx="8347528" cy="3785652"/>
+            <a:ext cx="8347528" cy="3046988"/>
           </a:xfrm>
           <a:prstGeom prst="rect">
             <a:avLst/>
@@ -3784,7 +4564,7 @@
             </a:pPr>
             <a:r>
               <a:rPr lang="es-ES" sz="2400" dirty="0"/>
-              <a:t>Se quiere saber, según una serie de características de una seta, si esta es apta para el consumo o no.</a:t>
+              <a:t>Saber, según una serie de características, si una seta es apta para el consumo o no.</a:t>
             </a:r>
           </a:p>
           <a:p>
@@ -3808,7 +4588,7 @@
             </a:pPr>
             <a:r>
               <a:rPr lang="es-ES" sz="2400" dirty="0"/>
-              <a:t>Para ello, se tiene un conjunto de datos, con sus diferentes atributos, y ya clasificadas como venenosas o no.</a:t>
+              <a:t>Conjunto de datos ya clasificado (Aprendizaje supervisado).</a:t>
             </a:r>
           </a:p>
           <a:p>
@@ -3832,7 +4612,7 @@
             </a:pPr>
             <a:r>
               <a:rPr lang="es-ES" sz="2400" dirty="0"/>
-              <a:t>Se han implementado diversos algoritmos de aprendizaje de clasificación para solucionar este problema.</a:t>
+              <a:t>Diversos algoritmos para solucionar este problema.</a:t>
             </a:r>
           </a:p>
         </p:txBody>
@@ -3847,13 +4627,13 @@
   <p:clrMapOvr>
     <a:masterClrMapping/>
   </p:clrMapOvr>
-  <mc:AlternateContent xmlns:mc="http://schemas.openxmlformats.org/markup-compatibility/2006">
-    <mc:Choice xmlns:p14="http://schemas.microsoft.com/office/powerpoint/2010/main" Requires="p14">
+  <mc:AlternateContent xmlns:mc="http://schemas.openxmlformats.org/markup-compatibility/2006" xmlns:p14="http://schemas.microsoft.com/office/powerpoint/2010/main">
+    <mc:Choice Requires="p14">
       <p:transition spd="med" p14:dur="700">
         <p:fade/>
       </p:transition>
     </mc:Choice>
-    <mc:Fallback>
+    <mc:Fallback xmlns="">
       <p:transition spd="med">
         <p:fade/>
       </p:transition>
@@ -3948,7 +4728,7 @@
         <p:spPr>
           <a:xfrm>
             <a:off x="1228271" y="1714500"/>
-            <a:ext cx="8347528" cy="1200329"/>
+            <a:ext cx="8347528" cy="830997"/>
           </a:xfrm>
           <a:prstGeom prst="rect">
             <a:avLst/>
@@ -3967,7 +4747,7 @@
             </a:pPr>
             <a:r>
               <a:rPr lang="es-ES" sz="2400" dirty="0"/>
-              <a:t>El conjunto de datos contiene en total 5644 setas con 22 atributos cada una, indicando si es venenosa o no</a:t>
+              <a:t>5644 setas. 22 atributos y se indica si es venenosa o no</a:t>
             </a:r>
           </a:p>
           <a:p>
@@ -3987,8 +4767,8 @@
         </p:nvSpPr>
         <p:spPr>
           <a:xfrm>
-            <a:off x="1228271" y="1712684"/>
-            <a:ext cx="7064883" cy="830997"/>
+            <a:off x="1228271" y="1714500"/>
+            <a:ext cx="9059211" cy="461665"/>
           </a:xfrm>
           <a:prstGeom prst="rect">
             <a:avLst/>
@@ -4007,13 +4787,7 @@
             </a:pPr>
             <a:r>
               <a:rPr lang="es-ES" sz="2400" dirty="0"/>
-              <a:t>Para hacer los datos presentables, los hemos</a:t>
-            </a:r>
-          </a:p>
-          <a:p>
-            <a:r>
-              <a:rPr lang="es-ES" sz="2400" dirty="0"/>
-              <a:t>     pasado a números, para poder aplicar los algoritmos</a:t>
+              <a:t>Transformación a datos numéricos para poder aplicar los algoritmos</a:t>
             </a:r>
           </a:p>
         </p:txBody>
@@ -4027,7 +4801,7 @@
           <p:nvPr/>
         </p:nvPicPr>
         <p:blipFill>
-          <a:blip r:embed="rId2">
+          <a:blip r:embed="rId3">
             <a:extLst>
               <a:ext uri="{28A0092B-C50C-407E-A947-70E740481C1C}">
                 <a14:useLocalDpi xmlns:a14="http://schemas.microsoft.com/office/drawing/2010/main" val="0"/>
@@ -4040,7 +4814,7 @@
         </p:blipFill>
         <p:spPr>
           <a:xfrm>
-            <a:off x="946438" y="1712684"/>
+            <a:off x="904043" y="1743416"/>
             <a:ext cx="9707666" cy="2772752"/>
           </a:xfrm>
           <a:prstGeom prst="rect">
@@ -4057,14 +4831,14 @@
           <p:nvPr/>
         </p:nvPicPr>
         <p:blipFill>
-          <a:blip r:embed="rId3"/>
+          <a:blip r:embed="rId4"/>
           <a:stretch>
             <a:fillRect/>
           </a:stretch>
         </p:blipFill>
         <p:spPr>
           <a:xfrm>
-            <a:off x="604775" y="1214499"/>
+            <a:off x="593200" y="1183813"/>
             <a:ext cx="11277538" cy="5531146"/>
           </a:xfrm>
           <a:prstGeom prst="rect">
@@ -4081,14 +4855,14 @@
           <p:nvPr/>
         </p:nvPicPr>
         <p:blipFill>
-          <a:blip r:embed="rId4"/>
+          <a:blip r:embed="rId5"/>
           <a:stretch>
             <a:fillRect/>
           </a:stretch>
         </p:blipFill>
         <p:spPr>
           <a:xfrm>
-            <a:off x="872070" y="1724658"/>
+            <a:off x="593200" y="1590941"/>
             <a:ext cx="11010243" cy="3420658"/>
           </a:xfrm>
           <a:prstGeom prst="rect">
@@ -4642,7 +5416,7 @@
         <p:spPr>
           <a:xfrm>
             <a:off x="862511" y="1767840"/>
-            <a:ext cx="10357387" cy="2308324"/>
+            <a:ext cx="7971991" cy="1938992"/>
           </a:xfrm>
           <a:prstGeom prst="rect">
             <a:avLst/>
@@ -4659,49 +5433,46 @@
               <a:buFont typeface="Arial" panose="020B0604020202020204" pitchFamily="34" charset="0"/>
               <a:buChar char="•"/>
             </a:pPr>
-            <a:r>
-              <a:rPr lang="es-ES" sz="2400" dirty="0"/>
-              <a:t>Primer algoritmo de aprendizaje empleado.</a:t>
-            </a:r>
+            <a:endParaRPr lang="es-ES" sz="2400" dirty="0"/>
           </a:p>
           <a:p>
             <a:pPr marL="285750" indent="-285750">
               <a:buFont typeface="Arial" panose="020B0604020202020204" pitchFamily="34" charset="0"/>
               <a:buChar char="•"/>
             </a:pPr>
-            <a:endParaRPr lang="es-ES" sz="2400" dirty="0"/>
-          </a:p>
-          <a:p>
-            <a:pPr marL="285750" indent="-285750">
-              <a:buFont typeface="Arial" panose="020B0604020202020204" pitchFamily="34" charset="0"/>
-              <a:buChar char="•"/>
+            <a:r>
+              <a:rPr lang="es-ES" sz="2400" dirty="0"/>
+              <a:t>Se ha aplicado varias veces:</a:t>
+            </a:r>
+          </a:p>
+          <a:p>
+            <a:pPr marL="914400" lvl="1" indent="-457200">
+              <a:buFont typeface="+mj-lt"/>
+              <a:buAutoNum type="arabicPeriod"/>
             </a:pPr>
             <a:r>
               <a:rPr lang="es-ES" sz="2400" dirty="0"/>
-              <a:t>Se ha aplicado varias veces, variando el valor de lambda para la regularización.</a:t>
-            </a:r>
-          </a:p>
-          <a:p>
-            <a:pPr marL="285750" indent="-285750">
-              <a:buFont typeface="Arial" panose="020B0604020202020204" pitchFamily="34" charset="0"/>
-              <a:buChar char="•"/>
+              <a:t>Variando el valor de lambda para la regularización.</a:t>
+            </a:r>
+          </a:p>
+          <a:p>
+            <a:pPr marL="914400" lvl="1" indent="-457200">
+              <a:buFont typeface="+mj-lt"/>
+              <a:buAutoNum type="arabicPeriod"/>
             </a:pPr>
-            <a:endParaRPr lang="es-ES" sz="2400" dirty="0"/>
-          </a:p>
-          <a:p>
-            <a:pPr marL="285750" indent="-285750">
-              <a:buFont typeface="Arial" panose="020B0604020202020204" pitchFamily="34" charset="0"/>
-              <a:buChar char="•"/>
+            <a:r>
+              <a:rPr lang="es-ES" sz="2400" dirty="0"/>
+              <a:t>Dividiendo los datos en training, cross-validation y test.</a:t>
+            </a:r>
+          </a:p>
+          <a:p>
+            <a:pPr marL="914400" lvl="1" indent="-457200">
+              <a:buFont typeface="+mj-lt"/>
+              <a:buAutoNum type="arabicPeriod"/>
             </a:pPr>
             <a:r>
               <a:rPr lang="es-ES" sz="2400" dirty="0"/>
-              <a:t>También se ha aplicado dividiendo los datos en training, cross-validation y test, </a:t>
-            </a:r>
-          </a:p>
-          <a:p>
-            <a:r>
-              <a:rPr lang="es-ES" sz="2400" dirty="0"/>
-              <a:t>     y sin dividir (100% de datos de training) para comprobar resultados.</a:t>
+              <a:t>Sin dividir (100% de datos de training).</a:t>
             </a:r>
           </a:p>
         </p:txBody>
@@ -4726,7 +5497,7 @@
         </p:blipFill>
         <p:spPr>
           <a:xfrm>
-            <a:off x="2335387" y="1399949"/>
+            <a:off x="2300663" y="1425307"/>
             <a:ext cx="6929768" cy="4060674"/>
           </a:xfrm>
           <a:prstGeom prst="rect">
@@ -4754,7 +5525,7 @@
         </p:blipFill>
         <p:spPr>
           <a:xfrm>
-            <a:off x="380644" y="1530575"/>
+            <a:off x="345920" y="1555933"/>
             <a:ext cx="5828305" cy="4391922"/>
           </a:xfrm>
           <a:prstGeom prst="rect">
@@ -4782,7 +5553,7 @@
         </p:blipFill>
         <p:spPr>
           <a:xfrm>
-            <a:off x="6391731" y="1530575"/>
+            <a:off x="6357007" y="1555933"/>
             <a:ext cx="5565807" cy="4391921"/>
           </a:xfrm>
           <a:prstGeom prst="rect">
@@ -4845,7 +5616,7 @@
         </p:blipFill>
         <p:spPr>
           <a:xfrm>
-            <a:off x="2888647" y="1605106"/>
+            <a:off x="2853923" y="1630464"/>
             <a:ext cx="5828305" cy="4246970"/>
           </a:xfrm>
           <a:prstGeom prst="rect">
@@ -4863,13 +5634,13 @@
   <p:clrMapOvr>
     <a:masterClrMapping/>
   </p:clrMapOvr>
-  <mc:AlternateContent xmlns:mc="http://schemas.openxmlformats.org/markup-compatibility/2006">
-    <mc:Choice xmlns:p14="http://schemas.microsoft.com/office/powerpoint/2010/main" Requires="p14">
+  <mc:AlternateContent xmlns:mc="http://schemas.openxmlformats.org/markup-compatibility/2006" xmlns:p14="http://schemas.microsoft.com/office/powerpoint/2010/main">
+    <mc:Choice Requires="p14">
       <p:transition spd="med" p14:dur="700">
         <p:fade/>
       </p:transition>
     </mc:Choice>
-    <mc:Fallback>
+    <mc:Fallback xmlns="">
       <p:transition spd="med">
         <p:fade/>
       </p:transition>
@@ -5481,7 +6252,7 @@
         <p:spPr>
           <a:xfrm>
             <a:off x="862511" y="1767840"/>
-            <a:ext cx="10803407" cy="1938992"/>
+            <a:ext cx="5069849" cy="3046988"/>
           </a:xfrm>
           <a:prstGeom prst="rect">
             <a:avLst/>
@@ -5494,40 +6265,55 @@
           </a:bodyPr>
           <a:lstStyle/>
           <a:p>
-            <a:pPr marL="285750" indent="-285750">
-              <a:buFont typeface="Arial" panose="020B0604020202020204" pitchFamily="34" charset="0"/>
-              <a:buChar char="•"/>
-            </a:pPr>
-            <a:r>
-              <a:rPr lang="es-ES" sz="2400" dirty="0"/>
-              <a:t>También se ha calculado el </a:t>
-            </a:r>
-            <a:r>
-              <a:rPr lang="es-ES" sz="2400" dirty="0" err="1"/>
-              <a:t>threshold</a:t>
-            </a:r>
-            <a:r>
-              <a:rPr lang="es-ES" sz="2400" dirty="0"/>
-              <a:t>, para comprobar el precision y el recall del </a:t>
-            </a:r>
-          </a:p>
-          <a:p>
-            <a:r>
-              <a:rPr lang="es-ES" sz="2400" dirty="0"/>
-              <a:t>     algoritmo. </a:t>
-            </a:r>
-          </a:p>
-          <a:p>
-            <a:endParaRPr lang="es-ES" sz="2400" dirty="0"/>
-          </a:p>
-          <a:p>
             <a:pPr marL="342900" indent="-342900">
               <a:buFont typeface="Arial" panose="020B0604020202020204" pitchFamily="34" charset="0"/>
               <a:buChar char="•"/>
             </a:pPr>
+            <a:endParaRPr lang="es-ES" sz="2400" dirty="0"/>
+          </a:p>
+          <a:p>
+            <a:pPr marL="342900" indent="-342900">
+              <a:buFont typeface="Arial" panose="020B0604020202020204" pitchFamily="34" charset="0"/>
+              <a:buChar char="•"/>
+            </a:pPr>
             <a:r>
               <a:rPr lang="es-ES" sz="2400" dirty="0"/>
-              <a:t>Se ha obtenido un </a:t>
+              <a:t>Acierto: 66.37%</a:t>
+            </a:r>
+          </a:p>
+          <a:p>
+            <a:pPr marL="342900" indent="-342900">
+              <a:buFont typeface="Arial" panose="020B0604020202020204" pitchFamily="34" charset="0"/>
+              <a:buChar char="•"/>
+            </a:pPr>
+            <a:endParaRPr lang="es-ES" sz="2400" dirty="0"/>
+          </a:p>
+          <a:p>
+            <a:pPr marL="342900" indent="-342900">
+              <a:buFont typeface="Arial" panose="020B0604020202020204" pitchFamily="34" charset="0"/>
+              <a:buChar char="•"/>
+            </a:pPr>
+            <a:r>
+              <a:rPr lang="es-ES" sz="2400" dirty="0"/>
+              <a:t>F</a:t>
+            </a:r>
+            <a:r>
+              <a:rPr lang="es-ES" sz="2400" baseline="-25000" dirty="0"/>
+              <a:t>1</a:t>
+            </a:r>
+            <a:r>
+              <a:rPr lang="es-ES" sz="2400" dirty="0"/>
+              <a:t>Score </a:t>
+            </a:r>
+            <a:r>
+              <a:rPr lang="es-ES" sz="2400" dirty="0">
+                <a:sym typeface="Wingdings" pitchFamily="2" charset="2"/>
+              </a:rPr>
+              <a:t></a:t>
+            </a:r>
+            <a:r>
+              <a:rPr lang="es-ES" sz="2400" dirty="0"/>
+              <a:t> </a:t>
             </a:r>
             <a:r>
               <a:rPr lang="es-ES" sz="2400" dirty="0" err="1"/>
@@ -5535,19 +6321,46 @@
             </a:r>
             <a:r>
               <a:rPr lang="es-ES" sz="2400" dirty="0"/>
-              <a:t> óptimo de 0.11, obteniendo un precision de </a:t>
+              <a:t> óptimo de 0.11</a:t>
+            </a:r>
+          </a:p>
+          <a:p>
+            <a:pPr marL="342900" indent="-342900">
+              <a:buFont typeface="Arial" panose="020B0604020202020204" pitchFamily="34" charset="0"/>
+              <a:buChar char="•"/>
+            </a:pPr>
+            <a:endParaRPr lang="es-ES" sz="2400" dirty="0"/>
+          </a:p>
+          <a:p>
+            <a:pPr marL="342900" indent="-342900">
+              <a:buFont typeface="Arial" panose="020B0604020202020204" pitchFamily="34" charset="0"/>
+              <a:buChar char="•"/>
+            </a:pPr>
+            <a:r>
+              <a:rPr lang="es-ES" sz="2400" dirty="0"/>
+              <a:t>Precisión: </a:t>
             </a:r>
             <a:r>
               <a:rPr lang="en-US" sz="2400" dirty="0"/>
-              <a:t>88.78% y</a:t>
-            </a:r>
-          </a:p>
-          <a:p>
+              <a:t>88.78%</a:t>
+            </a:r>
+          </a:p>
+          <a:p>
+            <a:pPr marL="342900" indent="-342900">
+              <a:buFont typeface="Arial" panose="020B0604020202020204" pitchFamily="34" charset="0"/>
+              <a:buChar char="•"/>
+            </a:pPr>
+            <a:endParaRPr lang="en-US" sz="2400" dirty="0"/>
+          </a:p>
+          <a:p>
+            <a:pPr marL="342900" indent="-342900">
+              <a:buFont typeface="Arial" panose="020B0604020202020204" pitchFamily="34" charset="0"/>
+              <a:buChar char="•"/>
+            </a:pPr>
             <a:r>
               <a:rPr lang="en-US" sz="2400" dirty="0"/>
-              <a:t>     un recall de 72.23%.</a:t>
-            </a:r>
-            <a:endParaRPr lang="es-ES" sz="2400" dirty="0"/>
+              <a:t>Recall: 72.23%</a:t>
+            </a:r>
           </a:p>
         </p:txBody>
       </p:sp>
@@ -5650,7 +6463,7 @@
         <p:spPr>
           <a:xfrm>
             <a:off x="862511" y="1767840"/>
-            <a:ext cx="11288731" cy="2677656"/>
+            <a:ext cx="7745838" cy="2308324"/>
           </a:xfrm>
           <a:prstGeom prst="rect">
             <a:avLst/>
@@ -5669,7 +6482,7 @@
             </a:pPr>
             <a:r>
               <a:rPr lang="es-ES" sz="2400" dirty="0"/>
-              <a:t>Segundo algoritmo empleado.</a:t>
+              <a:t>Red neuronal de 3 capas (1 capa oculta).</a:t>
             </a:r>
           </a:p>
           <a:p>
@@ -5686,34 +6499,38 @@
             </a:pPr>
             <a:r>
               <a:rPr lang="es-ES" sz="2400" dirty="0"/>
-              <a:t>Se ha aplicado varias veces, aplicando división a los datos de entrada y cambiando el</a:t>
-            </a:r>
-          </a:p>
-          <a:p>
+              <a:t>Se ha aplicado varias veces:</a:t>
+            </a:r>
+          </a:p>
+          <a:p>
+            <a:pPr marL="914400" lvl="1" indent="-457200">
+              <a:buFont typeface="+mj-lt"/>
+              <a:buAutoNum type="arabicPeriod"/>
+            </a:pPr>
             <a:r>
               <a:rPr lang="es-ES" sz="2400" dirty="0"/>
-              <a:t>    número de neuronas de la capa oculta.</a:t>
-            </a:r>
-          </a:p>
-          <a:p>
-            <a:endParaRPr lang="es-ES" sz="2400" dirty="0"/>
-          </a:p>
-          <a:p>
-            <a:pPr marL="342900" indent="-342900">
-              <a:buFont typeface="Arial" panose="020B0604020202020204" pitchFamily="34" charset="0"/>
-              <a:buChar char="•"/>
+              <a:t>Aplicando división a los datos de entrada</a:t>
+            </a:r>
+          </a:p>
+          <a:p>
+            <a:pPr marL="914400" lvl="1" indent="-457200">
+              <a:buFont typeface="+mj-lt"/>
+              <a:buAutoNum type="arabicPeriod"/>
             </a:pPr>
             <a:r>
               <a:rPr lang="es-ES" sz="2400" dirty="0"/>
-              <a:t>El numero de capas de la red neuronal empleada es de 3.</a:t>
-            </a:r>
-          </a:p>
-          <a:p>
-            <a:pPr marL="285750" indent="-285750">
-              <a:buFont typeface="Arial" panose="020B0604020202020204" pitchFamily="34" charset="0"/>
-              <a:buChar char="•"/>
+              <a:t>Cambiando el número de neuronas de la capa oculta.</a:t>
+            </a:r>
+          </a:p>
+          <a:p>
+            <a:pPr marL="914400" lvl="1" indent="-457200">
+              <a:buFont typeface="+mj-lt"/>
+              <a:buAutoNum type="arabicPeriod"/>
             </a:pPr>
-            <a:endParaRPr lang="es-ES" sz="2400" dirty="0"/>
+            <a:r>
+              <a:rPr lang="es-ES" sz="2400" dirty="0"/>
+              <a:t>Variando el valor de lambda.</a:t>
+            </a:r>
           </a:p>
         </p:txBody>
       </p:sp>
@@ -5736,7 +6553,7 @@
         </p:blipFill>
         <p:spPr bwMode="auto">
           <a:xfrm>
-            <a:off x="2370313" y="1399949"/>
+            <a:off x="2411071" y="1218351"/>
             <a:ext cx="6859915" cy="4455184"/>
           </a:xfrm>
           <a:prstGeom prst="rect">
@@ -5807,7 +6624,7 @@
         </p:blipFill>
         <p:spPr>
           <a:xfrm>
-            <a:off x="126863" y="1399949"/>
+            <a:off x="179867" y="1367355"/>
             <a:ext cx="5669817" cy="4455184"/>
           </a:xfrm>
           <a:prstGeom prst="rect">
@@ -5835,7 +6652,7 @@
         </p:blipFill>
         <p:spPr>
           <a:xfrm>
-            <a:off x="6005070" y="1399949"/>
+            <a:off x="6058074" y="1367355"/>
             <a:ext cx="6133926" cy="4455184"/>
           </a:xfrm>
           <a:prstGeom prst="rect">
@@ -5863,7 +6680,7 @@
         </p:blipFill>
         <p:spPr>
           <a:xfrm>
-            <a:off x="2688974" y="1432543"/>
+            <a:off x="2741978" y="1399949"/>
             <a:ext cx="6423802" cy="4632429"/>
           </a:xfrm>
           <a:prstGeom prst="rect">
@@ -5881,13 +6698,13 @@
   <p:clrMapOvr>
     <a:masterClrMapping/>
   </p:clrMapOvr>
-  <mc:AlternateContent xmlns:mc="http://schemas.openxmlformats.org/markup-compatibility/2006">
-    <mc:Choice xmlns:p14="http://schemas.microsoft.com/office/powerpoint/2010/main" Requires="p14">
+  <mc:AlternateContent xmlns:mc="http://schemas.openxmlformats.org/markup-compatibility/2006" xmlns:p14="http://schemas.microsoft.com/office/powerpoint/2010/main">
+    <mc:Choice Requires="p14">
       <p:transition spd="med" p14:dur="700">
         <p:fade/>
       </p:transition>
     </mc:Choice>
-    <mc:Fallback>
+    <mc:Fallback xmlns="">
       <p:transition spd="med">
         <p:fade/>
       </p:transition>
@@ -6683,7 +7500,7 @@
         <p:spPr>
           <a:xfrm>
             <a:off x="1228271" y="1973580"/>
-            <a:ext cx="8347528" cy="1938992"/>
+            <a:ext cx="8347528" cy="3046988"/>
           </a:xfrm>
           <a:prstGeom prst="rect">
             <a:avLst/>
@@ -6700,17 +7517,16 @@
               <a:buFont typeface="Arial" panose="020B0604020202020204" pitchFamily="34" charset="0"/>
               <a:buChar char="•"/>
             </a:pPr>
+            <a:endParaRPr lang="es-ES" sz="2400" dirty="0"/>
+          </a:p>
+          <a:p>
+            <a:pPr marL="285750" indent="-285750">
+              <a:buFont typeface="Arial" panose="020B0604020202020204" pitchFamily="34" charset="0"/>
+              <a:buChar char="•"/>
+            </a:pPr>
             <a:r>
               <a:rPr lang="es-ES" sz="2400" dirty="0"/>
-              <a:t>Se ha calculado también el </a:t>
-            </a:r>
-            <a:r>
-              <a:rPr lang="es-ES" sz="2400" dirty="0" err="1"/>
-              <a:t>threshold</a:t>
-            </a:r>
-            <a:r>
-              <a:rPr lang="es-ES" sz="2400" dirty="0"/>
-              <a:t> óptimo para la red neuronal con división de datos.</a:t>
+              <a:t>Acierto: 66.46%</a:t>
             </a:r>
           </a:p>
           <a:p>
@@ -6727,7 +7543,25 @@
             </a:pPr>
             <a:r>
               <a:rPr lang="es-ES" sz="2400" dirty="0"/>
-              <a:t>El </a:t>
+              <a:t>F</a:t>
+            </a:r>
+            <a:r>
+              <a:rPr lang="es-ES" sz="2400" baseline="-25000" dirty="0"/>
+              <a:t>1</a:t>
+            </a:r>
+            <a:r>
+              <a:rPr lang="es-ES" sz="2400" dirty="0"/>
+              <a:t>Score </a:t>
+            </a:r>
+            <a:r>
+              <a:rPr lang="es-ES" sz="2400" dirty="0">
+                <a:sym typeface="Wingdings" pitchFamily="2" charset="2"/>
+              </a:rPr>
+              <a:t></a:t>
+            </a:r>
+            <a:r>
+              <a:rPr lang="es-ES" sz="2400" dirty="0"/>
+              <a:t> </a:t>
             </a:r>
             <a:r>
               <a:rPr lang="es-ES" sz="2400" dirty="0" err="1"/>
@@ -6735,19 +7569,57 @@
             </a:r>
             <a:r>
               <a:rPr lang="es-ES" sz="2400" dirty="0"/>
-              <a:t> óptimo es 0.01, obteniendo un precision de </a:t>
+              <a:t> óptimo de 0.01</a:t>
+            </a:r>
+          </a:p>
+          <a:p>
+            <a:pPr marL="285750" indent="-285750">
+              <a:buFont typeface="Arial" panose="020B0604020202020204" pitchFamily="34" charset="0"/>
+              <a:buChar char="•"/>
+            </a:pPr>
+            <a:endParaRPr lang="es-ES" sz="2400" dirty="0"/>
+          </a:p>
+          <a:p>
+            <a:pPr marL="285750" indent="-285750">
+              <a:buFont typeface="Arial" panose="020B0604020202020204" pitchFamily="34" charset="0"/>
+              <a:buChar char="•"/>
+            </a:pPr>
+            <a:r>
+              <a:rPr lang="es-ES" sz="2400" dirty="0"/>
+              <a:t>Precisión: </a:t>
             </a:r>
             <a:r>
               <a:rPr lang="en-US" sz="2400" dirty="0"/>
-              <a:t>88.97% </a:t>
+              <a:t>88.97%</a:t>
+            </a:r>
+          </a:p>
+          <a:p>
+            <a:pPr marL="285750" indent="-285750">
+              <a:buFont typeface="Arial" panose="020B0604020202020204" pitchFamily="34" charset="0"/>
+              <a:buChar char="•"/>
+            </a:pPr>
+            <a:endParaRPr lang="en-US" sz="2400" dirty="0"/>
+          </a:p>
+          <a:p>
+            <a:pPr marL="285750" indent="-285750">
+              <a:buFont typeface="Arial" panose="020B0604020202020204" pitchFamily="34" charset="0"/>
+              <a:buChar char="•"/>
+            </a:pPr>
+            <a:r>
+              <a:rPr lang="en-US" sz="2400" dirty="0"/>
+              <a:t>R</a:t>
+            </a:r>
+            <a:r>
+              <a:rPr lang="es-ES" sz="2400" dirty="0" err="1"/>
+              <a:t>ecall</a:t>
             </a:r>
             <a:r>
               <a:rPr lang="es-ES" sz="2400" dirty="0"/>
-              <a:t>y un recall de </a:t>
+              <a:t>: </a:t>
             </a:r>
             <a:r>
               <a:rPr lang="en-US" sz="2400" dirty="0"/>
-              <a:t>73.60%.</a:t>
+              <a:t>73.60%</a:t>
             </a:r>
             <a:endParaRPr lang="es-ES" sz="2400" dirty="0"/>
           </a:p>
@@ -6888,7 +7760,7 @@
         <p:spPr>
           <a:xfrm>
             <a:off x="975052" y="2344829"/>
-            <a:ext cx="10879132" cy="2769989"/>
+            <a:ext cx="8394862" cy="3139321"/>
           </a:xfrm>
           <a:prstGeom prst="rect">
             <a:avLst/>
@@ -6905,44 +7777,61 @@
               <a:buFont typeface="Arial" panose="020B0604020202020204" pitchFamily="34" charset="0"/>
               <a:buChar char="•"/>
             </a:pPr>
-            <a:r>
-              <a:rPr lang="es-ES" sz="2400" dirty="0"/>
-              <a:t>Tercer algoritmo empleado.</a:t>
-            </a:r>
+            <a:endParaRPr lang="es-ES" sz="2400" dirty="0"/>
           </a:p>
           <a:p>
             <a:pPr marL="285750" indent="-285750">
               <a:buFont typeface="Arial" panose="020B0604020202020204" pitchFamily="34" charset="0"/>
               <a:buChar char="•"/>
             </a:pPr>
-            <a:endParaRPr lang="es-ES" sz="2400" dirty="0"/>
-          </a:p>
-          <a:p>
-            <a:pPr marL="285750" indent="-285750">
-              <a:buFont typeface="Arial" panose="020B0604020202020204" pitchFamily="34" charset="0"/>
-              <a:buChar char="•"/>
+            <a:r>
+              <a:rPr lang="es-ES" sz="2400" dirty="0"/>
+              <a:t>Hemos aplicado SVM varias veces:</a:t>
+            </a:r>
+          </a:p>
+          <a:p>
+            <a:pPr marL="914400" lvl="1" indent="-457200">
+              <a:buFont typeface="+mj-lt"/>
+              <a:buAutoNum type="arabicPeriod"/>
             </a:pPr>
             <a:r>
+              <a:rPr lang="es-ES" sz="2400" dirty="0" err="1"/>
+              <a:t>Kernel</a:t>
+            </a:r>
+            <a:r>
               <a:rPr lang="es-ES" sz="2400" dirty="0"/>
-              <a:t>Hemos aplicado SVM cambiando el </a:t>
-            </a:r>
+              <a:t> lineal</a:t>
+            </a:r>
+          </a:p>
+          <a:p>
+            <a:pPr marL="914400" lvl="1" indent="-457200">
+              <a:buFont typeface="+mj-lt"/>
+              <a:buAutoNum type="arabicPeriod"/>
+            </a:pPr>
             <a:r>
               <a:rPr lang="es-ES" sz="2400" dirty="0" err="1"/>
-              <a:t>kernel</a:t>
+              <a:t>Kernel</a:t>
             </a:r>
             <a:r>
               <a:rPr lang="es-ES" sz="2400" dirty="0"/>
-              <a:t> (lineal o gaussiano) sobre datos divididos</a:t>
-            </a:r>
-          </a:p>
-          <a:p>
+              <a:t> Gaussiano</a:t>
+            </a:r>
+          </a:p>
+          <a:p>
+            <a:pPr marL="914400" lvl="1" indent="-457200">
+              <a:buFont typeface="+mj-lt"/>
+              <a:buAutoNum type="arabicPeriod"/>
+            </a:pPr>
             <a:r>
               <a:rPr lang="es-ES" sz="2400" dirty="0"/>
-              <a:t>     anteriormente.</a:t>
-            </a:r>
-            <a:endParaRPr lang="es-ES" dirty="0"/>
-          </a:p>
-          <a:p>
+              <a:t>Buscando el mejor valor de C y sigma</a:t>
+            </a:r>
+          </a:p>
+          <a:p>
+            <a:pPr marL="914400" lvl="1" indent="-457200">
+              <a:buFont typeface="+mj-lt"/>
+              <a:buAutoNum type="arabicPeriod"/>
+            </a:pPr>
             <a:endParaRPr lang="en-US" dirty="0"/>
           </a:p>
           <a:p>
@@ -7034,13 +7923,13 @@
   <p:clrMapOvr>
     <a:masterClrMapping/>
   </p:clrMapOvr>
-  <mc:AlternateContent xmlns:mc="http://schemas.openxmlformats.org/markup-compatibility/2006">
-    <mc:Choice xmlns:p14="http://schemas.microsoft.com/office/powerpoint/2010/main" Requires="p14">
+  <mc:AlternateContent xmlns:mc="http://schemas.openxmlformats.org/markup-compatibility/2006" xmlns:p14="http://schemas.microsoft.com/office/powerpoint/2010/main">
+    <mc:Choice Requires="p14">
       <p:transition spd="med" p14:dur="700">
         <p:fade/>
       </p:transition>
     </mc:Choice>
-    <mc:Fallback>
+    <mc:Fallback xmlns="">
       <p:transition spd="med">
         <p:fade/>
       </p:transition>
@@ -7108,7 +7997,7 @@
         <p:spPr>
           <a:xfrm>
             <a:off x="890647" y="1979069"/>
-            <a:ext cx="10803407" cy="1938992"/>
+            <a:ext cx="5747599" cy="2677656"/>
           </a:xfrm>
           <a:prstGeom prst="rect">
             <a:avLst/>
@@ -7121,27 +8010,21 @@
           </a:bodyPr>
           <a:lstStyle/>
           <a:p>
-            <a:pPr marL="285750" indent="-285750">
-              <a:buFont typeface="Arial" panose="020B0604020202020204" pitchFamily="34" charset="0"/>
-              <a:buChar char="•"/>
-            </a:pPr>
             <a:r>
               <a:rPr lang="es-ES" sz="2400" dirty="0"/>
-              <a:t>También se ha calculado el </a:t>
-            </a:r>
-            <a:r>
-              <a:rPr lang="es-ES" sz="2400" dirty="0" err="1"/>
-              <a:t>threshold</a:t>
-            </a:r>
-            <a:r>
-              <a:rPr lang="es-ES" sz="2400" dirty="0"/>
-              <a:t>, para comprobar el precision y el recall del </a:t>
-            </a:r>
-          </a:p>
-          <a:p>
-            <a:r>
-              <a:rPr lang="es-ES" sz="2400" dirty="0"/>
-              <a:t>     algoritmo. </a:t>
+              <a:t>				     </a:t>
+            </a:r>
+            <a:r>
+              <a:rPr lang="es-ES" sz="1600" dirty="0"/>
+              <a:t>(</a:t>
+            </a:r>
+            <a:r>
+              <a:rPr lang="es-ES" sz="1600" dirty="0" err="1"/>
+              <a:t>Kernel</a:t>
+            </a:r>
+            <a:r>
+              <a:rPr lang="es-ES" sz="1600" dirty="0"/>
+              <a:t> gaussiano)</a:t>
             </a:r>
           </a:p>
           <a:p>
@@ -7154,25 +8037,45 @@
             </a:pPr>
             <a:r>
               <a:rPr lang="es-ES" sz="2400" dirty="0"/>
-              <a:t>Se ha obtenido un </a:t>
-            </a:r>
-            <a:r>
-              <a:rPr lang="es-ES" sz="2400" dirty="0" err="1"/>
-              <a:t>threshold</a:t>
-            </a:r>
+              <a:t>Acierto: 90.71%</a:t>
+            </a:r>
+          </a:p>
+          <a:p>
+            <a:pPr marL="342900" indent="-342900">
+              <a:buFont typeface="Arial" panose="020B0604020202020204" pitchFamily="34" charset="0"/>
+              <a:buChar char="•"/>
+            </a:pPr>
+            <a:endParaRPr lang="es-ES" sz="2400" dirty="0"/>
+          </a:p>
+          <a:p>
+            <a:pPr marL="342900" indent="-342900">
+              <a:buFont typeface="Arial" panose="020B0604020202020204" pitchFamily="34" charset="0"/>
+              <a:buChar char="•"/>
+            </a:pPr>
             <a:r>
               <a:rPr lang="es-ES" sz="2400" dirty="0"/>
-              <a:t> óptimo de 0.01, obteniendo un precision de </a:t>
+              <a:t>Precisión: </a:t>
             </a:r>
             <a:r>
               <a:rPr lang="en-US" sz="2400" dirty="0"/>
-              <a:t>91.55% y</a:t>
-            </a:r>
-          </a:p>
-          <a:p>
+              <a:t>91.55%</a:t>
+            </a:r>
+          </a:p>
+          <a:p>
+            <a:pPr marL="342900" indent="-342900">
+              <a:buFont typeface="Arial" panose="020B0604020202020204" pitchFamily="34" charset="0"/>
+              <a:buChar char="•"/>
+            </a:pPr>
+            <a:endParaRPr lang="en-US" sz="2400" dirty="0"/>
+          </a:p>
+          <a:p>
+            <a:pPr marL="342900" indent="-342900">
+              <a:buFont typeface="Arial" panose="020B0604020202020204" pitchFamily="34" charset="0"/>
+              <a:buChar char="•"/>
+            </a:pPr>
             <a:r>
               <a:rPr lang="en-US" sz="2400" dirty="0"/>
-              <a:t>     un recall de 98.82%.</a:t>
+              <a:t>Recall: 98.82%</a:t>
             </a:r>
           </a:p>
         </p:txBody>
@@ -7482,4 +8385,299 @@
     </a:ext>
   </a:extLst>
 </a:theme>
+</file>
+
+<file path=ppt/theme/theme2.xml><?xml version="1.0" encoding="utf-8"?>
+<a:theme xmlns:a="http://schemas.openxmlformats.org/drawingml/2006/main" name="Office Theme">
+  <a:themeElements>
+    <a:clrScheme name="Office">
+      <a:dk1>
+        <a:sysClr val="windowText" lastClr="000000"/>
+      </a:dk1>
+      <a:lt1>
+        <a:sysClr val="window" lastClr="FFFFFF"/>
+      </a:lt1>
+      <a:dk2>
+        <a:srgbClr val="44546A"/>
+      </a:dk2>
+      <a:lt2>
+        <a:srgbClr val="E7E6E6"/>
+      </a:lt2>
+      <a:accent1>
+        <a:srgbClr val="4472C4"/>
+      </a:accent1>
+      <a:accent2>
+        <a:srgbClr val="ED7D31"/>
+      </a:accent2>
+      <a:accent3>
+        <a:srgbClr val="A5A5A5"/>
+      </a:accent3>
+      <a:accent4>
+        <a:srgbClr val="FFC000"/>
+      </a:accent4>
+      <a:accent5>
+        <a:srgbClr val="5B9BD5"/>
+      </a:accent5>
+      <a:accent6>
+        <a:srgbClr val="70AD47"/>
+      </a:accent6>
+      <a:hlink>
+        <a:srgbClr val="0563C1"/>
+      </a:hlink>
+      <a:folHlink>
+        <a:srgbClr val="954F72"/>
+      </a:folHlink>
+    </a:clrScheme>
+    <a:fontScheme name="Office">
+      <a:majorFont>
+        <a:latin typeface="Calibri Light" panose="020F0302020204030204"/>
+        <a:ea typeface=""/>
+        <a:cs typeface=""/>
+        <a:font script="Jpan" typeface="游ゴシック Light"/>
+        <a:font script="Hang" typeface="맑은 고딕"/>
+        <a:font script="Hans" typeface="等线 Light"/>
+        <a:font script="Hant" typeface="新細明體"/>
+        <a:font script="Arab" typeface="Times New Roman"/>
+        <a:font script="Hebr" typeface="Times New Roman"/>
+        <a:font script="Thai" typeface="Angsana New"/>
+        <a:font script="Ethi" typeface="Nyala"/>
+        <a:font script="Beng" typeface="Vrinda"/>
+        <a:font script="Gujr" typeface="Shruti"/>
+        <a:font script="Khmr" typeface="MoolBoran"/>
+        <a:font script="Knda" typeface="Tunga"/>
+        <a:font script="Guru" typeface="Raavi"/>
+        <a:font script="Cans" typeface="Euphemia"/>
+        <a:font script="Cher" typeface="Plantagenet Cherokee"/>
+        <a:font script="Yiii" typeface="Microsoft Yi Baiti"/>
+        <a:font script="Tibt" typeface="Microsoft Himalaya"/>
+        <a:font script="Thaa" typeface="MV Boli"/>
+        <a:font script="Deva" typeface="Mangal"/>
+        <a:font script="Telu" typeface="Gautami"/>
+        <a:font script="Taml" typeface="Latha"/>
+        <a:font script="Syrc" typeface="Estrangelo Edessa"/>
+        <a:font script="Orya" typeface="Kalinga"/>
+        <a:font script="Mlym" typeface="Kartika"/>
+        <a:font script="Laoo" typeface="DokChampa"/>
+        <a:font script="Sinh" typeface="Iskoola Pota"/>
+        <a:font script="Mong" typeface="Mongolian Baiti"/>
+        <a:font script="Viet" typeface="Times New Roman"/>
+        <a:font script="Uigh" typeface="Microsoft Uighur"/>
+        <a:font script="Geor" typeface="Sylfaen"/>
+        <a:font script="Armn" typeface="Arial"/>
+        <a:font script="Bugi" typeface="Leelawadee UI"/>
+        <a:font script="Bopo" typeface="Microsoft JhengHei"/>
+        <a:font script="Java" typeface="Javanese Text"/>
+        <a:font script="Lisu" typeface="Segoe UI"/>
+        <a:font script="Mymr" typeface="Myanmar Text"/>
+        <a:font script="Nkoo" typeface="Ebrima"/>
+        <a:font script="Olck" typeface="Nirmala UI"/>
+        <a:font script="Osma" typeface="Ebrima"/>
+        <a:font script="Phag" typeface="Phagspa"/>
+        <a:font script="Syrn" typeface="Estrangelo Edessa"/>
+        <a:font script="Syrj" typeface="Estrangelo Edessa"/>
+        <a:font script="Syre" typeface="Estrangelo Edessa"/>
+        <a:font script="Sora" typeface="Nirmala UI"/>
+        <a:font script="Tale" typeface="Microsoft Tai Le"/>
+        <a:font script="Talu" typeface="Microsoft New Tai Lue"/>
+        <a:font script="Tfng" typeface="Ebrima"/>
+      </a:majorFont>
+      <a:minorFont>
+        <a:latin typeface="Calibri" panose="020F0502020204030204"/>
+        <a:ea typeface=""/>
+        <a:cs typeface=""/>
+        <a:font script="Jpan" typeface="游ゴシック"/>
+        <a:font script="Hang" typeface="맑은 고딕"/>
+        <a:font script="Hans" typeface="等线"/>
+        <a:font script="Hant" typeface="新細明體"/>
+        <a:font script="Arab" typeface="Arial"/>
+        <a:font script="Hebr" typeface="Arial"/>
+        <a:font script="Thai" typeface="Cordia New"/>
+        <a:font script="Ethi" typeface="Nyala"/>
+        <a:font script="Beng" typeface="Vrinda"/>
+        <a:font script="Gujr" typeface="Shruti"/>
+        <a:font script="Khmr" typeface="DaunPenh"/>
+        <a:font script="Knda" typeface="Tunga"/>
+        <a:font script="Guru" typeface="Raavi"/>
+        <a:font script="Cans" typeface="Euphemia"/>
+        <a:font script="Cher" typeface="Plantagenet Cherokee"/>
+        <a:font script="Yiii" typeface="Microsoft Yi Baiti"/>
+        <a:font script="Tibt" typeface="Microsoft Himalaya"/>
+        <a:font script="Thaa" typeface="MV Boli"/>
+        <a:font script="Deva" typeface="Mangal"/>
+        <a:font script="Telu" typeface="Gautami"/>
+        <a:font script="Taml" typeface="Latha"/>
+        <a:font script="Syrc" typeface="Estrangelo Edessa"/>
+        <a:font script="Orya" typeface="Kalinga"/>
+        <a:font script="Mlym" typeface="Kartika"/>
+        <a:font script="Laoo" typeface="DokChampa"/>
+        <a:font script="Sinh" typeface="Iskoola Pota"/>
+        <a:font script="Mong" typeface="Mongolian Baiti"/>
+        <a:font script="Viet" typeface="Arial"/>
+        <a:font script="Uigh" typeface="Microsoft Uighur"/>
+        <a:font script="Geor" typeface="Sylfaen"/>
+        <a:font script="Armn" typeface="Arial"/>
+        <a:font script="Bugi" typeface="Leelawadee UI"/>
+        <a:font script="Bopo" typeface="Microsoft JhengHei"/>
+        <a:font script="Java" typeface="Javanese Text"/>
+        <a:font script="Lisu" typeface="Segoe UI"/>
+        <a:font script="Mymr" typeface="Myanmar Text"/>
+        <a:font script="Nkoo" typeface="Ebrima"/>
+        <a:font script="Olck" typeface="Nirmala UI"/>
+        <a:font script="Osma" typeface="Ebrima"/>
+        <a:font script="Phag" typeface="Phagspa"/>
+        <a:font script="Syrn" typeface="Estrangelo Edessa"/>
+        <a:font script="Syrj" typeface="Estrangelo Edessa"/>
+        <a:font script="Syre" typeface="Estrangelo Edessa"/>
+        <a:font script="Sora" typeface="Nirmala UI"/>
+        <a:font script="Tale" typeface="Microsoft Tai Le"/>
+        <a:font script="Talu" typeface="Microsoft New Tai Lue"/>
+        <a:font script="Tfng" typeface="Ebrima"/>
+      </a:minorFont>
+    </a:fontScheme>
+    <a:fmtScheme name="Office">
+      <a:fillStyleLst>
+        <a:solidFill>
+          <a:schemeClr val="phClr"/>
+        </a:solidFill>
+        <a:gradFill rotWithShape="1">
+          <a:gsLst>
+            <a:gs pos="0">
+              <a:schemeClr val="phClr">
+                <a:lumMod val="110000"/>
+                <a:satMod val="105000"/>
+                <a:tint val="67000"/>
+              </a:schemeClr>
+            </a:gs>
+            <a:gs pos="50000">
+              <a:schemeClr val="phClr">
+                <a:lumMod val="105000"/>
+                <a:satMod val="103000"/>
+                <a:tint val="73000"/>
+              </a:schemeClr>
+            </a:gs>
+            <a:gs pos="100000">
+              <a:schemeClr val="phClr">
+                <a:lumMod val="105000"/>
+                <a:satMod val="109000"/>
+                <a:tint val="81000"/>
+              </a:schemeClr>
+            </a:gs>
+          </a:gsLst>
+          <a:lin ang="5400000" scaled="0"/>
+        </a:gradFill>
+        <a:gradFill rotWithShape="1">
+          <a:gsLst>
+            <a:gs pos="0">
+              <a:schemeClr val="phClr">
+                <a:satMod val="103000"/>
+                <a:lumMod val="102000"/>
+                <a:tint val="94000"/>
+              </a:schemeClr>
+            </a:gs>
+            <a:gs pos="50000">
+              <a:schemeClr val="phClr">
+                <a:satMod val="110000"/>
+                <a:lumMod val="100000"/>
+                <a:shade val="100000"/>
+              </a:schemeClr>
+            </a:gs>
+            <a:gs pos="100000">
+              <a:schemeClr val="phClr">
+                <a:lumMod val="99000"/>
+                <a:satMod val="120000"/>
+                <a:shade val="78000"/>
+              </a:schemeClr>
+            </a:gs>
+          </a:gsLst>
+          <a:lin ang="5400000" scaled="0"/>
+        </a:gradFill>
+      </a:fillStyleLst>
+      <a:lnStyleLst>
+        <a:ln w="6350" cap="flat" cmpd="sng" algn="ctr">
+          <a:solidFill>
+            <a:schemeClr val="phClr"/>
+          </a:solidFill>
+          <a:prstDash val="solid"/>
+          <a:miter lim="800000"/>
+        </a:ln>
+        <a:ln w="12700" cap="flat" cmpd="sng" algn="ctr">
+          <a:solidFill>
+            <a:schemeClr val="phClr"/>
+          </a:solidFill>
+          <a:prstDash val="solid"/>
+          <a:miter lim="800000"/>
+        </a:ln>
+        <a:ln w="19050" cap="flat" cmpd="sng" algn="ctr">
+          <a:solidFill>
+            <a:schemeClr val="phClr"/>
+          </a:solidFill>
+          <a:prstDash val="solid"/>
+          <a:miter lim="800000"/>
+        </a:ln>
+      </a:lnStyleLst>
+      <a:effectStyleLst>
+        <a:effectStyle>
+          <a:effectLst/>
+        </a:effectStyle>
+        <a:effectStyle>
+          <a:effectLst/>
+        </a:effectStyle>
+        <a:effectStyle>
+          <a:effectLst>
+            <a:outerShdw blurRad="57150" dist="19050" dir="5400000" algn="ctr" rotWithShape="0">
+              <a:srgbClr val="000000">
+                <a:alpha val="63000"/>
+              </a:srgbClr>
+            </a:outerShdw>
+          </a:effectLst>
+        </a:effectStyle>
+      </a:effectStyleLst>
+      <a:bgFillStyleLst>
+        <a:solidFill>
+          <a:schemeClr val="phClr"/>
+        </a:solidFill>
+        <a:solidFill>
+          <a:schemeClr val="phClr">
+            <a:tint val="95000"/>
+            <a:satMod val="170000"/>
+          </a:schemeClr>
+        </a:solidFill>
+        <a:gradFill rotWithShape="1">
+          <a:gsLst>
+            <a:gs pos="0">
+              <a:schemeClr val="phClr">
+                <a:tint val="93000"/>
+                <a:satMod val="150000"/>
+                <a:shade val="98000"/>
+                <a:lumMod val="102000"/>
+              </a:schemeClr>
+            </a:gs>
+            <a:gs pos="50000">
+              <a:schemeClr val="phClr">
+                <a:tint val="98000"/>
+                <a:satMod val="130000"/>
+                <a:shade val="90000"/>
+                <a:lumMod val="103000"/>
+              </a:schemeClr>
+            </a:gs>
+            <a:gs pos="100000">
+              <a:schemeClr val="phClr">
+                <a:shade val="63000"/>
+                <a:satMod val="120000"/>
+              </a:schemeClr>
+            </a:gs>
+          </a:gsLst>
+          <a:lin ang="5400000" scaled="0"/>
+        </a:gradFill>
+      </a:bgFillStyleLst>
+    </a:fmtScheme>
+  </a:themeElements>
+  <a:objectDefaults/>
+  <a:extraClrSchemeLst/>
+  <a:extLst>
+    <a:ext uri="{05A4C25C-085E-4340-85A3-A5531E510DB2}">
+      <thm15:themeFamily xmlns:thm15="http://schemas.microsoft.com/office/thememl/2012/main" name="Office Theme" id="{62F939B6-93AF-4DB8-9C6B-D6C7DFDC589F}" vid="{4A3C46E8-61CC-4603-A589-7422A47A8E4A}"/>
+    </a:ext>
+  </a:extLst>
+</a:theme>
 </file>
--- a/proyecto/Presentacion.pptx
+++ b/proyecto/Presentacion.pptx
@@ -207,7 +207,7 @@
           <a:p>
             <a:fld id="{59711E18-C8D1-D54D-BF23-7A19B7B27701}" type="datetimeFigureOut">
               <a:rPr lang="es-ES" smtClean="0"/>
-              <a:t>22/5/18</a:t>
+              <a:t>23/05/2018</a:t>
             </a:fld>
             <a:endParaRPr lang="es-ES"/>
           </a:p>
@@ -366,7 +366,7 @@
           <a:p>
             <a:fld id="{85AEA1C9-A37E-6A42-A7D5-B0BE10048D9E}" type="slidenum">
               <a:rPr lang="es-ES" smtClean="0"/>
-              <a:t>‹#›</a:t>
+              <a:t>‹Nº›</a:t>
             </a:fld>
             <a:endParaRPr lang="es-ES"/>
           </a:p>
@@ -856,7 +856,7 @@
           <a:p>
             <a:fld id="{988E1DA1-28EA-4AFF-A97B-7ACD3871F303}" type="datetimeFigureOut">
               <a:rPr lang="es-ES" smtClean="0"/>
-              <a:t>22/5/18</a:t>
+              <a:t>23/05/2018</a:t>
             </a:fld>
             <a:endParaRPr lang="es-ES"/>
           </a:p>
@@ -898,7 +898,7 @@
           <a:p>
             <a:fld id="{CC17E0E7-B38D-43FE-9588-FE025F34FB51}" type="slidenum">
               <a:rPr lang="es-ES" smtClean="0"/>
-              <a:t>‹#›</a:t>
+              <a:t>‹Nº›</a:t>
             </a:fld>
             <a:endParaRPr lang="es-ES"/>
           </a:p>
@@ -1024,7 +1024,7 @@
           <a:p>
             <a:fld id="{988E1DA1-28EA-4AFF-A97B-7ACD3871F303}" type="datetimeFigureOut">
               <a:rPr lang="es-ES" smtClean="0"/>
-              <a:t>22/5/18</a:t>
+              <a:t>23/05/2018</a:t>
             </a:fld>
             <a:endParaRPr lang="es-ES"/>
           </a:p>
@@ -1066,7 +1066,7 @@
           <a:p>
             <a:fld id="{CC17E0E7-B38D-43FE-9588-FE025F34FB51}" type="slidenum">
               <a:rPr lang="es-ES" smtClean="0"/>
-              <a:t>‹#›</a:t>
+              <a:t>‹Nº›</a:t>
             </a:fld>
             <a:endParaRPr lang="es-ES"/>
           </a:p>
@@ -1202,7 +1202,7 @@
           <a:p>
             <a:fld id="{988E1DA1-28EA-4AFF-A97B-7ACD3871F303}" type="datetimeFigureOut">
               <a:rPr lang="es-ES" smtClean="0"/>
-              <a:t>22/5/18</a:t>
+              <a:t>23/05/2018</a:t>
             </a:fld>
             <a:endParaRPr lang="es-ES"/>
           </a:p>
@@ -1244,7 +1244,7 @@
           <a:p>
             <a:fld id="{CC17E0E7-B38D-43FE-9588-FE025F34FB51}" type="slidenum">
               <a:rPr lang="es-ES" smtClean="0"/>
-              <a:t>‹#›</a:t>
+              <a:t>‹Nº›</a:t>
             </a:fld>
             <a:endParaRPr lang="es-ES"/>
           </a:p>
@@ -1370,7 +1370,7 @@
           <a:p>
             <a:fld id="{988E1DA1-28EA-4AFF-A97B-7ACD3871F303}" type="datetimeFigureOut">
               <a:rPr lang="es-ES" smtClean="0"/>
-              <a:t>22/5/18</a:t>
+              <a:t>23/05/2018</a:t>
             </a:fld>
             <a:endParaRPr lang="es-ES"/>
           </a:p>
@@ -1412,7 +1412,7 @@
           <a:p>
             <a:fld id="{CC17E0E7-B38D-43FE-9588-FE025F34FB51}" type="slidenum">
               <a:rPr lang="es-ES" smtClean="0"/>
-              <a:t>‹#›</a:t>
+              <a:t>‹Nº›</a:t>
             </a:fld>
             <a:endParaRPr lang="es-ES"/>
           </a:p>
@@ -1615,7 +1615,7 @@
           <a:p>
             <a:fld id="{988E1DA1-28EA-4AFF-A97B-7ACD3871F303}" type="datetimeFigureOut">
               <a:rPr lang="es-ES" smtClean="0"/>
-              <a:t>22/5/18</a:t>
+              <a:t>23/05/2018</a:t>
             </a:fld>
             <a:endParaRPr lang="es-ES"/>
           </a:p>
@@ -1657,7 +1657,7 @@
           <a:p>
             <a:fld id="{CC17E0E7-B38D-43FE-9588-FE025F34FB51}" type="slidenum">
               <a:rPr lang="es-ES" smtClean="0"/>
-              <a:t>‹#›</a:t>
+              <a:t>‹Nº›</a:t>
             </a:fld>
             <a:endParaRPr lang="es-ES"/>
           </a:p>
@@ -1844,7 +1844,7 @@
           <a:p>
             <a:fld id="{988E1DA1-28EA-4AFF-A97B-7ACD3871F303}" type="datetimeFigureOut">
               <a:rPr lang="es-ES" smtClean="0"/>
-              <a:t>22/5/18</a:t>
+              <a:t>23/05/2018</a:t>
             </a:fld>
             <a:endParaRPr lang="es-ES"/>
           </a:p>
@@ -1886,7 +1886,7 @@
           <a:p>
             <a:fld id="{CC17E0E7-B38D-43FE-9588-FE025F34FB51}" type="slidenum">
               <a:rPr lang="es-ES" smtClean="0"/>
-              <a:t>‹#›</a:t>
+              <a:t>‹Nº›</a:t>
             </a:fld>
             <a:endParaRPr lang="es-ES"/>
           </a:p>
@@ -2208,7 +2208,7 @@
           <a:p>
             <a:fld id="{988E1DA1-28EA-4AFF-A97B-7ACD3871F303}" type="datetimeFigureOut">
               <a:rPr lang="es-ES" smtClean="0"/>
-              <a:t>22/5/18</a:t>
+              <a:t>23/05/2018</a:t>
             </a:fld>
             <a:endParaRPr lang="es-ES"/>
           </a:p>
@@ -2250,7 +2250,7 @@
           <a:p>
             <a:fld id="{CC17E0E7-B38D-43FE-9588-FE025F34FB51}" type="slidenum">
               <a:rPr lang="es-ES" smtClean="0"/>
-              <a:t>‹#›</a:t>
+              <a:t>‹Nº›</a:t>
             </a:fld>
             <a:endParaRPr lang="es-ES"/>
           </a:p>
@@ -2325,7 +2325,7 @@
           <a:p>
             <a:fld id="{988E1DA1-28EA-4AFF-A97B-7ACD3871F303}" type="datetimeFigureOut">
               <a:rPr lang="es-ES" smtClean="0"/>
-              <a:t>22/5/18</a:t>
+              <a:t>23/05/2018</a:t>
             </a:fld>
             <a:endParaRPr lang="es-ES"/>
           </a:p>
@@ -2367,7 +2367,7 @@
           <a:p>
             <a:fld id="{CC17E0E7-B38D-43FE-9588-FE025F34FB51}" type="slidenum">
               <a:rPr lang="es-ES" smtClean="0"/>
-              <a:t>‹#›</a:t>
+              <a:t>‹Nº›</a:t>
             </a:fld>
             <a:endParaRPr lang="es-ES"/>
           </a:p>
@@ -2420,7 +2420,7 @@
           <a:p>
             <a:fld id="{988E1DA1-28EA-4AFF-A97B-7ACD3871F303}" type="datetimeFigureOut">
               <a:rPr lang="es-ES" smtClean="0"/>
-              <a:t>22/5/18</a:t>
+              <a:t>23/05/2018</a:t>
             </a:fld>
             <a:endParaRPr lang="es-ES"/>
           </a:p>
@@ -2462,7 +2462,7 @@
           <a:p>
             <a:fld id="{CC17E0E7-B38D-43FE-9588-FE025F34FB51}" type="slidenum">
               <a:rPr lang="es-ES" smtClean="0"/>
-              <a:t>‹#›</a:t>
+              <a:t>‹Nº›</a:t>
             </a:fld>
             <a:endParaRPr lang="es-ES"/>
           </a:p>
@@ -2695,7 +2695,7 @@
           <a:p>
             <a:fld id="{988E1DA1-28EA-4AFF-A97B-7ACD3871F303}" type="datetimeFigureOut">
               <a:rPr lang="es-ES" smtClean="0"/>
-              <a:t>22/5/18</a:t>
+              <a:t>23/05/2018</a:t>
             </a:fld>
             <a:endParaRPr lang="es-ES"/>
           </a:p>
@@ -2737,7 +2737,7 @@
           <a:p>
             <a:fld id="{CC17E0E7-B38D-43FE-9588-FE025F34FB51}" type="slidenum">
               <a:rPr lang="es-ES" smtClean="0"/>
-              <a:t>‹#›</a:t>
+              <a:t>‹Nº›</a:t>
             </a:fld>
             <a:endParaRPr lang="es-ES"/>
           </a:p>
@@ -2947,7 +2947,7 @@
           <a:p>
             <a:fld id="{988E1DA1-28EA-4AFF-A97B-7ACD3871F303}" type="datetimeFigureOut">
               <a:rPr lang="es-ES" smtClean="0"/>
-              <a:t>22/5/18</a:t>
+              <a:t>23/05/2018</a:t>
             </a:fld>
             <a:endParaRPr lang="es-ES"/>
           </a:p>
@@ -2989,7 +2989,7 @@
           <a:p>
             <a:fld id="{CC17E0E7-B38D-43FE-9588-FE025F34FB51}" type="slidenum">
               <a:rPr lang="es-ES" smtClean="0"/>
-              <a:t>‹#›</a:t>
+              <a:t>‹Nº›</a:t>
             </a:fld>
             <a:endParaRPr lang="es-ES"/>
           </a:p>
@@ -3158,7 +3158,7 @@
           <a:p>
             <a:fld id="{988E1DA1-28EA-4AFF-A97B-7ACD3871F303}" type="datetimeFigureOut">
               <a:rPr lang="es-ES" smtClean="0"/>
-              <a:t>22/5/18</a:t>
+              <a:t>23/05/2018</a:t>
             </a:fld>
             <a:endParaRPr lang="es-ES"/>
           </a:p>
@@ -3236,7 +3236,7 @@
           <a:p>
             <a:fld id="{CC17E0E7-B38D-43FE-9588-FE025F34FB51}" type="slidenum">
               <a:rPr lang="es-ES" smtClean="0"/>
-              <a:t>‹#›</a:t>
+              <a:t>‹Nº›</a:t>
             </a:fld>
             <a:endParaRPr lang="es-ES"/>
           </a:p>
@@ -5497,7 +5497,7 @@
         </p:blipFill>
         <p:spPr>
           <a:xfrm>
-            <a:off x="2300663" y="1425307"/>
+            <a:off x="2651202" y="1823864"/>
             <a:ext cx="6929768" cy="4060674"/>
           </a:xfrm>
           <a:prstGeom prst="rect">
@@ -5525,7 +5525,7 @@
         </p:blipFill>
         <p:spPr>
           <a:xfrm>
-            <a:off x="345920" y="1555933"/>
+            <a:off x="73992" y="1746875"/>
             <a:ext cx="5828305" cy="4391922"/>
           </a:xfrm>
           <a:prstGeom prst="rect">
@@ -5553,7 +5553,7 @@
         </p:blipFill>
         <p:spPr>
           <a:xfrm>
-            <a:off x="6357007" y="1555933"/>
+            <a:off x="6424833" y="1746876"/>
             <a:ext cx="5565807" cy="4391921"/>
           </a:xfrm>
           <a:prstGeom prst="rect">
@@ -5616,7 +5616,7 @@
         </p:blipFill>
         <p:spPr>
           <a:xfrm>
-            <a:off x="2853923" y="1630464"/>
+            <a:off x="3006197" y="1823864"/>
             <a:ext cx="5828305" cy="4246970"/>
           </a:xfrm>
           <a:prstGeom prst="rect">
@@ -5667,139 +5667,16 @@
                             </p:stCondLst>
                             <p:childTnLst>
                               <p:par>
-                                <p:cTn id="5" presetID="10" presetClass="exit" presetSubtype="0" fill="hold" grpId="0" nodeType="clickEffect">
-                                  <p:stCondLst>
-                                    <p:cond delay="0"/>
-                                  </p:stCondLst>
-                                  <p:childTnLst>
-                                    <p:animEffect transition="out" filter="fade">
-                                      <p:cBhvr>
-                                        <p:cTn id="6" dur="500"/>
-                                        <p:tgtEl>
-                                          <p:spTgt spid="4"/>
-                                        </p:tgtEl>
-                                      </p:cBhvr>
-                                    </p:animEffect>
-                                    <p:set>
-                                      <p:cBhvr>
-                                        <p:cTn id="7" dur="1" fill="hold">
-                                          <p:stCondLst>
-                                            <p:cond delay="499"/>
-                                          </p:stCondLst>
-                                        </p:cTn>
-                                        <p:tgtEl>
-                                          <p:spTgt spid="4"/>
-                                        </p:tgtEl>
-                                        <p:attrNameLst>
-                                          <p:attrName>style.visibility</p:attrName>
-                                        </p:attrNameLst>
-                                      </p:cBhvr>
-                                      <p:to>
-                                        <p:strVal val="hidden"/>
-                                      </p:to>
-                                    </p:set>
-                                  </p:childTnLst>
-                                </p:cTn>
-                              </p:par>
-                              <p:par>
-                                <p:cTn id="8" presetID="10" presetClass="entr" presetSubtype="0" fill="hold" nodeType="withEffect">
-                                  <p:stCondLst>
-                                    <p:cond delay="0"/>
-                                  </p:stCondLst>
-                                  <p:childTnLst>
-                                    <p:set>
-                                      <p:cBhvr>
-                                        <p:cTn id="9" dur="1" fill="hold">
-                                          <p:stCondLst>
-                                            <p:cond delay="0"/>
-                                          </p:stCondLst>
-                                        </p:cTn>
-                                        <p:tgtEl>
-                                          <p:spTgt spid="6"/>
-                                        </p:tgtEl>
-                                        <p:attrNameLst>
-                                          <p:attrName>style.visibility</p:attrName>
-                                        </p:attrNameLst>
-                                      </p:cBhvr>
-                                      <p:to>
-                                        <p:strVal val="visible"/>
-                                      </p:to>
-                                    </p:set>
-                                    <p:animEffect transition="in" filter="fade">
-                                      <p:cBhvr>
-                                        <p:cTn id="10" dur="500"/>
-                                        <p:tgtEl>
-                                          <p:spTgt spid="6"/>
-                                        </p:tgtEl>
-                                      </p:cBhvr>
-                                    </p:animEffect>
-                                  </p:childTnLst>
-                                </p:cTn>
-                              </p:par>
-                              <p:par>
-                                <p:cTn id="11" presetID="6" presetClass="entr" presetSubtype="16" fill="hold" grpId="0" nodeType="withEffect">
-                                  <p:stCondLst>
-                                    <p:cond delay="0"/>
-                                  </p:stCondLst>
-                                  <p:childTnLst>
-                                    <p:set>
-                                      <p:cBhvr>
-                                        <p:cTn id="12" dur="1" fill="hold">
-                                          <p:stCondLst>
-                                            <p:cond delay="0"/>
-                                          </p:stCondLst>
-                                        </p:cTn>
-                                        <p:tgtEl>
-                                          <p:spTgt spid="3"/>
-                                        </p:tgtEl>
-                                        <p:attrNameLst>
-                                          <p:attrName>style.visibility</p:attrName>
-                                        </p:attrNameLst>
-                                      </p:cBhvr>
-                                      <p:to>
-                                        <p:strVal val="visible"/>
-                                      </p:to>
-                                    </p:set>
-                                    <p:animEffect transition="in" filter="circle(in)">
-                                      <p:cBhvr>
-                                        <p:cTn id="13" dur="2000"/>
-                                        <p:tgtEl>
-                                          <p:spTgt spid="3"/>
-                                        </p:tgtEl>
-                                      </p:cBhvr>
-                                    </p:animEffect>
-                                  </p:childTnLst>
-                                </p:cTn>
-                              </p:par>
-                            </p:childTnLst>
-                          </p:cTn>
-                        </p:par>
-                      </p:childTnLst>
-                    </p:cTn>
-                  </p:par>
-                  <p:par>
-                    <p:cTn id="14" fill="hold">
-                      <p:stCondLst>
-                        <p:cond delay="indefinite"/>
-                      </p:stCondLst>
-                      <p:childTnLst>
-                        <p:par>
-                          <p:cTn id="15" fill="hold">
-                            <p:stCondLst>
-                              <p:cond delay="0"/>
-                            </p:stCondLst>
-                            <p:childTnLst>
-                              <p:par>
-                                <p:cTn id="16" presetID="2" presetClass="exit" presetSubtype="4" fill="hold" nodeType="clickEffect">
+                                <p:cTn id="5" presetID="2" presetClass="exit" presetSubtype="4" fill="hold" grpId="0" nodeType="clickEffect">
                                   <p:stCondLst>
                                     <p:cond delay="0"/>
                                   </p:stCondLst>
                                   <p:childTnLst>
                                     <p:anim calcmode="lin" valueType="num">
                                       <p:cBhvr additive="base">
-                                        <p:cTn id="17" dur="500"/>
+                                        <p:cTn id="6" dur="500"/>
                                         <p:tgtEl>
-                                          <p:spTgt spid="6"/>
+                                          <p:spTgt spid="4"/>
                                         </p:tgtEl>
                                         <p:attrNameLst>
                                           <p:attrName>ppt_x</p:attrName>
@@ -5820,9 +5697,9 @@
                                     </p:anim>
                                     <p:anim calcmode="lin" valueType="num">
                                       <p:cBhvr additive="base">
-                                        <p:cTn id="18" dur="500"/>
+                                        <p:cTn id="7" dur="500"/>
                                         <p:tgtEl>
-                                          <p:spTgt spid="6"/>
+                                          <p:spTgt spid="4"/>
                                         </p:tgtEl>
                                         <p:attrNameLst>
                                           <p:attrName>ppt_y</p:attrName>
@@ -5843,13 +5720,13 @@
                                     </p:anim>
                                     <p:set>
                                       <p:cBhvr>
-                                        <p:cTn id="19" dur="1" fill="hold">
+                                        <p:cTn id="8" dur="1" fill="hold">
                                           <p:stCondLst>
                                             <p:cond delay="499"/>
                                           </p:stCondLst>
                                         </p:cTn>
                                         <p:tgtEl>
-                                          <p:spTgt spid="6"/>
+                                          <p:spTgt spid="4"/>
                                         </p:tgtEl>
                                         <p:attrNameLst>
                                           <p:attrName>style.visibility</p:attrName>
@@ -5863,20 +5740,55 @@
                                 </p:cTn>
                               </p:par>
                               <p:par>
-                                <p:cTn id="20" presetID="2" presetClass="entr" presetSubtype="4" fill="hold" nodeType="withEffect">
+                                <p:cTn id="9" presetID="10" presetClass="entr" presetSubtype="0" fill="hold" grpId="0" nodeType="withEffect">
                                   <p:stCondLst>
                                     <p:cond delay="0"/>
                                   </p:stCondLst>
                                   <p:childTnLst>
                                     <p:set>
                                       <p:cBhvr>
-                                        <p:cTn id="21" dur="1" fill="hold">
+                                        <p:cTn id="10" dur="1" fill="hold">
                                           <p:stCondLst>
                                             <p:cond delay="0"/>
                                           </p:stCondLst>
                                         </p:cTn>
                                         <p:tgtEl>
-                                          <p:spTgt spid="7"/>
+                                          <p:spTgt spid="3"/>
+                                        </p:tgtEl>
+                                        <p:attrNameLst>
+                                          <p:attrName>style.visibility</p:attrName>
+                                        </p:attrNameLst>
+                                      </p:cBhvr>
+                                      <p:to>
+                                        <p:strVal val="visible"/>
+                                      </p:to>
+                                    </p:set>
+                                    <p:animEffect transition="in" filter="fade">
+                                      <p:cBhvr>
+                                        <p:cTn id="11" dur="500"/>
+                                        <p:tgtEl>
+                                          <p:spTgt spid="3"/>
+                                        </p:tgtEl>
+                                      </p:cBhvr>
+                                    </p:animEffect>
+                                  </p:childTnLst>
+                                </p:cTn>
+                              </p:par>
+                              <p:par>
+                                <p:cTn id="12" presetID="2" presetClass="entr" presetSubtype="4" fill="hold" nodeType="withEffect">
+                                  <p:stCondLst>
+                                    <p:cond delay="0"/>
+                                  </p:stCondLst>
+                                  <p:childTnLst>
+                                    <p:set>
+                                      <p:cBhvr>
+                                        <p:cTn id="13" dur="1" fill="hold">
+                                          <p:stCondLst>
+                                            <p:cond delay="0"/>
+                                          </p:stCondLst>
+                                        </p:cTn>
+                                        <p:tgtEl>
+                                          <p:spTgt spid="9"/>
                                         </p:tgtEl>
                                         <p:attrNameLst>
                                           <p:attrName>style.visibility</p:attrName>
@@ -5888,9 +5800,9 @@
                                     </p:set>
                                     <p:anim calcmode="lin" valueType="num">
                                       <p:cBhvr additive="base">
-                                        <p:cTn id="22" dur="500" fill="hold"/>
+                                        <p:cTn id="14" dur="500" fill="hold"/>
                                         <p:tgtEl>
-                                          <p:spTgt spid="7"/>
+                                          <p:spTgt spid="9"/>
                                         </p:tgtEl>
                                         <p:attrNameLst>
                                           <p:attrName>ppt_x</p:attrName>
@@ -5911,82 +5823,9 @@
                                     </p:anim>
                                     <p:anim calcmode="lin" valueType="num">
                                       <p:cBhvr additive="base">
-                                        <p:cTn id="23" dur="500" fill="hold"/>
+                                        <p:cTn id="15" dur="500" fill="hold"/>
                                         <p:tgtEl>
-                                          <p:spTgt spid="7"/>
-                                        </p:tgtEl>
-                                        <p:attrNameLst>
-                                          <p:attrName>ppt_y</p:attrName>
-                                        </p:attrNameLst>
-                                      </p:cBhvr>
-                                      <p:tavLst>
-                                        <p:tav tm="0">
-                                          <p:val>
-                                            <p:strVal val="1+#ppt_h/2"/>
-                                          </p:val>
-                                        </p:tav>
-                                        <p:tav tm="100000">
-                                          <p:val>
-                                            <p:strVal val="#ppt_y"/>
-                                          </p:val>
-                                        </p:tav>
-                                      </p:tavLst>
-                                    </p:anim>
-                                  </p:childTnLst>
-                                </p:cTn>
-                              </p:par>
-                              <p:par>
-                                <p:cTn id="24" presetID="2" presetClass="entr" presetSubtype="4" fill="hold" nodeType="withEffect">
-                                  <p:stCondLst>
-                                    <p:cond delay="0"/>
-                                  </p:stCondLst>
-                                  <p:childTnLst>
-                                    <p:set>
-                                      <p:cBhvr>
-                                        <p:cTn id="25" dur="1" fill="hold">
-                                          <p:stCondLst>
-                                            <p:cond delay="0"/>
-                                          </p:stCondLst>
-                                        </p:cTn>
-                                        <p:tgtEl>
-                                          <p:spTgt spid="8"/>
-                                        </p:tgtEl>
-                                        <p:attrNameLst>
-                                          <p:attrName>style.visibility</p:attrName>
-                                        </p:attrNameLst>
-                                      </p:cBhvr>
-                                      <p:to>
-                                        <p:strVal val="visible"/>
-                                      </p:to>
-                                    </p:set>
-                                    <p:anim calcmode="lin" valueType="num">
-                                      <p:cBhvr additive="base">
-                                        <p:cTn id="26" dur="500" fill="hold"/>
-                                        <p:tgtEl>
-                                          <p:spTgt spid="8"/>
-                                        </p:tgtEl>
-                                        <p:attrNameLst>
-                                          <p:attrName>ppt_x</p:attrName>
-                                        </p:attrNameLst>
-                                      </p:cBhvr>
-                                      <p:tavLst>
-                                        <p:tav tm="0">
-                                          <p:val>
-                                            <p:strVal val="#ppt_x"/>
-                                          </p:val>
-                                        </p:tav>
-                                        <p:tav tm="100000">
-                                          <p:val>
-                                            <p:strVal val="#ppt_x"/>
-                                          </p:val>
-                                        </p:tav>
-                                      </p:tavLst>
-                                    </p:anim>
-                                    <p:anim calcmode="lin" valueType="num">
-                                      <p:cBhvr additive="base">
-                                        <p:cTn id="27" dur="500" fill="hold"/>
-                                        <p:tgtEl>
-                                          <p:spTgt spid="8"/>
+                                          <p:spTgt spid="9"/>
                                         </p:tgtEl>
                                         <p:attrNameLst>
                                           <p:attrName>ppt_y</p:attrName>
@@ -6015,75 +5854,78 @@
                     </p:cTn>
                   </p:par>
                   <p:par>
-                    <p:cTn id="28" fill="hold">
+                    <p:cTn id="16" fill="hold">
                       <p:stCondLst>
                         <p:cond delay="indefinite"/>
                       </p:stCondLst>
                       <p:childTnLst>
                         <p:par>
-                          <p:cTn id="29" fill="hold">
+                          <p:cTn id="17" fill="hold">
                             <p:stCondLst>
                               <p:cond delay="0"/>
                             </p:stCondLst>
                             <p:childTnLst>
                               <p:par>
-                                <p:cTn id="30" presetID="16" presetClass="entr" presetSubtype="21" fill="hold" nodeType="clickEffect">
+                                <p:cTn id="18" presetID="2" presetClass="exit" presetSubtype="4" fill="hold" nodeType="clickEffect">
                                   <p:stCondLst>
                                     <p:cond delay="0"/>
                                   </p:stCondLst>
                                   <p:childTnLst>
-                                    <p:set>
-                                      <p:cBhvr>
-                                        <p:cTn id="31" dur="1" fill="hold">
-                                          <p:stCondLst>
-                                            <p:cond delay="0"/>
-                                          </p:stCondLst>
-                                        </p:cTn>
+                                    <p:anim calcmode="lin" valueType="num">
+                                      <p:cBhvr additive="base">
+                                        <p:cTn id="19" dur="500"/>
                                         <p:tgtEl>
                                           <p:spTgt spid="9"/>
                                         </p:tgtEl>
                                         <p:attrNameLst>
-                                          <p:attrName>style.visibility</p:attrName>
+                                          <p:attrName>ppt_x</p:attrName>
                                         </p:attrNameLst>
                                       </p:cBhvr>
-                                      <p:to>
-                                        <p:strVal val="visible"/>
-                                      </p:to>
-                                    </p:set>
-                                    <p:animEffect transition="in" filter="barn(inVertical)">
-                                      <p:cBhvr>
-                                        <p:cTn id="32" dur="500"/>
+                                      <p:tavLst>
+                                        <p:tav tm="0">
+                                          <p:val>
+                                            <p:strVal val="ppt_x"/>
+                                          </p:val>
+                                        </p:tav>
+                                        <p:tav tm="100000">
+                                          <p:val>
+                                            <p:strVal val="ppt_x"/>
+                                          </p:val>
+                                        </p:tav>
+                                      </p:tavLst>
+                                    </p:anim>
+                                    <p:anim calcmode="lin" valueType="num">
+                                      <p:cBhvr additive="base">
+                                        <p:cTn id="20" dur="500"/>
                                         <p:tgtEl>
                                           <p:spTgt spid="9"/>
                                         </p:tgtEl>
+                                        <p:attrNameLst>
+                                          <p:attrName>ppt_y</p:attrName>
+                                        </p:attrNameLst>
                                       </p:cBhvr>
-                                    </p:animEffect>
-                                  </p:childTnLst>
-                                </p:cTn>
-                              </p:par>
-                              <p:par>
-                                <p:cTn id="33" presetID="16" presetClass="exit" presetSubtype="21" fill="hold" nodeType="withEffect">
-                                  <p:stCondLst>
-                                    <p:cond delay="0"/>
-                                  </p:stCondLst>
-                                  <p:childTnLst>
-                                    <p:animEffect transition="out" filter="barn(inVertical)">
-                                      <p:cBhvr>
-                                        <p:cTn id="34" dur="500"/>
-                                        <p:tgtEl>
-                                          <p:spTgt spid="8"/>
-                                        </p:tgtEl>
-                                      </p:cBhvr>
-                                    </p:animEffect>
+                                      <p:tavLst>
+                                        <p:tav tm="0">
+                                          <p:val>
+                                            <p:strVal val="ppt_y"/>
+                                          </p:val>
+                                        </p:tav>
+                                        <p:tav tm="100000">
+                                          <p:val>
+                                            <p:strVal val="1+ppt_h/2"/>
+                                          </p:val>
+                                        </p:tav>
+                                      </p:tavLst>
+                                    </p:anim>
                                     <p:set>
                                       <p:cBhvr>
-                                        <p:cTn id="35" dur="1" fill="hold">
+                                        <p:cTn id="21" dur="1" fill="hold">
                                           <p:stCondLst>
                                             <p:cond delay="499"/>
                                           </p:stCondLst>
                                         </p:cTn>
                                         <p:tgtEl>
-                                          <p:spTgt spid="8"/>
+                                          <p:spTgt spid="9"/>
                                         </p:tgtEl>
                                         <p:attrNameLst>
                                           <p:attrName>style.visibility</p:attrName>
@@ -6097,24 +5939,253 @@
                                 </p:cTn>
                               </p:par>
                               <p:par>
-                                <p:cTn id="36" presetID="16" presetClass="exit" presetSubtype="21" fill="hold" nodeType="withEffect">
+                                <p:cTn id="22" presetID="2" presetClass="entr" presetSubtype="4" fill="hold" nodeType="withEffect">
                                   <p:stCondLst>
                                     <p:cond delay="0"/>
                                   </p:stCondLst>
                                   <p:childTnLst>
-                                    <p:animEffect transition="out" filter="barn(inVertical)">
-                                      <p:cBhvr>
-                                        <p:cTn id="37" dur="500"/>
-                                        <p:tgtEl>
-                                          <p:spTgt spid="7"/>
-                                        </p:tgtEl>
-                                      </p:cBhvr>
-                                    </p:animEffect>
                                     <p:set>
                                       <p:cBhvr>
-                                        <p:cTn id="38" dur="1" fill="hold">
+                                        <p:cTn id="23" dur="1" fill="hold">
+                                          <p:stCondLst>
+                                            <p:cond delay="0"/>
+                                          </p:stCondLst>
+                                        </p:cTn>
+                                        <p:tgtEl>
+                                          <p:spTgt spid="6"/>
+                                        </p:tgtEl>
+                                        <p:attrNameLst>
+                                          <p:attrName>style.visibility</p:attrName>
+                                        </p:attrNameLst>
+                                      </p:cBhvr>
+                                      <p:to>
+                                        <p:strVal val="visible"/>
+                                      </p:to>
+                                    </p:set>
+                                    <p:anim calcmode="lin" valueType="num">
+                                      <p:cBhvr additive="base">
+                                        <p:cTn id="24" dur="500" fill="hold"/>
+                                        <p:tgtEl>
+                                          <p:spTgt spid="6"/>
+                                        </p:tgtEl>
+                                        <p:attrNameLst>
+                                          <p:attrName>ppt_x</p:attrName>
+                                        </p:attrNameLst>
+                                      </p:cBhvr>
+                                      <p:tavLst>
+                                        <p:tav tm="0">
+                                          <p:val>
+                                            <p:strVal val="#ppt_x"/>
+                                          </p:val>
+                                        </p:tav>
+                                        <p:tav tm="100000">
+                                          <p:val>
+                                            <p:strVal val="#ppt_x"/>
+                                          </p:val>
+                                        </p:tav>
+                                      </p:tavLst>
+                                    </p:anim>
+                                    <p:anim calcmode="lin" valueType="num">
+                                      <p:cBhvr additive="base">
+                                        <p:cTn id="25" dur="500" fill="hold"/>
+                                        <p:tgtEl>
+                                          <p:spTgt spid="6"/>
+                                        </p:tgtEl>
+                                        <p:attrNameLst>
+                                          <p:attrName>ppt_y</p:attrName>
+                                        </p:attrNameLst>
+                                      </p:cBhvr>
+                                      <p:tavLst>
+                                        <p:tav tm="0">
+                                          <p:val>
+                                            <p:strVal val="1+#ppt_h/2"/>
+                                          </p:val>
+                                        </p:tav>
+                                        <p:tav tm="100000">
+                                          <p:val>
+                                            <p:strVal val="#ppt_y"/>
+                                          </p:val>
+                                        </p:tav>
+                                      </p:tavLst>
+                                    </p:anim>
+                                  </p:childTnLst>
+                                </p:cTn>
+                              </p:par>
+                            </p:childTnLst>
+                          </p:cTn>
+                        </p:par>
+                      </p:childTnLst>
+                    </p:cTn>
+                  </p:par>
+                  <p:par>
+                    <p:cTn id="26" fill="hold">
+                      <p:stCondLst>
+                        <p:cond delay="indefinite"/>
+                      </p:stCondLst>
+                      <p:childTnLst>
+                        <p:par>
+                          <p:cTn id="27" fill="hold">
+                            <p:stCondLst>
+                              <p:cond delay="0"/>
+                            </p:stCondLst>
+                            <p:childTnLst>
+                              <p:par>
+                                <p:cTn id="28" presetID="2" presetClass="exit" presetSubtype="4" fill="hold" nodeType="clickEffect">
+                                  <p:stCondLst>
+                                    <p:cond delay="0"/>
+                                  </p:stCondLst>
+                                  <p:childTnLst>
+                                    <p:anim calcmode="lin" valueType="num">
+                                      <p:cBhvr additive="base">
+                                        <p:cTn id="29" dur="500"/>
+                                        <p:tgtEl>
+                                          <p:spTgt spid="6"/>
+                                        </p:tgtEl>
+                                        <p:attrNameLst>
+                                          <p:attrName>ppt_x</p:attrName>
+                                        </p:attrNameLst>
+                                      </p:cBhvr>
+                                      <p:tavLst>
+                                        <p:tav tm="0">
+                                          <p:val>
+                                            <p:strVal val="ppt_x"/>
+                                          </p:val>
+                                        </p:tav>
+                                        <p:tav tm="100000">
+                                          <p:val>
+                                            <p:strVal val="ppt_x"/>
+                                          </p:val>
+                                        </p:tav>
+                                      </p:tavLst>
+                                    </p:anim>
+                                    <p:anim calcmode="lin" valueType="num">
+                                      <p:cBhvr additive="base">
+                                        <p:cTn id="30" dur="500"/>
+                                        <p:tgtEl>
+                                          <p:spTgt spid="6"/>
+                                        </p:tgtEl>
+                                        <p:attrNameLst>
+                                          <p:attrName>ppt_y</p:attrName>
+                                        </p:attrNameLst>
+                                      </p:cBhvr>
+                                      <p:tavLst>
+                                        <p:tav tm="0">
+                                          <p:val>
+                                            <p:strVal val="ppt_y"/>
+                                          </p:val>
+                                        </p:tav>
+                                        <p:tav tm="100000">
+                                          <p:val>
+                                            <p:strVal val="1+ppt_h/2"/>
+                                          </p:val>
+                                        </p:tav>
+                                      </p:tavLst>
+                                    </p:anim>
+                                    <p:set>
+                                      <p:cBhvr>
+                                        <p:cTn id="31" dur="1" fill="hold">
                                           <p:stCondLst>
                                             <p:cond delay="499"/>
+                                          </p:stCondLst>
+                                        </p:cTn>
+                                        <p:tgtEl>
+                                          <p:spTgt spid="6"/>
+                                        </p:tgtEl>
+                                        <p:attrNameLst>
+                                          <p:attrName>style.visibility</p:attrName>
+                                        </p:attrNameLst>
+                                      </p:cBhvr>
+                                      <p:to>
+                                        <p:strVal val="hidden"/>
+                                      </p:to>
+                                    </p:set>
+                                  </p:childTnLst>
+                                </p:cTn>
+                              </p:par>
+                              <p:par>
+                                <p:cTn id="32" presetID="2" presetClass="entr" presetSubtype="4" fill="hold" nodeType="withEffect">
+                                  <p:stCondLst>
+                                    <p:cond delay="0"/>
+                                  </p:stCondLst>
+                                  <p:childTnLst>
+                                    <p:set>
+                                      <p:cBhvr>
+                                        <p:cTn id="33" dur="1" fill="hold">
+                                          <p:stCondLst>
+                                            <p:cond delay="0"/>
+                                          </p:stCondLst>
+                                        </p:cTn>
+                                        <p:tgtEl>
+                                          <p:spTgt spid="8"/>
+                                        </p:tgtEl>
+                                        <p:attrNameLst>
+                                          <p:attrName>style.visibility</p:attrName>
+                                        </p:attrNameLst>
+                                      </p:cBhvr>
+                                      <p:to>
+                                        <p:strVal val="visible"/>
+                                      </p:to>
+                                    </p:set>
+                                    <p:anim calcmode="lin" valueType="num">
+                                      <p:cBhvr additive="base">
+                                        <p:cTn id="34" dur="500" fill="hold"/>
+                                        <p:tgtEl>
+                                          <p:spTgt spid="8"/>
+                                        </p:tgtEl>
+                                        <p:attrNameLst>
+                                          <p:attrName>ppt_x</p:attrName>
+                                        </p:attrNameLst>
+                                      </p:cBhvr>
+                                      <p:tavLst>
+                                        <p:tav tm="0">
+                                          <p:val>
+                                            <p:strVal val="#ppt_x"/>
+                                          </p:val>
+                                        </p:tav>
+                                        <p:tav tm="100000">
+                                          <p:val>
+                                            <p:strVal val="#ppt_x"/>
+                                          </p:val>
+                                        </p:tav>
+                                      </p:tavLst>
+                                    </p:anim>
+                                    <p:anim calcmode="lin" valueType="num">
+                                      <p:cBhvr additive="base">
+                                        <p:cTn id="35" dur="500" fill="hold"/>
+                                        <p:tgtEl>
+                                          <p:spTgt spid="8"/>
+                                        </p:tgtEl>
+                                        <p:attrNameLst>
+                                          <p:attrName>ppt_y</p:attrName>
+                                        </p:attrNameLst>
+                                      </p:cBhvr>
+                                      <p:tavLst>
+                                        <p:tav tm="0">
+                                          <p:val>
+                                            <p:strVal val="1+#ppt_h/2"/>
+                                          </p:val>
+                                        </p:tav>
+                                        <p:tav tm="100000">
+                                          <p:val>
+                                            <p:strVal val="#ppt_y"/>
+                                          </p:val>
+                                        </p:tav>
+                                      </p:tavLst>
+                                    </p:anim>
+                                  </p:childTnLst>
+                                </p:cTn>
+                              </p:par>
+                              <p:par>
+                                <p:cTn id="36" presetID="2" presetClass="entr" presetSubtype="4" fill="hold" nodeType="withEffect">
+                                  <p:stCondLst>
+                                    <p:cond delay="0"/>
+                                  </p:stCondLst>
+                                  <p:childTnLst>
+                                    <p:set>
+                                      <p:cBhvr>
+                                        <p:cTn id="37" dur="1" fill="hold">
+                                          <p:stCondLst>
+                                            <p:cond delay="0"/>
                                           </p:stCondLst>
                                         </p:cTn>
                                         <p:tgtEl>
@@ -6125,9 +6196,55 @@
                                         </p:attrNameLst>
                                       </p:cBhvr>
                                       <p:to>
-                                        <p:strVal val="hidden"/>
+                                        <p:strVal val="visible"/>
                                       </p:to>
                                     </p:set>
+                                    <p:anim calcmode="lin" valueType="num">
+                                      <p:cBhvr additive="base">
+                                        <p:cTn id="38" dur="500" fill="hold"/>
+                                        <p:tgtEl>
+                                          <p:spTgt spid="7"/>
+                                        </p:tgtEl>
+                                        <p:attrNameLst>
+                                          <p:attrName>ppt_x</p:attrName>
+                                        </p:attrNameLst>
+                                      </p:cBhvr>
+                                      <p:tavLst>
+                                        <p:tav tm="0">
+                                          <p:val>
+                                            <p:strVal val="#ppt_x"/>
+                                          </p:val>
+                                        </p:tav>
+                                        <p:tav tm="100000">
+                                          <p:val>
+                                            <p:strVal val="#ppt_x"/>
+                                          </p:val>
+                                        </p:tav>
+                                      </p:tavLst>
+                                    </p:anim>
+                                    <p:anim calcmode="lin" valueType="num">
+                                      <p:cBhvr additive="base">
+                                        <p:cTn id="39" dur="500" fill="hold"/>
+                                        <p:tgtEl>
+                                          <p:spTgt spid="7"/>
+                                        </p:tgtEl>
+                                        <p:attrNameLst>
+                                          <p:attrName>ppt_y</p:attrName>
+                                        </p:attrNameLst>
+                                      </p:cBhvr>
+                                      <p:tavLst>
+                                        <p:tav tm="0">
+                                          <p:val>
+                                            <p:strVal val="1+#ppt_h/2"/>
+                                          </p:val>
+                                        </p:tav>
+                                        <p:tav tm="100000">
+                                          <p:val>
+                                            <p:strVal val="#ppt_y"/>
+                                          </p:val>
+                                        </p:tav>
+                                      </p:tavLst>
+                                    </p:anim>
                                   </p:childTnLst>
                                 </p:cTn>
                               </p:par>
@@ -6553,7 +6670,7 @@
         </p:blipFill>
         <p:spPr bwMode="auto">
           <a:xfrm>
-            <a:off x="2411071" y="1218351"/>
+            <a:off x="2370311" y="1581547"/>
             <a:ext cx="6859915" cy="4455184"/>
           </a:xfrm>
           <a:prstGeom prst="rect">
@@ -6624,7 +6741,7 @@
         </p:blipFill>
         <p:spPr>
           <a:xfrm>
-            <a:off x="179867" y="1367355"/>
+            <a:off x="130451" y="1581547"/>
             <a:ext cx="5669817" cy="4455184"/>
           </a:xfrm>
           <a:prstGeom prst="rect">
@@ -6652,7 +6769,7 @@
         </p:blipFill>
         <p:spPr>
           <a:xfrm>
-            <a:off x="6058074" y="1367355"/>
+            <a:off x="5999900" y="1581547"/>
             <a:ext cx="6133926" cy="4455184"/>
           </a:xfrm>
           <a:prstGeom prst="rect">
@@ -6680,7 +6797,7 @@
         </p:blipFill>
         <p:spPr>
           <a:xfrm>
-            <a:off x="2741978" y="1399949"/>
+            <a:off x="2495486" y="1455970"/>
             <a:ext cx="6423802" cy="4632429"/>
           </a:xfrm>
           <a:prstGeom prst="rect">
@@ -6731,185 +6848,24 @@
                             </p:stCondLst>
                             <p:childTnLst>
                               <p:par>
-                                <p:cTn id="5" presetID="53" presetClass="exit" presetSubtype="32" fill="hold" grpId="0" nodeType="clickEffect">
+                                <p:cTn id="5" presetID="42" presetClass="exit" presetSubtype="0" fill="hold" grpId="0" nodeType="clickEffect">
                                   <p:stCondLst>
                                     <p:cond delay="0"/>
                                   </p:stCondLst>
                                   <p:childTnLst>
-                                    <p:anim calcmode="lin" valueType="num">
-                                      <p:cBhvr>
-                                        <p:cTn id="6" dur="500"/>
-                                        <p:tgtEl>
-                                          <p:spTgt spid="4"/>
-                                        </p:tgtEl>
-                                        <p:attrNameLst>
-                                          <p:attrName>ppt_w</p:attrName>
-                                        </p:attrNameLst>
-                                      </p:cBhvr>
-                                      <p:tavLst>
-                                        <p:tav tm="0">
-                                          <p:val>
-                                            <p:strVal val="ppt_w"/>
-                                          </p:val>
-                                        </p:tav>
-                                        <p:tav tm="100000">
-                                          <p:val>
-                                            <p:fltVal val="0"/>
-                                          </p:val>
-                                        </p:tav>
-                                      </p:tavLst>
-                                    </p:anim>
-                                    <p:anim calcmode="lin" valueType="num">
-                                      <p:cBhvr>
-                                        <p:cTn id="7" dur="500"/>
-                                        <p:tgtEl>
-                                          <p:spTgt spid="4"/>
-                                        </p:tgtEl>
-                                        <p:attrNameLst>
-                                          <p:attrName>ppt_h</p:attrName>
-                                        </p:attrNameLst>
-                                      </p:cBhvr>
-                                      <p:tavLst>
-                                        <p:tav tm="0">
-                                          <p:val>
-                                            <p:strVal val="ppt_h"/>
-                                          </p:val>
-                                        </p:tav>
-                                        <p:tav tm="100000">
-                                          <p:val>
-                                            <p:fltVal val="0"/>
-                                          </p:val>
-                                        </p:tav>
-                                      </p:tavLst>
-                                    </p:anim>
                                     <p:animEffect transition="out" filter="fade">
                                       <p:cBhvr>
-                                        <p:cTn id="8" dur="500"/>
+                                        <p:cTn id="6" dur="1000"/>
                                         <p:tgtEl>
                                           <p:spTgt spid="4"/>
                                         </p:tgtEl>
                                       </p:cBhvr>
                                     </p:animEffect>
-                                    <p:set>
+                                    <p:anim calcmode="lin" valueType="num">
                                       <p:cBhvr>
-                                        <p:cTn id="9" dur="1" fill="hold">
-                                          <p:stCondLst>
-                                            <p:cond delay="499"/>
-                                          </p:stCondLst>
-                                        </p:cTn>
+                                        <p:cTn id="7" dur="1000"/>
                                         <p:tgtEl>
                                           <p:spTgt spid="4"/>
-                                        </p:tgtEl>
-                                        <p:attrNameLst>
-                                          <p:attrName>style.visibility</p:attrName>
-                                        </p:attrNameLst>
-                                      </p:cBhvr>
-                                      <p:to>
-                                        <p:strVal val="hidden"/>
-                                      </p:to>
-                                    </p:set>
-                                  </p:childTnLst>
-                                </p:cTn>
-                              </p:par>
-                              <p:par>
-                                <p:cTn id="10" presetID="22" presetClass="entr" presetSubtype="4" fill="hold" nodeType="withEffect">
-                                  <p:stCondLst>
-                                    <p:cond delay="0"/>
-                                  </p:stCondLst>
-                                  <p:childTnLst>
-                                    <p:set>
-                                      <p:cBhvr>
-                                        <p:cTn id="11" dur="1" fill="hold">
-                                          <p:stCondLst>
-                                            <p:cond delay="0"/>
-                                          </p:stCondLst>
-                                        </p:cTn>
-                                        <p:tgtEl>
-                                          <p:spTgt spid="5"/>
-                                        </p:tgtEl>
-                                        <p:attrNameLst>
-                                          <p:attrName>style.visibility</p:attrName>
-                                        </p:attrNameLst>
-                                      </p:cBhvr>
-                                      <p:to>
-                                        <p:strVal val="visible"/>
-                                      </p:to>
-                                    </p:set>
-                                    <p:animEffect transition="in" filter="wipe(down)">
-                                      <p:cBhvr>
-                                        <p:cTn id="12" dur="500"/>
-                                        <p:tgtEl>
-                                          <p:spTgt spid="5"/>
-                                        </p:tgtEl>
-                                      </p:cBhvr>
-                                    </p:animEffect>
-                                  </p:childTnLst>
-                                </p:cTn>
-                              </p:par>
-                              <p:par>
-                                <p:cTn id="13" presetID="22" presetClass="entr" presetSubtype="4" fill="hold" grpId="0" nodeType="withEffect">
-                                  <p:stCondLst>
-                                    <p:cond delay="0"/>
-                                  </p:stCondLst>
-                                  <p:childTnLst>
-                                    <p:set>
-                                      <p:cBhvr>
-                                        <p:cTn id="14" dur="1" fill="hold">
-                                          <p:stCondLst>
-                                            <p:cond delay="0"/>
-                                          </p:stCondLst>
-                                        </p:cTn>
-                                        <p:tgtEl>
-                                          <p:spTgt spid="6"/>
-                                        </p:tgtEl>
-                                        <p:attrNameLst>
-                                          <p:attrName>style.visibility</p:attrName>
-                                        </p:attrNameLst>
-                                      </p:cBhvr>
-                                      <p:to>
-                                        <p:strVal val="visible"/>
-                                      </p:to>
-                                    </p:set>
-                                    <p:animEffect transition="in" filter="wipe(down)">
-                                      <p:cBhvr>
-                                        <p:cTn id="15" dur="500"/>
-                                        <p:tgtEl>
-                                          <p:spTgt spid="6"/>
-                                        </p:tgtEl>
-                                      </p:cBhvr>
-                                    </p:animEffect>
-                                  </p:childTnLst>
-                                </p:cTn>
-                              </p:par>
-                            </p:childTnLst>
-                          </p:cTn>
-                        </p:par>
-                      </p:childTnLst>
-                    </p:cTn>
-                  </p:par>
-                  <p:par>
-                    <p:cTn id="16" fill="hold">
-                      <p:stCondLst>
-                        <p:cond delay="indefinite"/>
-                      </p:stCondLst>
-                      <p:childTnLst>
-                        <p:par>
-                          <p:cTn id="17" fill="hold">
-                            <p:stCondLst>
-                              <p:cond delay="0"/>
-                            </p:stCondLst>
-                            <p:childTnLst>
-                              <p:par>
-                                <p:cTn id="18" presetID="2" presetClass="exit" presetSubtype="4" fill="hold" nodeType="clickEffect">
-                                  <p:stCondLst>
-                                    <p:cond delay="0"/>
-                                  </p:stCondLst>
-                                  <p:childTnLst>
-                                    <p:anim calcmode="lin" valueType="num">
-                                      <p:cBhvr additive="base">
-                                        <p:cTn id="19" dur="500"/>
-                                        <p:tgtEl>
-                                          <p:spTgt spid="5"/>
                                         </p:tgtEl>
                                         <p:attrNameLst>
                                           <p:attrName>ppt_x</p:attrName>
@@ -6929,10 +6885,10 @@
                                       </p:tavLst>
                                     </p:anim>
                                     <p:anim calcmode="lin" valueType="num">
-                                      <p:cBhvr additive="base">
-                                        <p:cTn id="20" dur="500"/>
+                                      <p:cBhvr>
+                                        <p:cTn id="8" dur="1000"/>
                                         <p:tgtEl>
-                                          <p:spTgt spid="5"/>
+                                          <p:spTgt spid="4"/>
                                         </p:tgtEl>
                                         <p:attrNameLst>
                                           <p:attrName>ppt_y</p:attrName>
@@ -6946,20 +6902,20 @@
                                         </p:tav>
                                         <p:tav tm="100000">
                                           <p:val>
-                                            <p:strVal val="1+ppt_h/2"/>
+                                            <p:strVal val="ppt_y+.1"/>
                                           </p:val>
                                         </p:tav>
                                       </p:tavLst>
                                     </p:anim>
                                     <p:set>
                                       <p:cBhvr>
-                                        <p:cTn id="21" dur="1" fill="hold">
+                                        <p:cTn id="9" dur="1" fill="hold">
                                           <p:stCondLst>
-                                            <p:cond delay="499"/>
+                                            <p:cond delay="999"/>
                                           </p:stCondLst>
                                         </p:cTn>
                                         <p:tgtEl>
-                                          <p:spTgt spid="5"/>
+                                          <p:spTgt spid="4"/>
                                         </p:tgtEl>
                                         <p:attrNameLst>
                                           <p:attrName>style.visibility</p:attrName>
@@ -6973,20 +6929,20 @@
                                 </p:cTn>
                               </p:par>
                               <p:par>
-                                <p:cTn id="22" presetID="2" presetClass="entr" presetSubtype="4" fill="hold" nodeType="withEffect">
+                                <p:cTn id="10" presetID="10" presetClass="entr" presetSubtype="0" fill="hold" grpId="0" nodeType="withEffect">
                                   <p:stCondLst>
                                     <p:cond delay="0"/>
                                   </p:stCondLst>
                                   <p:childTnLst>
                                     <p:set>
                                       <p:cBhvr>
-                                        <p:cTn id="23" dur="1" fill="hold">
+                                        <p:cTn id="11" dur="1" fill="hold">
                                           <p:stCondLst>
                                             <p:cond delay="0"/>
                                           </p:stCondLst>
                                         </p:cTn>
                                         <p:tgtEl>
-                                          <p:spTgt spid="7"/>
+                                          <p:spTgt spid="6"/>
                                         </p:tgtEl>
                                         <p:attrNameLst>
                                           <p:attrName>style.visibility</p:attrName>
@@ -6996,11 +6952,54 @@
                                         <p:strVal val="visible"/>
                                       </p:to>
                                     </p:set>
+                                    <p:animEffect transition="in" filter="fade">
+                                      <p:cBhvr>
+                                        <p:cTn id="12" dur="500"/>
+                                        <p:tgtEl>
+                                          <p:spTgt spid="6"/>
+                                        </p:tgtEl>
+                                      </p:cBhvr>
+                                    </p:animEffect>
+                                  </p:childTnLst>
+                                </p:cTn>
+                              </p:par>
+                              <p:par>
+                                <p:cTn id="13" presetID="42" presetClass="entr" presetSubtype="0" fill="hold" nodeType="withEffect">
+                                  <p:stCondLst>
+                                    <p:cond delay="0"/>
+                                  </p:stCondLst>
+                                  <p:childTnLst>
+                                    <p:set>
+                                      <p:cBhvr>
+                                        <p:cTn id="14" dur="1" fill="hold">
+                                          <p:stCondLst>
+                                            <p:cond delay="0"/>
+                                          </p:stCondLst>
+                                        </p:cTn>
+                                        <p:tgtEl>
+                                          <p:spTgt spid="9"/>
+                                        </p:tgtEl>
+                                        <p:attrNameLst>
+                                          <p:attrName>style.visibility</p:attrName>
+                                        </p:attrNameLst>
+                                      </p:cBhvr>
+                                      <p:to>
+                                        <p:strVal val="visible"/>
+                                      </p:to>
+                                    </p:set>
+                                    <p:animEffect transition="in" filter="fade">
+                                      <p:cBhvr>
+                                        <p:cTn id="15" dur="1000"/>
+                                        <p:tgtEl>
+                                          <p:spTgt spid="9"/>
+                                        </p:tgtEl>
+                                      </p:cBhvr>
+                                    </p:animEffect>
                                     <p:anim calcmode="lin" valueType="num">
-                                      <p:cBhvr additive="base">
-                                        <p:cTn id="24" dur="500" fill="hold"/>
+                                      <p:cBhvr>
+                                        <p:cTn id="16" dur="1000" fill="hold"/>
                                         <p:tgtEl>
-                                          <p:spTgt spid="7"/>
+                                          <p:spTgt spid="9"/>
                                         </p:tgtEl>
                                         <p:attrNameLst>
                                           <p:attrName>ppt_x</p:attrName>
@@ -7020,10 +7019,10 @@
                                       </p:tavLst>
                                     </p:anim>
                                     <p:anim calcmode="lin" valueType="num">
-                                      <p:cBhvr additive="base">
-                                        <p:cTn id="25" dur="500" fill="hold"/>
+                                      <p:cBhvr>
+                                        <p:cTn id="17" dur="1000" fill="hold"/>
                                         <p:tgtEl>
-                                          <p:spTgt spid="7"/>
+                                          <p:spTgt spid="9"/>
                                         </p:tgtEl>
                                         <p:attrNameLst>
                                           <p:attrName>ppt_y</p:attrName>
@@ -7032,7 +7031,7 @@
                                       <p:tavLst>
                                         <p:tav tm="0">
                                           <p:val>
-                                            <p:strVal val="1+#ppt_h/2"/>
+                                            <p:strVal val="#ppt_y+.1"/>
                                           </p:val>
                                         </p:tav>
                                         <p:tav tm="100000">
@@ -7045,21 +7044,120 @@
                                   </p:childTnLst>
                                 </p:cTn>
                               </p:par>
+                            </p:childTnLst>
+                          </p:cTn>
+                        </p:par>
+                      </p:childTnLst>
+                    </p:cTn>
+                  </p:par>
+                  <p:par>
+                    <p:cTn id="18" fill="hold">
+                      <p:stCondLst>
+                        <p:cond delay="indefinite"/>
+                      </p:stCondLst>
+                      <p:childTnLst>
+                        <p:par>
+                          <p:cTn id="19" fill="hold">
+                            <p:stCondLst>
+                              <p:cond delay="0"/>
+                            </p:stCondLst>
+                            <p:childTnLst>
                               <p:par>
-                                <p:cTn id="26" presetID="2" presetClass="entr" presetSubtype="4" fill="hold" nodeType="withEffect">
+                                <p:cTn id="20" presetID="42" presetClass="exit" presetSubtype="0" fill="hold" nodeType="clickEffect">
+                                  <p:stCondLst>
+                                    <p:cond delay="0"/>
+                                  </p:stCondLst>
+                                  <p:childTnLst>
+                                    <p:animEffect transition="out" filter="fade">
+                                      <p:cBhvr>
+                                        <p:cTn id="21" dur="1000"/>
+                                        <p:tgtEl>
+                                          <p:spTgt spid="9"/>
+                                        </p:tgtEl>
+                                      </p:cBhvr>
+                                    </p:animEffect>
+                                    <p:anim calcmode="lin" valueType="num">
+                                      <p:cBhvr>
+                                        <p:cTn id="22" dur="1000"/>
+                                        <p:tgtEl>
+                                          <p:spTgt spid="9"/>
+                                        </p:tgtEl>
+                                        <p:attrNameLst>
+                                          <p:attrName>ppt_x</p:attrName>
+                                        </p:attrNameLst>
+                                      </p:cBhvr>
+                                      <p:tavLst>
+                                        <p:tav tm="0">
+                                          <p:val>
+                                            <p:strVal val="ppt_x"/>
+                                          </p:val>
+                                        </p:tav>
+                                        <p:tav tm="100000">
+                                          <p:val>
+                                            <p:strVal val="ppt_x"/>
+                                          </p:val>
+                                        </p:tav>
+                                      </p:tavLst>
+                                    </p:anim>
+                                    <p:anim calcmode="lin" valueType="num">
+                                      <p:cBhvr>
+                                        <p:cTn id="23" dur="1000"/>
+                                        <p:tgtEl>
+                                          <p:spTgt spid="9"/>
+                                        </p:tgtEl>
+                                        <p:attrNameLst>
+                                          <p:attrName>ppt_y</p:attrName>
+                                        </p:attrNameLst>
+                                      </p:cBhvr>
+                                      <p:tavLst>
+                                        <p:tav tm="0">
+                                          <p:val>
+                                            <p:strVal val="ppt_y"/>
+                                          </p:val>
+                                        </p:tav>
+                                        <p:tav tm="100000">
+                                          <p:val>
+                                            <p:strVal val="ppt_y+.1"/>
+                                          </p:val>
+                                        </p:tav>
+                                      </p:tavLst>
+                                    </p:anim>
+                                    <p:set>
+                                      <p:cBhvr>
+                                        <p:cTn id="24" dur="1" fill="hold">
+                                          <p:stCondLst>
+                                            <p:cond delay="999"/>
+                                          </p:stCondLst>
+                                        </p:cTn>
+                                        <p:tgtEl>
+                                          <p:spTgt spid="9"/>
+                                        </p:tgtEl>
+                                        <p:attrNameLst>
+                                          <p:attrName>style.visibility</p:attrName>
+                                        </p:attrNameLst>
+                                      </p:cBhvr>
+                                      <p:to>
+                                        <p:strVal val="hidden"/>
+                                      </p:to>
+                                    </p:set>
+                                  </p:childTnLst>
+                                </p:cTn>
+                              </p:par>
+                              <p:par>
+                                <p:cTn id="25" presetID="42" presetClass="entr" presetSubtype="0" fill="hold" nodeType="withEffect">
                                   <p:stCondLst>
                                     <p:cond delay="0"/>
                                   </p:stCondLst>
                                   <p:childTnLst>
                                     <p:set>
                                       <p:cBhvr>
-                                        <p:cTn id="27" dur="1" fill="hold">
+                                        <p:cTn id="26" dur="1" fill="hold">
                                           <p:stCondLst>
                                             <p:cond delay="0"/>
                                           </p:stCondLst>
                                         </p:cTn>
                                         <p:tgtEl>
-                                          <p:spTgt spid="8"/>
+                                          <p:spTgt spid="5"/>
                                         </p:tgtEl>
                                         <p:attrNameLst>
                                           <p:attrName>style.visibility</p:attrName>
@@ -7069,11 +7167,19 @@
                                         <p:strVal val="visible"/>
                                       </p:to>
                                     </p:set>
+                                    <p:animEffect transition="in" filter="fade">
+                                      <p:cBhvr>
+                                        <p:cTn id="27" dur="1000"/>
+                                        <p:tgtEl>
+                                          <p:spTgt spid="5"/>
+                                        </p:tgtEl>
+                                      </p:cBhvr>
+                                    </p:animEffect>
                                     <p:anim calcmode="lin" valueType="num">
-                                      <p:cBhvr additive="base">
-                                        <p:cTn id="28" dur="500" fill="hold"/>
+                                      <p:cBhvr>
+                                        <p:cTn id="28" dur="1000" fill="hold"/>
                                         <p:tgtEl>
-                                          <p:spTgt spid="8"/>
+                                          <p:spTgt spid="5"/>
                                         </p:tgtEl>
                                         <p:attrNameLst>
                                           <p:attrName>ppt_x</p:attrName>
@@ -7093,10 +7199,10 @@
                                       </p:tavLst>
                                     </p:anim>
                                     <p:anim calcmode="lin" valueType="num">
-                                      <p:cBhvr additive="base">
-                                        <p:cTn id="29" dur="500" fill="hold"/>
+                                      <p:cBhvr>
+                                        <p:cTn id="29" dur="1000" fill="hold"/>
                                         <p:tgtEl>
-                                          <p:spTgt spid="8"/>
+                                          <p:spTgt spid="5"/>
                                         </p:tgtEl>
                                         <p:attrNameLst>
                                           <p:attrName>ppt_y</p:attrName>
@@ -7105,7 +7211,7 @@
                                       <p:tavLst>
                                         <p:tav tm="0">
                                           <p:val>
-                                            <p:strVal val="1+#ppt_h/2"/>
+                                            <p:strVal val="#ppt_y+.1"/>
                                           </p:val>
                                         </p:tav>
                                         <p:tav tm="100000">
@@ -7146,7 +7252,7 @@
                                       <p:cBhvr>
                                         <p:cTn id="33" dur="1000"/>
                                         <p:tgtEl>
-                                          <p:spTgt spid="7"/>
+                                          <p:spTgt spid="5"/>
                                         </p:tgtEl>
                                       </p:cBhvr>
                                     </p:animEffect>
@@ -7154,7 +7260,7 @@
                                       <p:cBhvr>
                                         <p:cTn id="34" dur="1000"/>
                                         <p:tgtEl>
-                                          <p:spTgt spid="7"/>
+                                          <p:spTgt spid="5"/>
                                         </p:tgtEl>
                                         <p:attrNameLst>
                                           <p:attrName>ppt_x</p:attrName>
@@ -7177,7 +7283,7 @@
                                       <p:cBhvr>
                                         <p:cTn id="35" dur="1000"/>
                                         <p:tgtEl>
-                                          <p:spTgt spid="7"/>
+                                          <p:spTgt spid="5"/>
                                         </p:tgtEl>
                                         <p:attrNameLst>
                                           <p:attrName>ppt_y</p:attrName>
@@ -7204,7 +7310,7 @@
                                           </p:stCondLst>
                                         </p:cTn>
                                         <p:tgtEl>
-                                          <p:spTgt spid="7"/>
+                                          <p:spTgt spid="5"/>
                                         </p:tgtEl>
                                         <p:attrNameLst>
                                           <p:attrName>style.visibility</p:attrName>
@@ -7218,24 +7324,42 @@
                                 </p:cTn>
                               </p:par>
                               <p:par>
-                                <p:cTn id="37" presetID="42" presetClass="exit" presetSubtype="0" fill="hold" nodeType="withEffect">
+                                <p:cTn id="37" presetID="42" presetClass="entr" presetSubtype="0" fill="hold" nodeType="withEffect">
                                   <p:stCondLst>
                                     <p:cond delay="0"/>
                                   </p:stCondLst>
                                   <p:childTnLst>
-                                    <p:animEffect transition="out" filter="fade">
+                                    <p:set>
                                       <p:cBhvr>
-                                        <p:cTn id="38" dur="1000"/>
+                                        <p:cTn id="38" dur="1" fill="hold">
+                                          <p:stCondLst>
+                                            <p:cond delay="0"/>
+                                          </p:stCondLst>
+                                        </p:cTn>
                                         <p:tgtEl>
-                                          <p:spTgt spid="8"/>
+                                          <p:spTgt spid="7"/>
+                                        </p:tgtEl>
+                                        <p:attrNameLst>
+                                          <p:attrName>style.visibility</p:attrName>
+                                        </p:attrNameLst>
+                                      </p:cBhvr>
+                                      <p:to>
+                                        <p:strVal val="visible"/>
+                                      </p:to>
+                                    </p:set>
+                                    <p:animEffect transition="in" filter="fade">
+                                      <p:cBhvr>
+                                        <p:cTn id="39" dur="1000"/>
+                                        <p:tgtEl>
+                                          <p:spTgt spid="7"/>
                                         </p:tgtEl>
                                       </p:cBhvr>
                                     </p:animEffect>
                                     <p:anim calcmode="lin" valueType="num">
                                       <p:cBhvr>
-                                        <p:cTn id="39" dur="1000"/>
+                                        <p:cTn id="40" dur="1000" fill="hold"/>
                                         <p:tgtEl>
-                                          <p:spTgt spid="8"/>
+                                          <p:spTgt spid="7"/>
                                         </p:tgtEl>
                                         <p:attrNameLst>
                                           <p:attrName>ppt_x</p:attrName>
@@ -7244,21 +7368,21 @@
                                       <p:tavLst>
                                         <p:tav tm="0">
                                           <p:val>
-                                            <p:strVal val="ppt_x"/>
+                                            <p:strVal val="#ppt_x"/>
                                           </p:val>
                                         </p:tav>
                                         <p:tav tm="100000">
                                           <p:val>
-                                            <p:strVal val="ppt_x"/>
+                                            <p:strVal val="#ppt_x"/>
                                           </p:val>
                                         </p:tav>
                                       </p:tavLst>
                                     </p:anim>
                                     <p:anim calcmode="lin" valueType="num">
                                       <p:cBhvr>
-                                        <p:cTn id="40" dur="1000"/>
+                                        <p:cTn id="41" dur="1000" fill="hold"/>
                                         <p:tgtEl>
-                                          <p:spTgt spid="8"/>
+                                          <p:spTgt spid="7"/>
                                         </p:tgtEl>
                                         <p:attrNameLst>
                                           <p:attrName>ppt_y</p:attrName>
@@ -7267,34 +7391,16 @@
                                       <p:tavLst>
                                         <p:tav tm="0">
                                           <p:val>
-                                            <p:strVal val="ppt_y"/>
+                                            <p:strVal val="#ppt_y+.1"/>
                                           </p:val>
                                         </p:tav>
                                         <p:tav tm="100000">
                                           <p:val>
-                                            <p:strVal val="ppt_y+.1"/>
+                                            <p:strVal val="#ppt_y"/>
                                           </p:val>
                                         </p:tav>
                                       </p:tavLst>
                                     </p:anim>
-                                    <p:set>
-                                      <p:cBhvr>
-                                        <p:cTn id="41" dur="1" fill="hold">
-                                          <p:stCondLst>
-                                            <p:cond delay="999"/>
-                                          </p:stCondLst>
-                                        </p:cTn>
-                                        <p:tgtEl>
-                                          <p:spTgt spid="8"/>
-                                        </p:tgtEl>
-                                        <p:attrNameLst>
-                                          <p:attrName>style.visibility</p:attrName>
-                                        </p:attrNameLst>
-                                      </p:cBhvr>
-                                      <p:to>
-                                        <p:strVal val="hidden"/>
-                                      </p:to>
-                                    </p:set>
                                   </p:childTnLst>
                                 </p:cTn>
                               </p:par>
@@ -7312,7 +7418,7 @@
                                           </p:stCondLst>
                                         </p:cTn>
                                         <p:tgtEl>
-                                          <p:spTgt spid="9"/>
+                                          <p:spTgt spid="8"/>
                                         </p:tgtEl>
                                         <p:attrNameLst>
                                           <p:attrName>style.visibility</p:attrName>
@@ -7326,7 +7432,7 @@
                                       <p:cBhvr>
                                         <p:cTn id="44" dur="1000"/>
                                         <p:tgtEl>
-                                          <p:spTgt spid="9"/>
+                                          <p:spTgt spid="8"/>
                                         </p:tgtEl>
                                       </p:cBhvr>
                                     </p:animEffect>
@@ -7334,7 +7440,7 @@
                                       <p:cBhvr>
                                         <p:cTn id="45" dur="1000" fill="hold"/>
                                         <p:tgtEl>
-                                          <p:spTgt spid="9"/>
+                                          <p:spTgt spid="8"/>
                                         </p:tgtEl>
                                         <p:attrNameLst>
                                           <p:attrName>ppt_x</p:attrName>
@@ -7357,7 +7463,7 @@
                                       <p:cBhvr>
                                         <p:cTn id="46" dur="1000" fill="hold"/>
                                         <p:tgtEl>
-                                          <p:spTgt spid="9"/>
+                                          <p:spTgt spid="8"/>
                                         </p:tgtEl>
                                         <p:attrNameLst>
                                           <p:attrName>ppt_y</p:attrName>
